--- a/BarChart Slideshow 2.pptx
+++ b/BarChart Slideshow 2.pptx
@@ -33,6 +33,8 @@
     <p:sldId id="281" r:id="rId28"/>
     <p:sldId id="282" r:id="rId29"/>
     <p:sldId id="283" r:id="rId30"/>
+    <p:sldId id="284" r:id="rId31"/>
+    <p:sldId id="285" r:id="rId32"/>
   </p:sldIdLst>
   <p:sldSz cx="12192000" cy="6858000"/>
   <p:notesSz cx="12192000" cy="6858000"/>
@@ -3314,7 +3316,7 @@
       </p:grpSpPr>
       <p:sp>
         <p:nvSpPr>
-          <p:cNvPr id="464581920" name="Title 1" hidden="0"/>
+          <p:cNvPr id="513956008" name="Title 1" hidden="0"/>
           <p:cNvSpPr>
             <a:spLocks noGrp="1"/>
           </p:cNvSpPr>
@@ -3332,7 +3334,7 @@
             </a:pPr>
             <a:r>
               <a:rPr/>
-              <a:t>Axes</a:t>
+              <a:t>Creating Scales</a:t>
             </a:r>
             <a:endParaRPr/>
           </a:p>
@@ -3340,7 +3342,7 @@
       </p:sp>
       <p:sp>
         <p:nvSpPr>
-          <p:cNvPr id="2065746157" name="Content Placeholder 2" hidden="0"/>
+          <p:cNvPr id="914351420" name="Content Placeholder 2" hidden="0"/>
           <p:cNvSpPr>
             <a:spLocks noGrp="1"/>
           </p:cNvSpPr>
@@ -3351,7 +3353,7 @@
         <p:spPr bwMode="auto"/>
         <p:txBody>
           <a:bodyPr vertOverflow="overflow" horzOverflow="clip" vert="horz" wrap="square" lIns="91440" tIns="45720" rIns="91440" bIns="45720" numCol="1" spcCol="0" rtlCol="0" fromWordArt="0" anchor="t" anchorCtr="0" forceAA="0" upright="0" compatLnSpc="0">
-            <a:normAutofit/>
+            <a:normAutofit fontScale="90000" lnSpcReduction="2000"/>
           </a:bodyPr>
           <a:lstStyle/>
           <a:p>
@@ -3360,7 +3362,7 @@
             </a:pPr>
             <a:r>
               <a:rPr/>
-              <a:t>Axes keep charts honest</a:t>
+              <a:t>Data visualization requires scales</a:t>
             </a:r>
             <a:endParaRPr/>
           </a:p>
@@ -3370,7 +3372,7 @@
             </a:pPr>
             <a:r>
               <a:rPr/>
-              <a:t>Axes take scales as parameters</a:t>
+              <a:t>A scale’s domain is the range of data to be plotted</a:t>
             </a:r>
             <a:endParaRPr/>
           </a:p>
@@ -3380,7 +3382,7 @@
             </a:pPr>
             <a:r>
               <a:rPr/>
-              <a:t>axisLeft has “ticks” &amp; labels to left of the line</a:t>
+              <a:t>A scale’s range is the location in the SVG to plot the data</a:t>
             </a:r>
             <a:endParaRPr/>
           </a:p>
@@ -3390,7 +3392,19 @@
             </a:pPr>
             <a:r>
               <a:rPr/>
-              <a:t>create and append a Y axis:</a:t>
+              <a:t>Many scales to choose from, we’ll use </a:t>
+            </a:r>
+            <a:r>
+              <a:rPr>
+                <a:latin typeface="Andale Mono"/>
+                <a:ea typeface="Andale Mono"/>
+                <a:cs typeface="Andale Mono"/>
+              </a:rPr>
+              <a:t>scaleLinear</a:t>
+            </a:r>
+            <a:r>
+              <a:rPr/>
+              <a:t>:</a:t>
             </a:r>
             <a:endParaRPr/>
           </a:p>
@@ -3400,17 +3414,6 @@
               <a:buNone/>
               <a:defRPr/>
             </a:pPr>
-            <a:r>
-              <a:rPr lang="en-US" sz="2100" b="0" i="0" u="none" strike="noStrike" cap="none" spc="0">
-                <a:solidFill>
-                  <a:schemeClr val="tx1"/>
-                </a:solidFill>
-                <a:latin typeface="Andale Mono"/>
-                <a:ea typeface="Andale Mono"/>
-                <a:cs typeface="Andale Mono"/>
-              </a:rPr>
-              <a:t>yAxis = d3.axisLeft(yScale);</a:t>
-            </a:r>
             <a:endParaRPr lang="en-US" sz="2100" b="0" i="0" u="none" strike="noStrike" cap="none" spc="0">
               <a:solidFill>
                 <a:schemeClr val="tx1"/>
@@ -3426,6 +3429,28 @@
               <a:buNone/>
               <a:defRPr/>
             </a:pPr>
+            <a:r>
+              <a:rPr lang="en-US" sz="2100" b="0" i="0" u="none" strike="noStrike" cap="none" spc="0">
+                <a:solidFill>
+                  <a:schemeClr val="tx1"/>
+                </a:solidFill>
+                <a:latin typeface="Andale Mono"/>
+                <a:ea typeface="Andale Mono"/>
+                <a:cs typeface="Andale Mono"/>
+              </a:rPr>
+              <a:t>xScale </a:t>
+            </a:r>
+            <a:r>
+              <a:rPr lang="en-US" sz="2100" b="0" i="0" u="none" strike="noStrike" cap="none" spc="0">
+                <a:solidFill>
+                  <a:schemeClr val="tx1"/>
+                </a:solidFill>
+                <a:latin typeface="Andale Mono"/>
+                <a:ea typeface="Andale Mono"/>
+                <a:cs typeface="Andale Mono"/>
+              </a:rPr>
+              <a:t>= d3.scaleLinear()</a:t>
+            </a:r>
             <a:br>
               <a:rPr lang="en-US" sz="2100" b="0" i="0" u="none" strike="noStrike" cap="none" spc="0">
                 <a:solidFill>
@@ -3445,7 +3470,94 @@
                 <a:ea typeface="Andale Mono"/>
                 <a:cs typeface="Andale Mono"/>
               </a:rPr>
-              <a:t>d3.select(“svg”)</a:t>
+              <a:t>	</a:t>
+            </a:r>
+            <a:r>
+              <a:rPr lang="en-US" sz="2100" b="0" i="0" u="none" strike="noStrike" cap="none" spc="0">
+                <a:solidFill>
+                  <a:schemeClr val="tx1"/>
+                </a:solidFill>
+                <a:latin typeface="Andale Mono"/>
+                <a:ea typeface="Andale Mono"/>
+                <a:cs typeface="Andale Mono"/>
+              </a:rPr>
+              <a:t>// domain is number of months in a year:</a:t>
+            </a:r>
+            <a:br>
+              <a:rPr lang="en-US" sz="2100" b="0" i="0" u="none" strike="noStrike" cap="none" spc="0">
+                <a:solidFill>
+                  <a:schemeClr val="tx1"/>
+                </a:solidFill>
+                <a:latin typeface="Andale Mono"/>
+                <a:ea typeface="Andale Mono"/>
+                <a:cs typeface="Andale Mono"/>
+              </a:rPr>
+            </a:br>
+            <a:r>
+              <a:rPr lang="en-US" sz="2100" b="0" i="0" u="none" strike="noStrike" cap="none" spc="0">
+                <a:solidFill>
+                  <a:schemeClr val="tx1"/>
+                </a:solidFill>
+                <a:latin typeface="Andale Mono"/>
+                <a:ea typeface="Andale Mono"/>
+                <a:cs typeface="Andale Mono"/>
+              </a:rPr>
+              <a:t>	</a:t>
+            </a:r>
+            <a:r>
+              <a:rPr lang="en-US" sz="2100" b="0" i="0" u="none" strike="noStrike" cap="none" spc="0">
+                <a:solidFill>
+                  <a:schemeClr val="tx1"/>
+                </a:solidFill>
+                <a:latin typeface="Andale Mono"/>
+                <a:ea typeface="Andale Mono"/>
+                <a:cs typeface="Andale Mono"/>
+              </a:rPr>
+              <a:t>.domain([ </a:t>
+            </a:r>
+            <a:r>
+              <a:rPr lang="en-US" sz="2100" b="0" i="0" u="none" strike="noStrike" cap="none" spc="0">
+                <a:solidFill>
+                  <a:schemeClr val="tx1"/>
+                </a:solidFill>
+                <a:latin typeface="Andale Mono"/>
+                <a:ea typeface="Andale Mono"/>
+                <a:cs typeface="Andale Mono"/>
+              </a:rPr>
+              <a:t>1</a:t>
+            </a:r>
+            <a:r>
+              <a:rPr lang="en-US" sz="2100" b="0" i="0" u="none" strike="noStrike" cap="none" spc="0">
+                <a:solidFill>
+                  <a:schemeClr val="tx1"/>
+                </a:solidFill>
+                <a:latin typeface="Andale Mono"/>
+                <a:ea typeface="Andale Mono"/>
+                <a:cs typeface="Andale Mono"/>
+              </a:rPr>
+              <a:t>,</a:t>
+            </a:r>
+            <a:r>
+              <a:rPr lang="en-US" sz="2100" b="0" i="0" u="none" strike="noStrike" cap="none" spc="0">
+                <a:solidFill>
+                  <a:schemeClr val="tx1"/>
+                </a:solidFill>
+                <a:latin typeface="Andale Mono"/>
+                <a:ea typeface="Andale Mono"/>
+                <a:cs typeface="Andale Mono"/>
+              </a:rPr>
+              <a:t>12</a:t>
+            </a:r>
+            <a:r>
+              <a:rPr lang="en-US" sz="2100" b="0" i="0" u="none" strike="noStrike" cap="none" spc="0">
+                <a:solidFill>
+                  <a:schemeClr val="tx1"/>
+                </a:solidFill>
+                <a:latin typeface="Andale Mono"/>
+                <a:ea typeface="Andale Mono"/>
+                <a:cs typeface="Andale Mono"/>
+              </a:rPr>
+              <a:t> ])</a:t>
             </a:r>
             <a:endParaRPr lang="en-US" sz="2100" b="0" i="0" u="none" strike="noStrike" cap="none" spc="0">
               <a:solidFill>
@@ -3471,24 +3583,9 @@
                 <a:ea typeface="Andale Mono"/>
                 <a:cs typeface="Andale Mono"/>
               </a:rPr>
-              <a:t>	// Add a “group” to hold the axis and give an ID:</a:t>
-            </a:r>
-            <a:endParaRPr lang="en-US" sz="2100" b="0" i="0" u="none" strike="noStrike" cap="none" spc="0">
-              <a:solidFill>
-                <a:schemeClr val="tx1"/>
-              </a:solidFill>
-              <a:latin typeface="Andale Mono"/>
-              <a:ea typeface="Andale Mono"/>
-              <a:cs typeface="Andale Mono"/>
-            </a:endParaRPr>
-          </a:p>
-          <a:p>
-            <a:pPr marL="0" indent="0">
-              <a:buFont typeface="Arial"/>
-              <a:buNone/>
-              <a:defRPr/>
-            </a:pPr>
-            <a:r>
+              <a:t>	// Spread bars across width of SVG starting at padding offset:</a:t>
+            </a:r>
+            <a:br>
               <a:rPr lang="en-US" sz="2100" b="0" i="0" u="none" strike="noStrike" cap="none" spc="0">
                 <a:solidFill>
                   <a:schemeClr val="tx1"/>
@@ -3497,23 +3594,7 @@
                 <a:ea typeface="Andale Mono"/>
                 <a:cs typeface="Andale Mono"/>
               </a:rPr>
-              <a:t>	.append(“g”)</a:t>
-            </a:r>
-            <a:endParaRPr lang="en-US" sz="2100" b="0" i="0" u="none" strike="noStrike" cap="none" spc="0">
-              <a:solidFill>
-                <a:schemeClr val="tx1"/>
-              </a:solidFill>
-              <a:latin typeface="Andale Mono"/>
-              <a:ea typeface="Andale Mono"/>
-              <a:cs typeface="Andale Mono"/>
-            </a:endParaRPr>
-          </a:p>
-          <a:p>
-            <a:pPr marL="0" indent="0">
-              <a:buFont typeface="Arial"/>
-              <a:buNone/>
-              <a:defRPr/>
-            </a:pPr>
+            </a:br>
             <a:r>
               <a:rPr lang="en-US" sz="2100" b="0" i="0" u="none" strike="noStrike" cap="none" spc="0">
                 <a:solidFill>
@@ -3523,8 +3604,62 @@
                 <a:ea typeface="Andale Mono"/>
                 <a:cs typeface="Andale Mono"/>
               </a:rPr>
-              <a:t>		.attr(“id”, “yaxis”)</a:t>
-            </a:r>
+              <a:t>	</a:t>
+            </a:r>
+            <a:r>
+              <a:rPr lang="en-US" sz="2100" b="0" i="0" u="none" strike="noStrike" cap="none" spc="0">
+                <a:solidFill>
+                  <a:schemeClr val="tx1"/>
+                </a:solidFill>
+                <a:latin typeface="Andale Mono"/>
+                <a:ea typeface="Andale Mono"/>
+                <a:cs typeface="Andale Mono"/>
+              </a:rPr>
+              <a:t>.range([ padding.left</a:t>
+            </a:r>
+            <a:r>
+              <a:rPr lang="en-US" sz="2100" b="0" i="0" u="none" strike="noStrike" cap="none" spc="0">
+                <a:solidFill>
+                  <a:schemeClr val="tx1"/>
+                </a:solidFill>
+                <a:latin typeface="Andale Mono"/>
+                <a:ea typeface="Andale Mono"/>
+                <a:cs typeface="Andale Mono"/>
+              </a:rPr>
+              <a:t>, padding.left + width </a:t>
+            </a:r>
+            <a:r>
+              <a:rPr lang="en-US" sz="2100" b="0" i="0" u="none" strike="noStrike" cap="none" spc="0">
+                <a:solidFill>
+                  <a:schemeClr val="tx1"/>
+                </a:solidFill>
+                <a:latin typeface="Andale Mono"/>
+                <a:ea typeface="Andale Mono"/>
+                <a:cs typeface="Andale Mono"/>
+              </a:rPr>
+              <a:t>]</a:t>
+            </a:r>
+            <a:r>
+              <a:rPr lang="en-US" sz="2100" b="0" i="0" u="none" strike="noStrike" cap="none" spc="0">
+                <a:solidFill>
+                  <a:schemeClr val="tx1"/>
+                </a:solidFill>
+                <a:latin typeface="Andale Mono"/>
+                <a:ea typeface="Andale Mono"/>
+                <a:cs typeface="Andale Mono"/>
+              </a:rPr>
+              <a:t>)</a:t>
+            </a:r>
+            <a:br>
+              <a:rPr lang="en-US" sz="2100" b="0" i="0" u="none" strike="noStrike" cap="none" spc="0">
+                <a:solidFill>
+                  <a:schemeClr val="tx1"/>
+                </a:solidFill>
+                <a:latin typeface="Andale Mono"/>
+                <a:ea typeface="Andale Mono"/>
+                <a:cs typeface="Andale Mono"/>
+              </a:rPr>
+            </a:br>
             <a:endParaRPr lang="en-US" sz="2100" b="0" i="0" u="none" strike="noStrike" cap="none" spc="0">
               <a:solidFill>
                 <a:schemeClr val="tx1"/>
@@ -3575,7 +3710,7 @@
       </p:grpSpPr>
       <p:sp>
         <p:nvSpPr>
-          <p:cNvPr id="1954359085" name="Title 1" hidden="0"/>
+          <p:cNvPr id="464581920" name="Title 1" hidden="0"/>
           <p:cNvSpPr>
             <a:spLocks noGrp="1"/>
           </p:cNvSpPr>
@@ -3593,7 +3728,7 @@
             </a:pPr>
             <a:r>
               <a:rPr/>
-              <a:t>Axis formatting</a:t>
+              <a:t>Axes</a:t>
             </a:r>
             <a:endParaRPr/>
           </a:p>
@@ -3601,7 +3736,7 @@
       </p:sp>
       <p:sp>
         <p:nvSpPr>
-          <p:cNvPr id="1061201199" name="Content Placeholder 2" hidden="0"/>
+          <p:cNvPr id="2065746157" name="Content Placeholder 2" hidden="0"/>
           <p:cNvSpPr>
             <a:spLocks noGrp="1"/>
           </p:cNvSpPr>
@@ -3611,7 +3746,9 @@
         </p:nvSpPr>
         <p:spPr bwMode="auto"/>
         <p:txBody>
-          <a:bodyPr/>
+          <a:bodyPr vertOverflow="overflow" horzOverflow="clip" vert="horz" wrap="square" lIns="91440" tIns="45720" rIns="91440" bIns="45720" numCol="1" spcCol="0" rtlCol="0" fromWordArt="0" anchor="t" anchorCtr="0" forceAA="0" upright="0" compatLnSpc="0">
+            <a:normAutofit/>
+          </a:bodyPr>
           <a:lstStyle/>
           <a:p>
             <a:pPr>
@@ -3619,7 +3756,7 @@
             </a:pPr>
             <a:r>
               <a:rPr/>
-              <a:t>There are many options to format an axis</a:t>
+              <a:t>Axes keep charts honest</a:t>
             </a:r>
             <a:endParaRPr/>
           </a:p>
@@ -3629,7 +3766,7 @@
             </a:pPr>
             <a:r>
               <a:rPr/>
-              <a:t>The “ticks” are the little marks indicating precise location</a:t>
+              <a:t>Axes take scales as parameters</a:t>
             </a:r>
             <a:endParaRPr/>
           </a:p>
@@ -3639,71 +3776,159 @@
             </a:pPr>
             <a:r>
               <a:rPr/>
-              <a:t>Tick marks can have sizes:</a:t>
+              <a:t>axisLeft has “ticks” &amp; labels to left of the line</a:t>
             </a:r>
             <a:endParaRPr/>
           </a:p>
           <a:p>
-            <a:pPr lvl="1">
-              <a:defRPr/>
-            </a:pPr>
-            <a:r>
-              <a:rPr>
-                <a:latin typeface="Andale Mono"/>
-                <a:ea typeface="Andale Mono"/>
-                <a:cs typeface="Andale Mono"/>
-              </a:rPr>
-              <a:t>tickSizeOuter </a:t>
-            </a:r>
+            <a:pPr>
+              <a:defRPr/>
+            </a:pPr>
             <a:r>
               <a:rPr/>
-              <a:t>for ends of axis line</a:t>
+              <a:t>create and append a Y axis:</a:t>
             </a:r>
             <a:endParaRPr/>
           </a:p>
           <a:p>
-            <a:pPr lvl="1">
-              <a:defRPr/>
-            </a:pPr>
-            <a:r>
-              <a:rPr>
-                <a:latin typeface="Andale Mono"/>
-                <a:ea typeface="Andale Mono"/>
-                <a:cs typeface="Andale Mono"/>
-              </a:rPr>
-              <a:t>tickSizeInner </a:t>
-            </a:r>
-            <a:r>
-              <a:rPr/>
-              <a:t>for normal scale delimiters</a:t>
-            </a:r>
-            <a:endParaRPr/>
-          </a:p>
-          <a:p>
-            <a:pPr lvl="0">
-              <a:defRPr/>
-            </a:pPr>
-            <a:r>
-              <a:rPr/>
-              <a:t>This bar chart will have tick marks that stretch the width of the chart and the lines will be dashes, not solid</a:t>
-            </a:r>
-            <a:endParaRPr/>
-          </a:p>
-          <a:p>
-            <a:pPr lvl="0">
-              <a:defRPr/>
-            </a:pPr>
-            <a:r>
-              <a:rPr/>
-              <a:t>CSS can be applied to SVG elements</a:t>
-            </a:r>
-            <a:endParaRPr/>
-          </a:p>
-          <a:p>
-            <a:pPr>
-              <a:defRPr/>
-            </a:pPr>
-            <a:endParaRPr/>
+            <a:pPr marL="0" indent="0">
+              <a:buFont typeface="Arial"/>
+              <a:buNone/>
+              <a:defRPr/>
+            </a:pPr>
+            <a:r>
+              <a:rPr lang="en-US" sz="2100" b="0" i="0" u="none" strike="noStrike" cap="none" spc="0">
+                <a:solidFill>
+                  <a:schemeClr val="tx1"/>
+                </a:solidFill>
+                <a:latin typeface="Andale Mono"/>
+                <a:ea typeface="Andale Mono"/>
+                <a:cs typeface="Andale Mono"/>
+              </a:rPr>
+              <a:t>yAxis = d3.axisLeft(yScale);</a:t>
+            </a:r>
+            <a:endParaRPr lang="en-US" sz="2100" b="0" i="0" u="none" strike="noStrike" cap="none" spc="0">
+              <a:solidFill>
+                <a:schemeClr val="tx1"/>
+              </a:solidFill>
+              <a:latin typeface="Andale Mono"/>
+              <a:ea typeface="Andale Mono"/>
+              <a:cs typeface="Andale Mono"/>
+            </a:endParaRPr>
+          </a:p>
+          <a:p>
+            <a:pPr marL="0" indent="0">
+              <a:buFont typeface="Arial"/>
+              <a:buNone/>
+              <a:defRPr/>
+            </a:pPr>
+            <a:br>
+              <a:rPr lang="en-US" sz="2100" b="0" i="0" u="none" strike="noStrike" cap="none" spc="0">
+                <a:solidFill>
+                  <a:schemeClr val="tx1"/>
+                </a:solidFill>
+                <a:latin typeface="Andale Mono"/>
+                <a:ea typeface="Andale Mono"/>
+                <a:cs typeface="Andale Mono"/>
+              </a:rPr>
+            </a:br>
+            <a:r>
+              <a:rPr lang="en-US" sz="2100" b="0" i="0" u="none" strike="noStrike" cap="none" spc="0">
+                <a:solidFill>
+                  <a:schemeClr val="tx1"/>
+                </a:solidFill>
+                <a:latin typeface="Andale Mono"/>
+                <a:ea typeface="Andale Mono"/>
+                <a:cs typeface="Andale Mono"/>
+              </a:rPr>
+              <a:t>d3.select(“svg”)</a:t>
+            </a:r>
+            <a:endParaRPr lang="en-US" sz="2100" b="0" i="0" u="none" strike="noStrike" cap="none" spc="0">
+              <a:solidFill>
+                <a:schemeClr val="tx1"/>
+              </a:solidFill>
+              <a:latin typeface="Andale Mono"/>
+              <a:ea typeface="Andale Mono"/>
+              <a:cs typeface="Andale Mono"/>
+            </a:endParaRPr>
+          </a:p>
+          <a:p>
+            <a:pPr marL="0" indent="0">
+              <a:buFont typeface="Arial"/>
+              <a:buNone/>
+              <a:defRPr/>
+            </a:pPr>
+            <a:r>
+              <a:rPr lang="en-US" sz="2100" b="0" i="0" u="none" strike="noStrike" cap="none" spc="0">
+                <a:solidFill>
+                  <a:schemeClr val="tx1"/>
+                </a:solidFill>
+                <a:latin typeface="Andale Mono"/>
+                <a:ea typeface="Andale Mono"/>
+                <a:cs typeface="Andale Mono"/>
+              </a:rPr>
+              <a:t>	// Add a “group” to hold the axis and give an ID:</a:t>
+            </a:r>
+            <a:endParaRPr lang="en-US" sz="2100" b="0" i="0" u="none" strike="noStrike" cap="none" spc="0">
+              <a:solidFill>
+                <a:schemeClr val="tx1"/>
+              </a:solidFill>
+              <a:latin typeface="Andale Mono"/>
+              <a:ea typeface="Andale Mono"/>
+              <a:cs typeface="Andale Mono"/>
+            </a:endParaRPr>
+          </a:p>
+          <a:p>
+            <a:pPr marL="0" indent="0">
+              <a:buFont typeface="Arial"/>
+              <a:buNone/>
+              <a:defRPr/>
+            </a:pPr>
+            <a:r>
+              <a:rPr lang="en-US" sz="2100" b="0" i="0" u="none" strike="noStrike" cap="none" spc="0">
+                <a:solidFill>
+                  <a:schemeClr val="tx1"/>
+                </a:solidFill>
+                <a:latin typeface="Andale Mono"/>
+                <a:ea typeface="Andale Mono"/>
+                <a:cs typeface="Andale Mono"/>
+              </a:rPr>
+              <a:t>	.append(“g”)</a:t>
+            </a:r>
+            <a:endParaRPr lang="en-US" sz="2100" b="0" i="0" u="none" strike="noStrike" cap="none" spc="0">
+              <a:solidFill>
+                <a:schemeClr val="tx1"/>
+              </a:solidFill>
+              <a:latin typeface="Andale Mono"/>
+              <a:ea typeface="Andale Mono"/>
+              <a:cs typeface="Andale Mono"/>
+            </a:endParaRPr>
+          </a:p>
+          <a:p>
+            <a:pPr marL="0" indent="0">
+              <a:buFont typeface="Arial"/>
+              <a:buNone/>
+              <a:defRPr/>
+            </a:pPr>
+            <a:r>
+              <a:rPr lang="en-US" sz="2100" b="0" i="0" u="none" strike="noStrike" cap="none" spc="0">
+                <a:solidFill>
+                  <a:schemeClr val="tx1"/>
+                </a:solidFill>
+                <a:latin typeface="Andale Mono"/>
+                <a:ea typeface="Andale Mono"/>
+                <a:cs typeface="Andale Mono"/>
+              </a:rPr>
+              <a:t>		.attr(“id”, “yaxis”)</a:t>
+            </a:r>
+            <a:endParaRPr lang="en-US" sz="2100" b="0" i="0" u="none" strike="noStrike" cap="none" spc="0">
+              <a:solidFill>
+                <a:schemeClr val="tx1"/>
+              </a:solidFill>
+              <a:latin typeface="Andale Mono"/>
+              <a:ea typeface="Andale Mono"/>
+              <a:cs typeface="Andale Mono"/>
+            </a:endParaRPr>
           </a:p>
         </p:txBody>
       </p:sp>
@@ -3746,7 +3971,7 @@
       </p:grpSpPr>
       <p:sp>
         <p:nvSpPr>
-          <p:cNvPr id="589161609" name="Title 1" hidden="0"/>
+          <p:cNvPr id="1954359085" name="Title 1" hidden="0"/>
           <p:cNvSpPr>
             <a:spLocks noGrp="1"/>
           </p:cNvSpPr>
@@ -3764,7 +3989,7 @@
             </a:pPr>
             <a:r>
               <a:rPr/>
-              <a:t>Axis formatting 2</a:t>
+              <a:t>Axis formatting</a:t>
             </a:r>
             <a:endParaRPr/>
           </a:p>
@@ -3772,7 +3997,7 @@
       </p:sp>
       <p:sp>
         <p:nvSpPr>
-          <p:cNvPr id="733685689" name="Content Placeholder 2" hidden="0"/>
+          <p:cNvPr id="1061201199" name="Content Placeholder 2" hidden="0"/>
           <p:cNvSpPr>
             <a:spLocks noGrp="1"/>
           </p:cNvSpPr>
@@ -3785,263 +4010,96 @@
           <a:bodyPr/>
           <a:lstStyle/>
           <a:p>
-            <a:pPr marL="0" indent="0">
-              <a:buFont typeface="Arial"/>
-              <a:buNone/>
-              <a:defRPr/>
-            </a:pPr>
-            <a:r>
-              <a:rPr lang="en-US" sz="2100" b="0" i="0" u="none" strike="noStrike" cap="none" spc="0">
-                <a:solidFill>
-                  <a:schemeClr val="tx1"/>
-                </a:solidFill>
-                <a:latin typeface="Andale Mono"/>
-                <a:ea typeface="Andale Mono"/>
-                <a:cs typeface="Andale Mono"/>
-              </a:rPr>
-              <a:t>yAxis</a:t>
-            </a:r>
-            <a:endParaRPr lang="en-US" sz="2100" b="0" i="0" u="none" strike="noStrike" cap="none" spc="0">
-              <a:solidFill>
-                <a:schemeClr val="tx1"/>
-              </a:solidFill>
-              <a:latin typeface="Andale Mono"/>
-              <a:ea typeface="Andale Mono"/>
-              <a:cs typeface="Andale Mono"/>
-            </a:endParaRPr>
-          </a:p>
-          <a:p>
-            <a:pPr marL="0" indent="0">
-              <a:buFont typeface="Arial"/>
-              <a:buNone/>
-              <a:defRPr/>
-            </a:pPr>
-            <a:r>
-              <a:rPr lang="en-US" sz="2100" b="0" i="0" u="none" strike="noStrike" cap="none" spc="0">
-                <a:solidFill>
-                  <a:schemeClr val="tx1"/>
-                </a:solidFill>
-                <a:latin typeface="Andale Mono"/>
-                <a:ea typeface="Andale Mono"/>
-                <a:cs typeface="Andale Mono"/>
-              </a:rPr>
-              <a:t>	// Make ticks width of SVG in opposite direction of labels</a:t>
-            </a:r>
-            <a:br>
-              <a:rPr lang="en-US" sz="2100" b="0" i="0" u="none" strike="noStrike" cap="none" spc="0">
-                <a:solidFill>
-                  <a:schemeClr val="tx1"/>
-                </a:solidFill>
-                <a:latin typeface="Andale Mono"/>
-                <a:ea typeface="Andale Mono"/>
-                <a:cs typeface="Andale Mono"/>
-              </a:rPr>
-            </a:br>
-            <a:r>
-              <a:rPr lang="en-US" sz="2100" b="0" i="0" u="none" strike="noStrike" cap="none" spc="0">
-                <a:solidFill>
-                  <a:schemeClr val="tx1"/>
-                </a:solidFill>
-                <a:latin typeface="Andale Mono"/>
-                <a:ea typeface="Andale Mono"/>
-                <a:cs typeface="Andale Mono"/>
-              </a:rPr>
-              <a:t>	.tickSizeInner( -</a:t>
-            </a:r>
-            <a:r>
-              <a:rPr lang="en-US" sz="2100" b="0" i="0" u="none" strike="noStrike" cap="none" spc="0">
-                <a:solidFill>
-                  <a:schemeClr val="tx1"/>
-                </a:solidFill>
-                <a:latin typeface="Andale Mono"/>
-                <a:ea typeface="Andale Mono"/>
-                <a:cs typeface="Andale Mono"/>
-              </a:rPr>
-              <a:t>1</a:t>
-            </a:r>
-            <a:r>
-              <a:rPr lang="en-US" sz="2100" b="0" i="0" u="none" strike="noStrike" cap="none" spc="0">
-                <a:solidFill>
-                  <a:schemeClr val="tx1"/>
-                </a:solidFill>
-                <a:latin typeface="Andale Mono"/>
-                <a:ea typeface="Andale Mono"/>
-                <a:cs typeface="Andale Mono"/>
-              </a:rPr>
-              <a:t> * width)</a:t>
-            </a:r>
-            <a:endParaRPr lang="en-US" sz="2100" b="0" i="0" u="none" strike="noStrike" cap="none" spc="0">
-              <a:solidFill>
-                <a:schemeClr val="tx1"/>
-              </a:solidFill>
-              <a:latin typeface="Andale Mono"/>
-              <a:ea typeface="Andale Mono"/>
-              <a:cs typeface="Andale Mono"/>
-            </a:endParaRPr>
-          </a:p>
-          <a:p>
-            <a:pPr marL="0" indent="0">
-              <a:buFont typeface="Arial"/>
-              <a:buNone/>
-              <a:defRPr/>
-            </a:pPr>
+            <a:pPr>
+              <a:defRPr/>
+            </a:pPr>
+            <a:r>
+              <a:rPr/>
+              <a:t>There are many options to format an axis</a:t>
+            </a:r>
             <a:endParaRPr/>
           </a:p>
           <a:p>
-            <a:pPr marL="0" indent="0">
-              <a:buFont typeface="Arial"/>
-              <a:buNone/>
-              <a:defRPr/>
-            </a:pPr>
-            <a:r>
-              <a:rPr lang="en-US" sz="2100" b="0" i="0" u="none" strike="noStrike" cap="none" spc="0">
-                <a:solidFill>
-                  <a:schemeClr val="tx1"/>
-                </a:solidFill>
-                <a:latin typeface="Andale Mono"/>
-                <a:ea typeface="Andale Mono"/>
-                <a:cs typeface="Andale Mono"/>
-              </a:rPr>
-              <a:t>d3.select(“#yaxis”)</a:t>
-            </a:r>
-            <a:endParaRPr lang="en-US" sz="2100" b="0" i="0" u="none" strike="noStrike" cap="none" spc="0">
-              <a:solidFill>
-                <a:schemeClr val="tx1"/>
-              </a:solidFill>
-              <a:latin typeface="Andale Mono"/>
-              <a:ea typeface="Andale Mono"/>
-              <a:cs typeface="Andale Mono"/>
-            </a:endParaRPr>
-          </a:p>
-          <a:p>
-            <a:pPr marL="0" indent="0">
-              <a:buFont typeface="Arial"/>
-              <a:buNone/>
-              <a:defRPr/>
-            </a:pPr>
-            <a:r>
-              <a:rPr lang="en-US" sz="2100" b="0" i="0" u="none" strike="noStrike" cap="none" spc="0">
-                <a:solidFill>
-                  <a:schemeClr val="tx1"/>
-                </a:solidFill>
-                <a:latin typeface="Andale Mono"/>
-                <a:ea typeface="Andale Mono"/>
-                <a:cs typeface="Andale Mono"/>
-              </a:rPr>
-              <a:t>	// Apply our axis and formatted labels:</a:t>
-            </a:r>
-            <a:endParaRPr lang="en-US" sz="2100" b="0" i="0" u="none" strike="noStrike" cap="none" spc="0">
-              <a:solidFill>
-                <a:schemeClr val="tx1"/>
-              </a:solidFill>
-              <a:latin typeface="Andale Mono"/>
-              <a:ea typeface="Andale Mono"/>
-              <a:cs typeface="Andale Mono"/>
-            </a:endParaRPr>
-          </a:p>
-          <a:p>
-            <a:pPr marL="0" indent="0">
-              <a:buFont typeface="Arial"/>
-              <a:buNone/>
-              <a:defRPr/>
-            </a:pPr>
-            <a:r>
-              <a:rPr lang="en-US" sz="2100" b="0" i="0" u="none" strike="noStrike" cap="none" spc="0">
-                <a:solidFill>
-                  <a:schemeClr val="tx1"/>
-                </a:solidFill>
-                <a:latin typeface="Andale Mono"/>
-                <a:ea typeface="Andale Mono"/>
-                <a:cs typeface="Andale Mono"/>
-              </a:rPr>
-              <a:t>	.call(yAxis)</a:t>
-            </a:r>
-            <a:endParaRPr lang="en-US" sz="2100" b="0" i="0" u="none" strike="noStrike" cap="none" spc="0">
-              <a:solidFill>
-                <a:schemeClr val="tx1"/>
-              </a:solidFill>
-              <a:latin typeface="Andale Mono"/>
-              <a:ea typeface="Andale Mono"/>
-              <a:cs typeface="Andale Mono"/>
-            </a:endParaRPr>
-          </a:p>
-          <a:p>
-            <a:pPr marL="0" indent="0">
-              <a:buFont typeface="Arial"/>
-              <a:buNone/>
-              <a:defRPr/>
-            </a:pPr>
-            <a:r>
-              <a:rPr lang="en-US" sz="2100" b="0" i="0" u="none" strike="noStrike" cap="none" spc="0">
-                <a:solidFill>
-                  <a:schemeClr val="tx1"/>
-                </a:solidFill>
-                <a:latin typeface="Andale Mono"/>
-                <a:ea typeface="Andale Mono"/>
-                <a:cs typeface="Andale Mono"/>
-              </a:rPr>
-              <a:t>	.selectAll(“text”)</a:t>
-            </a:r>
-            <a:endParaRPr lang="en-US" sz="2100" b="0" i="0" u="none" strike="noStrike" cap="none" spc="0">
-              <a:solidFill>
-                <a:schemeClr val="tx1"/>
-              </a:solidFill>
-              <a:latin typeface="Andale Mono"/>
-              <a:ea typeface="Andale Mono"/>
-              <a:cs typeface="Andale Mono"/>
-            </a:endParaRPr>
-          </a:p>
-          <a:p>
-            <a:pPr marL="0" indent="0">
-              <a:buFont typeface="Arial"/>
-              <a:buNone/>
-              <a:defRPr/>
-            </a:pPr>
-            <a:r>
-              <a:rPr lang="en-US" sz="2100" b="0" i="0" u="none" strike="noStrike" cap="none" spc="0">
-                <a:solidFill>
-                  <a:schemeClr val="tx1"/>
-                </a:solidFill>
-                <a:latin typeface="Andale Mono"/>
-                <a:ea typeface="Andale Mono"/>
-                <a:cs typeface="Andale Mono"/>
-              </a:rPr>
-              <a:t>		// Format each data (d) as 2.0M vs 2000000:</a:t>
-            </a:r>
-            <a:endParaRPr lang="en-US" sz="2100" b="0" i="0" u="none" strike="noStrike" cap="none" spc="0">
-              <a:solidFill>
-                <a:schemeClr val="tx1"/>
-              </a:solidFill>
-              <a:latin typeface="Andale Mono"/>
-              <a:ea typeface="Andale Mono"/>
-              <a:cs typeface="Andale Mono"/>
-            </a:endParaRPr>
-          </a:p>
-          <a:p>
-            <a:pPr marL="0" indent="0">
-              <a:buFont typeface="Arial"/>
-              <a:buNone/>
-              <a:defRPr/>
-            </a:pPr>
-            <a:r>
-              <a:rPr lang="en-US" sz="2100" b="0" i="0" u="none" strike="noStrike" cap="none" spc="0">
-                <a:solidFill>
-                  <a:schemeClr val="tx1"/>
-                </a:solidFill>
-                <a:latin typeface="Andale Mono"/>
-                <a:ea typeface="Andale Mono"/>
-                <a:cs typeface="Andale Mono"/>
-              </a:rPr>
-              <a:t>		.text( d =&gt; (d3.format(“.2s”)(d) ))</a:t>
-            </a:r>
-            <a:endParaRPr sz="900" b="0" i="0" u="none">
-              <a:solidFill>
-                <a:srgbClr val="000000"/>
-              </a:solidFill>
-              <a:latin typeface="Courier New"/>
-              <a:ea typeface="Courier New"/>
-              <a:cs typeface="Courier New"/>
-            </a:endParaRPr>
+            <a:pPr>
+              <a:defRPr/>
+            </a:pPr>
+            <a:r>
+              <a:rPr/>
+              <a:t>The “ticks” are the little marks indicating precise location</a:t>
+            </a:r>
+            <a:endParaRPr/>
+          </a:p>
+          <a:p>
+            <a:pPr>
+              <a:defRPr/>
+            </a:pPr>
+            <a:r>
+              <a:rPr/>
+              <a:t>Tick marks can have sizes:</a:t>
+            </a:r>
+            <a:endParaRPr/>
+          </a:p>
+          <a:p>
+            <a:pPr lvl="1">
+              <a:defRPr/>
+            </a:pPr>
+            <a:r>
+              <a:rPr>
+                <a:latin typeface="Andale Mono"/>
+                <a:ea typeface="Andale Mono"/>
+                <a:cs typeface="Andale Mono"/>
+              </a:rPr>
+              <a:t>tickSizeOuter </a:t>
+            </a:r>
+            <a:r>
+              <a:rPr/>
+              <a:t>for ends of axis line</a:t>
+            </a:r>
+            <a:endParaRPr/>
+          </a:p>
+          <a:p>
+            <a:pPr lvl="1">
+              <a:defRPr/>
+            </a:pPr>
+            <a:r>
+              <a:rPr>
+                <a:latin typeface="Andale Mono"/>
+                <a:ea typeface="Andale Mono"/>
+                <a:cs typeface="Andale Mono"/>
+              </a:rPr>
+              <a:t>tickSizeInner </a:t>
+            </a:r>
+            <a:r>
+              <a:rPr/>
+              <a:t>for normal scale delimiters</a:t>
+            </a:r>
+            <a:endParaRPr/>
+          </a:p>
+          <a:p>
+            <a:pPr lvl="0">
+              <a:defRPr/>
+            </a:pPr>
+            <a:r>
+              <a:rPr/>
+              <a:t>This bar chart will have tick marks that stretch the width of the chart and the lines will be dashes, not solid</a:t>
+            </a:r>
+            <a:endParaRPr/>
+          </a:p>
+          <a:p>
+            <a:pPr lvl="0">
+              <a:defRPr/>
+            </a:pPr>
+            <a:r>
+              <a:rPr/>
+              <a:t>CSS can be applied to SVG elements</a:t>
+            </a:r>
+            <a:endParaRPr/>
+          </a:p>
+          <a:p>
+            <a:pPr>
+              <a:defRPr/>
+            </a:pPr>
+            <a:endParaRPr/>
           </a:p>
         </p:txBody>
       </p:sp>
@@ -4084,7 +4142,7 @@
       </p:grpSpPr>
       <p:sp>
         <p:nvSpPr>
-          <p:cNvPr id="863789695" name="Title 1" hidden="0"/>
+          <p:cNvPr id="589161609" name="Title 1" hidden="0"/>
           <p:cNvSpPr>
             <a:spLocks noGrp="1"/>
           </p:cNvSpPr>
@@ -4092,26 +4150,17 @@
             <p:ph type="title" hasCustomPrompt="0"/>
           </p:nvPr>
         </p:nvSpPr>
-        <p:spPr bwMode="auto">
-          <a:xfrm>
-            <a:off x="831849" y="1709737"/>
-            <a:ext cx="10515600" cy="2852736"/>
-          </a:xfrm>
-        </p:spPr>
-        <p:txBody>
-          <a:bodyPr anchor="b"/>
-          <a:lstStyle>
-            <a:lvl1pPr>
-              <a:defRPr sz="6000"/>
-            </a:lvl1pPr>
-          </a:lstStyle>
+        <p:spPr bwMode="auto"/>
+        <p:txBody>
+          <a:bodyPr/>
+          <a:lstStyle/>
           <a:p>
             <a:pPr>
               <a:defRPr/>
             </a:pPr>
             <a:r>
               <a:rPr/>
-              <a:t>Page 4</a:t>
+              <a:t>Axis formatting: X Axis</a:t>
             </a:r>
             <a:endParaRPr/>
           </a:p>
@@ -4119,132 +4168,226 @@
       </p:sp>
       <p:sp>
         <p:nvSpPr>
-          <p:cNvPr id="1810019389" name="Text Placeholder 2" hidden="0"/>
-          <p:cNvSpPr>
-            <a:spLocks noGrp="1"/>
-          </p:cNvSpPr>
-          <p:nvPr isPhoto="0" userDrawn="0">
-            <p:ph type="body" idx="1" hasCustomPrompt="0"/>
-          </p:nvPr>
-        </p:nvSpPr>
-        <p:spPr bwMode="auto">
-          <a:xfrm>
-            <a:off x="831849" y="4589462"/>
-            <a:ext cx="10515600" cy="1500186"/>
-          </a:xfrm>
-        </p:spPr>
-        <p:txBody>
-          <a:bodyPr/>
-          <a:lstStyle>
-            <a:lvl1pPr marL="0" indent="0">
-              <a:buNone/>
-              <a:defRPr sz="2400">
-                <a:solidFill>
-                  <a:schemeClr val="tx1">
-                    <a:tint val="75000"/>
-                  </a:schemeClr>
-                </a:solidFill>
-              </a:defRPr>
-            </a:lvl1pPr>
-            <a:lvl2pPr marL="457200" indent="0">
-              <a:buNone/>
-              <a:defRPr sz="2000">
-                <a:solidFill>
-                  <a:schemeClr val="tx1">
-                    <a:tint val="75000"/>
-                  </a:schemeClr>
-                </a:solidFill>
-              </a:defRPr>
-            </a:lvl2pPr>
-            <a:lvl3pPr marL="914400" indent="0">
-              <a:buNone/>
-              <a:defRPr sz="1800">
-                <a:solidFill>
-                  <a:schemeClr val="tx1">
-                    <a:tint val="75000"/>
-                  </a:schemeClr>
-                </a:solidFill>
-              </a:defRPr>
-            </a:lvl3pPr>
-            <a:lvl4pPr marL="1371600" indent="0">
-              <a:buNone/>
-              <a:defRPr sz="1600">
-                <a:solidFill>
-                  <a:schemeClr val="tx1">
-                    <a:tint val="75000"/>
-                  </a:schemeClr>
-                </a:solidFill>
-              </a:defRPr>
-            </a:lvl4pPr>
-            <a:lvl5pPr marL="1828800" indent="0">
-              <a:buNone/>
-              <a:defRPr sz="1600">
-                <a:solidFill>
-                  <a:schemeClr val="tx1">
-                    <a:tint val="75000"/>
-                  </a:schemeClr>
-                </a:solidFill>
-              </a:defRPr>
-            </a:lvl5pPr>
-            <a:lvl6pPr marL="2286000" indent="0">
-              <a:buNone/>
-              <a:defRPr sz="1600">
-                <a:solidFill>
-                  <a:schemeClr val="tx1">
-                    <a:tint val="75000"/>
-                  </a:schemeClr>
-                </a:solidFill>
-              </a:defRPr>
-            </a:lvl6pPr>
-            <a:lvl7pPr marL="2743200" indent="0">
-              <a:buNone/>
-              <a:defRPr sz="1600">
-                <a:solidFill>
-                  <a:schemeClr val="tx1">
-                    <a:tint val="75000"/>
-                  </a:schemeClr>
-                </a:solidFill>
-              </a:defRPr>
-            </a:lvl7pPr>
-            <a:lvl8pPr marL="3200400" indent="0">
-              <a:buNone/>
-              <a:defRPr sz="1600">
-                <a:solidFill>
-                  <a:schemeClr val="tx1">
-                    <a:tint val="75000"/>
-                  </a:schemeClr>
-                </a:solidFill>
-              </a:defRPr>
-            </a:lvl8pPr>
-            <a:lvl9pPr marL="3657600" indent="0">
-              <a:buNone/>
-              <a:defRPr sz="1600">
-                <a:solidFill>
-                  <a:schemeClr val="tx1">
-                    <a:tint val="75000"/>
-                  </a:schemeClr>
-                </a:solidFill>
-              </a:defRPr>
-            </a:lvl9pPr>
-          </a:lstStyle>
-          <a:p>
-            <a:pPr>
+          <p:cNvPr id="733685689" name="Content Placeholder 2" hidden="0"/>
+          <p:cNvSpPr>
+            <a:spLocks noGrp="1"/>
+          </p:cNvSpPr>
+          <p:nvPr isPhoto="0" userDrawn="0">
+            <p:ph idx="1" hasCustomPrompt="0"/>
+          </p:nvPr>
+        </p:nvSpPr>
+        <p:spPr bwMode="auto"/>
+        <p:txBody>
+          <a:bodyPr vertOverflow="overflow" horzOverflow="clip" vert="horz" wrap="square" lIns="91440" tIns="45720" rIns="91440" bIns="45720" numCol="1" spcCol="0" rtlCol="0" fromWordArt="0" anchor="t" anchorCtr="0" forceAA="0" upright="0" compatLnSpc="0">
+            <a:normAutofit/>
+          </a:bodyPr>
+          <a:lstStyle/>
+          <a:p>
+            <a:pPr marL="0" indent="0">
+              <a:buFont typeface="Arial"/>
+              <a:buNone/>
               <a:defRPr/>
             </a:pPr>
             <a:r>
               <a:rPr lang="en-US" sz="2400" b="0" i="0" u="none" strike="noStrike" cap="none" spc="0">
                 <a:solidFill>
-                  <a:schemeClr val="tx1">
-                    <a:tint val="75000"/>
-                  </a:schemeClr>
+                  <a:schemeClr val="tx1"/>
                 </a:solidFill>
                 <a:latin typeface="Arial"/>
                 <a:ea typeface="Arial"/>
                 <a:cs typeface="Arial"/>
               </a:rPr>
-              <a:t>http://bclug.ca:8008/d3/kwlug/bar-chart/page4.html</a:t>
-            </a:r>
-            <a:endParaRPr/>
+              <a:t>For our X axis, our data is in the form of numbers 1 to 12 as set by:</a:t>
+            </a:r>
+            <a:endParaRPr sz="2400" b="0" i="0" u="none" strike="noStrike" cap="none" spc="0">
+              <a:solidFill>
+                <a:schemeClr val="tx1"/>
+              </a:solidFill>
+              <a:latin typeface="Arial"/>
+              <a:ea typeface="Arial"/>
+              <a:cs typeface="Arial"/>
+            </a:endParaRPr>
+          </a:p>
+          <a:p>
+            <a:pPr marL="0" indent="0">
+              <a:buFont typeface="Arial"/>
+              <a:buNone/>
+              <a:defRPr/>
+            </a:pPr>
+            <a:r>
+              <a:rPr lang="en-US" sz="2100" b="0" i="0" u="none" strike="noStrike" cap="none" spc="0">
+                <a:solidFill>
+                  <a:schemeClr val="tx1"/>
+                </a:solidFill>
+                <a:latin typeface="Andale Mono"/>
+                <a:ea typeface="Andale Mono"/>
+                <a:cs typeface="Andale Mono"/>
+              </a:rPr>
+              <a:t>xAxis</a:t>
+            </a:r>
+            <a:endParaRPr lang="en-US" sz="2100" b="0" i="0" u="none" strike="noStrike" cap="none" spc="0">
+              <a:solidFill>
+                <a:schemeClr val="tx1"/>
+              </a:solidFill>
+              <a:latin typeface="Andale Mono"/>
+              <a:ea typeface="Andale Mono"/>
+              <a:cs typeface="Andale Mono"/>
+            </a:endParaRPr>
+          </a:p>
+          <a:p>
+            <a:pPr marL="0" indent="0">
+              <a:buFont typeface="Arial"/>
+              <a:buNone/>
+              <a:defRPr/>
+            </a:pPr>
+            <a:r>
+              <a:rPr lang="en-US" sz="2100" b="0" i="0" u="none" strike="noStrike" cap="none" spc="0">
+                <a:solidFill>
+                  <a:schemeClr val="tx1"/>
+                </a:solidFill>
+                <a:latin typeface="Andale Mono"/>
+                <a:ea typeface="Andale Mono"/>
+                <a:cs typeface="Andale Mono"/>
+              </a:rPr>
+              <a:t>	.range( [1,12] )</a:t>
+            </a:r>
+            <a:endParaRPr lang="en-US" sz="2100" b="0" i="0" u="none" strike="noStrike" cap="none" spc="0">
+              <a:solidFill>
+                <a:schemeClr val="tx1"/>
+              </a:solidFill>
+              <a:latin typeface="Andale Mono"/>
+              <a:ea typeface="Andale Mono"/>
+              <a:cs typeface="Andale Mono"/>
+            </a:endParaRPr>
+          </a:p>
+          <a:p>
+            <a:pPr marL="0" indent="0">
+              <a:buFont typeface="Arial"/>
+              <a:buNone/>
+              <a:defRPr/>
+            </a:pPr>
+            <a:endParaRPr lang="en-US" sz="2100" b="0" i="0" u="none" strike="noStrike" cap="none" spc="0">
+              <a:solidFill>
+                <a:schemeClr val="tx1"/>
+              </a:solidFill>
+              <a:latin typeface="Andale Mono"/>
+              <a:ea typeface="Andale Mono"/>
+              <a:cs typeface="Andale Mono"/>
+            </a:endParaRPr>
+          </a:p>
+          <a:p>
+            <a:pPr marL="0" indent="0">
+              <a:buFont typeface="Arial"/>
+              <a:buNone/>
+              <a:defRPr/>
+            </a:pPr>
+            <a:r>
+              <a:rPr lang="en-US" sz="2400" b="0" i="0" u="none" strike="noStrike" cap="none" spc="0">
+                <a:solidFill>
+                  <a:schemeClr val="tx1"/>
+                </a:solidFill>
+                <a:latin typeface="Arial"/>
+                <a:ea typeface="Arial"/>
+                <a:cs typeface="Arial"/>
+              </a:rPr>
+              <a:t>It should display the months’ names, which can be looked up in our months array:</a:t>
+            </a:r>
+            <a:endParaRPr lang="en-US" sz="2100" b="0" i="0" u="none" strike="noStrike" cap="none" spc="0">
+              <a:solidFill>
+                <a:schemeClr val="tx1"/>
+              </a:solidFill>
+              <a:latin typeface="Andale Mono"/>
+              <a:ea typeface="Andale Mono"/>
+              <a:cs typeface="Andale Mono"/>
+            </a:endParaRPr>
+          </a:p>
+          <a:p>
+            <a:pPr marL="0" indent="0">
+              <a:buFont typeface="Arial"/>
+              <a:buNone/>
+              <a:defRPr/>
+            </a:pPr>
+            <a:endParaRPr lang="en-US" sz="2100" b="0" i="0" u="none" strike="noStrike" cap="none" spc="0">
+              <a:solidFill>
+                <a:schemeClr val="tx1"/>
+              </a:solidFill>
+              <a:latin typeface="Andale Mono"/>
+              <a:ea typeface="Andale Mono"/>
+              <a:cs typeface="Andale Mono"/>
+            </a:endParaRPr>
+          </a:p>
+          <a:p>
+            <a:pPr marL="0" indent="0">
+              <a:buFont typeface="Arial"/>
+              <a:buNone/>
+              <a:defRPr/>
+            </a:pPr>
+            <a:r>
+              <a:rPr lang="en-US" sz="2100" b="0" i="0" u="none" strike="noStrike" cap="none" spc="0">
+                <a:solidFill>
+                  <a:schemeClr val="tx1"/>
+                </a:solidFill>
+                <a:latin typeface="Andale Mono"/>
+                <a:ea typeface="Andale Mono"/>
+                <a:cs typeface="Andale Mono"/>
+              </a:rPr>
+              <a:t>d3.select(“#xAxis”)</a:t>
+            </a:r>
+            <a:endParaRPr lang="en-US" sz="2100" b="0" i="0" u="none" strike="noStrike" cap="none" spc="0">
+              <a:solidFill>
+                <a:schemeClr val="tx1"/>
+              </a:solidFill>
+              <a:latin typeface="Andale Mono"/>
+              <a:ea typeface="Andale Mono"/>
+              <a:cs typeface="Andale Mono"/>
+            </a:endParaRPr>
+          </a:p>
+          <a:p>
+            <a:pPr marL="0" indent="0">
+              <a:buFont typeface="Arial"/>
+              <a:buNone/>
+              <a:defRPr/>
+            </a:pPr>
+            <a:r>
+              <a:rPr lang="en-US" sz="2100" b="0" i="0" u="none" strike="noStrike" cap="none" spc="0">
+                <a:solidFill>
+                  <a:schemeClr val="tx1"/>
+                </a:solidFill>
+                <a:latin typeface="Andale Mono"/>
+                <a:ea typeface="Andale Mono"/>
+                <a:cs typeface="Andale Mono"/>
+              </a:rPr>
+              <a:t>	// Look up month names by number:</a:t>
+            </a:r>
+            <a:br>
+              <a:rPr lang="en-US" sz="2100" b="0" i="0" u="none" strike="noStrike" cap="none" spc="0">
+                <a:solidFill>
+                  <a:schemeClr val="tx1"/>
+                </a:solidFill>
+                <a:latin typeface="Andale Mono"/>
+                <a:ea typeface="Andale Mono"/>
+                <a:cs typeface="Andale Mono"/>
+              </a:rPr>
+            </a:br>
+            <a:r>
+              <a:rPr lang="en-US" sz="2100" b="0" i="0" u="none" strike="noStrike" cap="none" spc="0">
+                <a:solidFill>
+                  <a:schemeClr val="tx1"/>
+                </a:solidFill>
+                <a:latin typeface="Andale Mono"/>
+                <a:ea typeface="Andale Mono"/>
+                <a:cs typeface="Andale Mono"/>
+              </a:rPr>
+              <a:t>	.text( d =&gt; (months.find( m =&gt; (m.num === d)).name ))</a:t>
+            </a:r>
+            <a:endParaRPr lang="en-US" sz="2100" b="0" i="0" u="none" strike="noStrike" cap="none" spc="0">
+              <a:solidFill>
+                <a:schemeClr val="tx1"/>
+              </a:solidFill>
+              <a:latin typeface="Andale Mono"/>
+              <a:ea typeface="Andale Mono"/>
+              <a:cs typeface="Andale Mono"/>
+            </a:endParaRPr>
           </a:p>
         </p:txBody>
       </p:sp>
@@ -4287,7 +4430,7 @@
       </p:grpSpPr>
       <p:sp>
         <p:nvSpPr>
-          <p:cNvPr id="1938725883" name="Title 1" hidden="0"/>
+          <p:cNvPr id="2106659204" name="Title 1" hidden="0"/>
           <p:cNvSpPr>
             <a:spLocks noGrp="1"/>
           </p:cNvSpPr>
@@ -4305,7 +4448,7 @@
             </a:pPr>
             <a:r>
               <a:rPr/>
-              <a:t>Binding data to graph elements</a:t>
+              <a:t>Axis formatting: Y Axis</a:t>
             </a:r>
             <a:endParaRPr/>
           </a:p>
@@ -4313,7 +4456,7 @@
       </p:sp>
       <p:sp>
         <p:nvSpPr>
-          <p:cNvPr id="1330672741" name="Content Placeholder 2" hidden="0"/>
+          <p:cNvPr id="2064291043" name="Content Placeholder 2" hidden="0"/>
           <p:cNvSpPr>
             <a:spLocks noGrp="1"/>
           </p:cNvSpPr>
@@ -4326,56 +4469,263 @@
           <a:bodyPr/>
           <a:lstStyle/>
           <a:p>
-            <a:pPr>
-              <a:defRPr/>
-            </a:pPr>
-            <a:r>
-              <a:rPr/>
-              <a:t>Bar charts are made with rectangles</a:t>
-            </a:r>
+            <a:pPr marL="0" indent="0">
+              <a:buFont typeface="Arial"/>
+              <a:buNone/>
+              <a:defRPr/>
+            </a:pPr>
+            <a:r>
+              <a:rPr lang="en-US" sz="2100" b="0" i="0" u="none" strike="noStrike" cap="none" spc="0">
+                <a:solidFill>
+                  <a:schemeClr val="tx1"/>
+                </a:solidFill>
+                <a:latin typeface="Andale Mono"/>
+                <a:ea typeface="Andale Mono"/>
+                <a:cs typeface="Andale Mono"/>
+              </a:rPr>
+              <a:t>yAxis</a:t>
+            </a:r>
+            <a:endParaRPr lang="en-US" sz="2100" b="0" i="0" u="none" strike="noStrike" cap="none" spc="0">
+              <a:solidFill>
+                <a:schemeClr val="tx1"/>
+              </a:solidFill>
+              <a:latin typeface="Andale Mono"/>
+              <a:ea typeface="Andale Mono"/>
+              <a:cs typeface="Andale Mono"/>
+            </a:endParaRPr>
+          </a:p>
+          <a:p>
+            <a:pPr marL="0" indent="0">
+              <a:buFont typeface="Arial"/>
+              <a:buNone/>
+              <a:defRPr/>
+            </a:pPr>
+            <a:r>
+              <a:rPr lang="en-US" sz="2100" b="0" i="0" u="none" strike="noStrike" cap="none" spc="0">
+                <a:solidFill>
+                  <a:schemeClr val="tx1"/>
+                </a:solidFill>
+                <a:latin typeface="Andale Mono"/>
+                <a:ea typeface="Andale Mono"/>
+                <a:cs typeface="Andale Mono"/>
+              </a:rPr>
+              <a:t>	// Make ticks width of SVG in opposite direction of labels</a:t>
+            </a:r>
+            <a:br>
+              <a:rPr lang="en-US" sz="2100" b="0" i="0" u="none" strike="noStrike" cap="none" spc="0">
+                <a:solidFill>
+                  <a:schemeClr val="tx1"/>
+                </a:solidFill>
+                <a:latin typeface="Andale Mono"/>
+                <a:ea typeface="Andale Mono"/>
+                <a:cs typeface="Andale Mono"/>
+              </a:rPr>
+            </a:br>
+            <a:r>
+              <a:rPr lang="en-US" sz="2100" b="0" i="0" u="none" strike="noStrike" cap="none" spc="0">
+                <a:solidFill>
+                  <a:schemeClr val="tx1"/>
+                </a:solidFill>
+                <a:latin typeface="Andale Mono"/>
+                <a:ea typeface="Andale Mono"/>
+                <a:cs typeface="Andale Mono"/>
+              </a:rPr>
+              <a:t>	.tickSizeInner( -</a:t>
+            </a:r>
+            <a:r>
+              <a:rPr lang="en-US" sz="2100" b="0" i="0" u="none" strike="noStrike" cap="none" spc="0">
+                <a:solidFill>
+                  <a:schemeClr val="tx1"/>
+                </a:solidFill>
+                <a:latin typeface="Andale Mono"/>
+                <a:ea typeface="Andale Mono"/>
+                <a:cs typeface="Andale Mono"/>
+              </a:rPr>
+              <a:t>1</a:t>
+            </a:r>
+            <a:r>
+              <a:rPr lang="en-US" sz="2100" b="0" i="0" u="none" strike="noStrike" cap="none" spc="0">
+                <a:solidFill>
+                  <a:schemeClr val="tx1"/>
+                </a:solidFill>
+                <a:latin typeface="Andale Mono"/>
+                <a:ea typeface="Andale Mono"/>
+                <a:cs typeface="Andale Mono"/>
+              </a:rPr>
+              <a:t> * width)</a:t>
+            </a:r>
+            <a:endParaRPr lang="en-US" sz="2100" b="0" i="0" u="none" strike="noStrike" cap="none" spc="0">
+              <a:solidFill>
+                <a:schemeClr val="tx1"/>
+              </a:solidFill>
+              <a:latin typeface="Andale Mono"/>
+              <a:ea typeface="Andale Mono"/>
+              <a:cs typeface="Andale Mono"/>
+            </a:endParaRPr>
+          </a:p>
+          <a:p>
+            <a:pPr marL="0" indent="0">
+              <a:buFont typeface="Arial"/>
+              <a:buNone/>
+              <a:defRPr/>
+            </a:pPr>
             <a:endParaRPr/>
           </a:p>
           <a:p>
-            <a:pPr>
-              <a:defRPr/>
-            </a:pPr>
-            <a:r>
-              <a:rPr/>
-              <a:t>D3.js will apply an array of data to a selection of elements</a:t>
-            </a:r>
-            <a:endParaRPr/>
-          </a:p>
-          <a:p>
-            <a:pPr>
-              <a:defRPr/>
-            </a:pPr>
-            <a:r>
-              <a:rPr/>
-              <a:t>When there are more data elements than DOM elements, DOM elements will be added by the </a:t>
-            </a:r>
-            <a:r>
-              <a:rPr>
-                <a:latin typeface="Andale Mono"/>
-                <a:ea typeface="Andale Mono"/>
-                <a:cs typeface="Andale Mono"/>
-              </a:rPr>
-              <a:t>.enter()</a:t>
-            </a:r>
-            <a:r>
-              <a:rPr/>
-              <a:t> selection</a:t>
-            </a:r>
-            <a:endParaRPr/>
-          </a:p>
-          <a:p>
-            <a:pPr>
-              <a:defRPr/>
-            </a:pPr>
-            <a:r>
-              <a:rPr/>
-              <a:t>Initially, we’ll have 12 elements of birth data and zero bars, so we’ll use .enter() to append some bars (rectangles)</a:t>
-            </a:r>
-            <a:endParaRPr/>
+            <a:pPr marL="0" indent="0">
+              <a:buFont typeface="Arial"/>
+              <a:buNone/>
+              <a:defRPr/>
+            </a:pPr>
+            <a:r>
+              <a:rPr lang="en-US" sz="2100" b="0" i="0" u="none" strike="noStrike" cap="none" spc="0">
+                <a:solidFill>
+                  <a:schemeClr val="tx1"/>
+                </a:solidFill>
+                <a:latin typeface="Andale Mono"/>
+                <a:ea typeface="Andale Mono"/>
+                <a:cs typeface="Andale Mono"/>
+              </a:rPr>
+              <a:t>d3.select(“#yaxis”)</a:t>
+            </a:r>
+            <a:endParaRPr lang="en-US" sz="2100" b="0" i="0" u="none" strike="noStrike" cap="none" spc="0">
+              <a:solidFill>
+                <a:schemeClr val="tx1"/>
+              </a:solidFill>
+              <a:latin typeface="Andale Mono"/>
+              <a:ea typeface="Andale Mono"/>
+              <a:cs typeface="Andale Mono"/>
+            </a:endParaRPr>
+          </a:p>
+          <a:p>
+            <a:pPr marL="0" indent="0">
+              <a:buFont typeface="Arial"/>
+              <a:buNone/>
+              <a:defRPr/>
+            </a:pPr>
+            <a:r>
+              <a:rPr lang="en-US" sz="2100" b="0" i="0" u="none" strike="noStrike" cap="none" spc="0">
+                <a:solidFill>
+                  <a:schemeClr val="tx1"/>
+                </a:solidFill>
+                <a:latin typeface="Andale Mono"/>
+                <a:ea typeface="Andale Mono"/>
+                <a:cs typeface="Andale Mono"/>
+              </a:rPr>
+              <a:t>	// Apply our axis and formatted labels:</a:t>
+            </a:r>
+            <a:endParaRPr lang="en-US" sz="2100" b="0" i="0" u="none" strike="noStrike" cap="none" spc="0">
+              <a:solidFill>
+                <a:schemeClr val="tx1"/>
+              </a:solidFill>
+              <a:latin typeface="Andale Mono"/>
+              <a:ea typeface="Andale Mono"/>
+              <a:cs typeface="Andale Mono"/>
+            </a:endParaRPr>
+          </a:p>
+          <a:p>
+            <a:pPr marL="0" indent="0">
+              <a:buFont typeface="Arial"/>
+              <a:buNone/>
+              <a:defRPr/>
+            </a:pPr>
+            <a:r>
+              <a:rPr lang="en-US" sz="2100" b="0" i="0" u="none" strike="noStrike" cap="none" spc="0">
+                <a:solidFill>
+                  <a:schemeClr val="tx1"/>
+                </a:solidFill>
+                <a:latin typeface="Andale Mono"/>
+                <a:ea typeface="Andale Mono"/>
+                <a:cs typeface="Andale Mono"/>
+              </a:rPr>
+              <a:t>	.call(yAxis)</a:t>
+            </a:r>
+            <a:endParaRPr lang="en-US" sz="2100" b="0" i="0" u="none" strike="noStrike" cap="none" spc="0">
+              <a:solidFill>
+                <a:schemeClr val="tx1"/>
+              </a:solidFill>
+              <a:latin typeface="Andale Mono"/>
+              <a:ea typeface="Andale Mono"/>
+              <a:cs typeface="Andale Mono"/>
+            </a:endParaRPr>
+          </a:p>
+          <a:p>
+            <a:pPr marL="0" indent="0">
+              <a:buFont typeface="Arial"/>
+              <a:buNone/>
+              <a:defRPr/>
+            </a:pPr>
+            <a:r>
+              <a:rPr lang="en-US" sz="2100" b="0" i="0" u="none" strike="noStrike" cap="none" spc="0">
+                <a:solidFill>
+                  <a:schemeClr val="tx1"/>
+                </a:solidFill>
+                <a:latin typeface="Andale Mono"/>
+                <a:ea typeface="Andale Mono"/>
+                <a:cs typeface="Andale Mono"/>
+              </a:rPr>
+              <a:t>	.selectAll(“text”)</a:t>
+            </a:r>
+            <a:endParaRPr lang="en-US" sz="2100" b="0" i="0" u="none" strike="noStrike" cap="none" spc="0">
+              <a:solidFill>
+                <a:schemeClr val="tx1"/>
+              </a:solidFill>
+              <a:latin typeface="Andale Mono"/>
+              <a:ea typeface="Andale Mono"/>
+              <a:cs typeface="Andale Mono"/>
+            </a:endParaRPr>
+          </a:p>
+          <a:p>
+            <a:pPr marL="0" indent="0">
+              <a:buFont typeface="Arial"/>
+              <a:buNone/>
+              <a:defRPr/>
+            </a:pPr>
+            <a:r>
+              <a:rPr lang="en-US" sz="2100" b="0" i="0" u="none" strike="noStrike" cap="none" spc="0">
+                <a:solidFill>
+                  <a:schemeClr val="tx1"/>
+                </a:solidFill>
+                <a:latin typeface="Andale Mono"/>
+                <a:ea typeface="Andale Mono"/>
+                <a:cs typeface="Andale Mono"/>
+              </a:rPr>
+              <a:t>		// Format each data (d) as 2.0M vs 2000000:</a:t>
+            </a:r>
+            <a:endParaRPr lang="en-US" sz="2100" b="0" i="0" u="none" strike="noStrike" cap="none" spc="0">
+              <a:solidFill>
+                <a:schemeClr val="tx1"/>
+              </a:solidFill>
+              <a:latin typeface="Andale Mono"/>
+              <a:ea typeface="Andale Mono"/>
+              <a:cs typeface="Andale Mono"/>
+            </a:endParaRPr>
+          </a:p>
+          <a:p>
+            <a:pPr marL="0" indent="0">
+              <a:buFont typeface="Arial"/>
+              <a:buNone/>
+              <a:defRPr/>
+            </a:pPr>
+            <a:r>
+              <a:rPr lang="en-US" sz="2100" b="0" i="0" u="none" strike="noStrike" cap="none" spc="0">
+                <a:solidFill>
+                  <a:schemeClr val="tx1"/>
+                </a:solidFill>
+                <a:latin typeface="Andale Mono"/>
+                <a:ea typeface="Andale Mono"/>
+                <a:cs typeface="Andale Mono"/>
+              </a:rPr>
+              <a:t>		.text( d =&gt; (d3.format(“.2s”)(d) ))</a:t>
+            </a:r>
+            <a:endParaRPr sz="900" b="0" i="0" u="none">
+              <a:solidFill>
+                <a:srgbClr val="000000"/>
+              </a:solidFill>
+              <a:latin typeface="Courier New"/>
+              <a:ea typeface="Courier New"/>
+              <a:cs typeface="Courier New"/>
+            </a:endParaRPr>
           </a:p>
         </p:txBody>
       </p:sp>
@@ -4418,7 +4768,7 @@
       </p:grpSpPr>
       <p:sp>
         <p:nvSpPr>
-          <p:cNvPr id="1752136811" name="Title 1" hidden="0"/>
+          <p:cNvPr id="863789695" name="Title 1" hidden="0"/>
           <p:cNvSpPr>
             <a:spLocks noGrp="1"/>
           </p:cNvSpPr>
@@ -4426,259 +4776,160 @@
             <p:ph type="title" hasCustomPrompt="0"/>
           </p:nvPr>
         </p:nvSpPr>
-        <p:spPr bwMode="auto"/>
+        <p:spPr bwMode="auto">
+          <a:xfrm>
+            <a:off x="831849" y="1709737"/>
+            <a:ext cx="10515600" cy="2852736"/>
+          </a:xfrm>
+        </p:spPr>
+        <p:txBody>
+          <a:bodyPr anchor="b"/>
+          <a:lstStyle>
+            <a:lvl1pPr>
+              <a:defRPr sz="6000"/>
+            </a:lvl1pPr>
+          </a:lstStyle>
+          <a:p>
+            <a:pPr>
+              <a:defRPr/>
+            </a:pPr>
+            <a:r>
+              <a:rPr/>
+              <a:t>Page 4</a:t>
+            </a:r>
+            <a:endParaRPr/>
+          </a:p>
+        </p:txBody>
+      </p:sp>
+      <p:sp>
+        <p:nvSpPr>
+          <p:cNvPr id="1810019389" name="Text Placeholder 2" hidden="0"/>
+          <p:cNvSpPr>
+            <a:spLocks noGrp="1"/>
+          </p:cNvSpPr>
+          <p:nvPr isPhoto="0" userDrawn="0">
+            <p:ph type="body" idx="1" hasCustomPrompt="0"/>
+          </p:nvPr>
+        </p:nvSpPr>
+        <p:spPr bwMode="auto">
+          <a:xfrm>
+            <a:off x="831849" y="4589462"/>
+            <a:ext cx="10515600" cy="1500186"/>
+          </a:xfrm>
+        </p:spPr>
         <p:txBody>
           <a:bodyPr/>
-          <a:lstStyle/>
-          <a:p>
-            <a:pPr>
-              <a:defRPr/>
-            </a:pPr>
-            <a:r>
-              <a:rPr/>
-              <a:t>Appending new bars: </a:t>
-            </a:r>
-            <a:r>
-              <a:rPr>
-                <a:latin typeface="Andale Mono"/>
-                <a:ea typeface="Andale Mono"/>
-                <a:cs typeface="Andale Mono"/>
-              </a:rPr>
-              <a:t>.enter()</a:t>
+          <a:lstStyle>
+            <a:lvl1pPr marL="0" indent="0">
+              <a:buNone/>
+              <a:defRPr sz="2400">
+                <a:solidFill>
+                  <a:schemeClr val="tx1">
+                    <a:tint val="75000"/>
+                  </a:schemeClr>
+                </a:solidFill>
+              </a:defRPr>
+            </a:lvl1pPr>
+            <a:lvl2pPr marL="457200" indent="0">
+              <a:buNone/>
+              <a:defRPr sz="2000">
+                <a:solidFill>
+                  <a:schemeClr val="tx1">
+                    <a:tint val="75000"/>
+                  </a:schemeClr>
+                </a:solidFill>
+              </a:defRPr>
+            </a:lvl2pPr>
+            <a:lvl3pPr marL="914400" indent="0">
+              <a:buNone/>
+              <a:defRPr sz="1800">
+                <a:solidFill>
+                  <a:schemeClr val="tx1">
+                    <a:tint val="75000"/>
+                  </a:schemeClr>
+                </a:solidFill>
+              </a:defRPr>
+            </a:lvl3pPr>
+            <a:lvl4pPr marL="1371600" indent="0">
+              <a:buNone/>
+              <a:defRPr sz="1600">
+                <a:solidFill>
+                  <a:schemeClr val="tx1">
+                    <a:tint val="75000"/>
+                  </a:schemeClr>
+                </a:solidFill>
+              </a:defRPr>
+            </a:lvl4pPr>
+            <a:lvl5pPr marL="1828800" indent="0">
+              <a:buNone/>
+              <a:defRPr sz="1600">
+                <a:solidFill>
+                  <a:schemeClr val="tx1">
+                    <a:tint val="75000"/>
+                  </a:schemeClr>
+                </a:solidFill>
+              </a:defRPr>
+            </a:lvl5pPr>
+            <a:lvl6pPr marL="2286000" indent="0">
+              <a:buNone/>
+              <a:defRPr sz="1600">
+                <a:solidFill>
+                  <a:schemeClr val="tx1">
+                    <a:tint val="75000"/>
+                  </a:schemeClr>
+                </a:solidFill>
+              </a:defRPr>
+            </a:lvl6pPr>
+            <a:lvl7pPr marL="2743200" indent="0">
+              <a:buNone/>
+              <a:defRPr sz="1600">
+                <a:solidFill>
+                  <a:schemeClr val="tx1">
+                    <a:tint val="75000"/>
+                  </a:schemeClr>
+                </a:solidFill>
+              </a:defRPr>
+            </a:lvl7pPr>
+            <a:lvl8pPr marL="3200400" indent="0">
+              <a:buNone/>
+              <a:defRPr sz="1600">
+                <a:solidFill>
+                  <a:schemeClr val="tx1">
+                    <a:tint val="75000"/>
+                  </a:schemeClr>
+                </a:solidFill>
+              </a:defRPr>
+            </a:lvl8pPr>
+            <a:lvl9pPr marL="3657600" indent="0">
+              <a:buNone/>
+              <a:defRPr sz="1600">
+                <a:solidFill>
+                  <a:schemeClr val="tx1">
+                    <a:tint val="75000"/>
+                  </a:schemeClr>
+                </a:solidFill>
+              </a:defRPr>
+            </a:lvl9pPr>
+          </a:lstStyle>
+          <a:p>
+            <a:pPr>
+              <a:defRPr/>
+            </a:pPr>
+            <a:r>
+              <a:rPr lang="en-US" sz="2400" b="0" i="0" u="sng" strike="noStrike" cap="none" spc="0">
+                <a:solidFill>
+                  <a:schemeClr val="tx1">
+                    <a:tint val="75000"/>
+                  </a:schemeClr>
+                </a:solidFill>
+                <a:latin typeface="Arial"/>
+                <a:ea typeface="Arial"/>
+                <a:cs typeface="Arial"/>
+                <a:hlinkClick r:id="rId2" tooltip="Page 4"/>
+              </a:rPr>
+              <a:t>http://bclug.ca:8008/d3/kwlug/bar-chart/page4.html</a:t>
             </a:r>
             <a:endParaRPr/>
-          </a:p>
-        </p:txBody>
-      </p:sp>
-      <p:sp>
-        <p:nvSpPr>
-          <p:cNvPr id="1850742219" name="Content Placeholder 2" hidden="0"/>
-          <p:cNvSpPr>
-            <a:spLocks noGrp="1"/>
-          </p:cNvSpPr>
-          <p:nvPr isPhoto="0" userDrawn="0">
-            <p:ph idx="1" hasCustomPrompt="0"/>
-          </p:nvPr>
-        </p:nvSpPr>
-        <p:spPr bwMode="auto"/>
-        <p:txBody>
-          <a:bodyPr vertOverflow="overflow" horzOverflow="clip" vert="horz" wrap="square" lIns="91440" tIns="45720" rIns="91440" bIns="45720" numCol="1" spcCol="0" rtlCol="0" fromWordArt="0" anchor="t" anchorCtr="0" forceAA="0" upright="0" compatLnSpc="0">
-            <a:normAutofit fontScale="95000" lnSpcReduction="1000"/>
-          </a:bodyPr>
-          <a:lstStyle/>
-          <a:p>
-            <a:pPr marL="0" indent="0">
-              <a:buFont typeface="Arial"/>
-              <a:buNone/>
-              <a:defRPr/>
-            </a:pPr>
-            <a:r>
-              <a:rPr lang="en-US" sz="2500" b="0" i="0" u="none" strike="noStrike" cap="none" spc="0">
-                <a:solidFill>
-                  <a:schemeClr val="tx1"/>
-                </a:solidFill>
-                <a:latin typeface="Andale Mono"/>
-                <a:ea typeface="Andale Mono"/>
-                <a:cs typeface="Andale Mono"/>
-              </a:rPr>
-              <a:t>d3.select(“svg”)</a:t>
-            </a:r>
-            <a:endParaRPr lang="en-US" sz="2500" b="0" i="0" u="none" strike="noStrike" cap="none" spc="0">
-              <a:solidFill>
-                <a:schemeClr val="tx1"/>
-              </a:solidFill>
-              <a:latin typeface="Andale Mono"/>
-              <a:ea typeface="Andale Mono"/>
-              <a:cs typeface="Andale Mono"/>
-            </a:endParaRPr>
-          </a:p>
-          <a:p>
-            <a:pPr marL="0" lvl="0" indent="0">
-              <a:buFont typeface="Arial"/>
-              <a:buNone/>
-              <a:defRPr/>
-            </a:pPr>
-            <a:r>
-              <a:rPr lang="en-US" sz="2500" b="0" i="0" u="none" strike="noStrike" cap="none" spc="0">
-                <a:solidFill>
-                  <a:schemeClr val="tx1"/>
-                </a:solidFill>
-                <a:latin typeface="Andale Mono"/>
-                <a:ea typeface="Andale Mono"/>
-                <a:cs typeface="Andale Mono"/>
-              </a:rPr>
-              <a:t>	// 1st page load, next selectAll returns nothing:</a:t>
-            </a:r>
-            <a:endParaRPr lang="en-US" sz="2500" b="0" i="0" u="none" strike="noStrike" cap="none" spc="0">
-              <a:solidFill>
-                <a:schemeClr val="tx1"/>
-              </a:solidFill>
-              <a:latin typeface="Andale Mono"/>
-              <a:ea typeface="Andale Mono"/>
-              <a:cs typeface="Andale Mono"/>
-            </a:endParaRPr>
-          </a:p>
-          <a:p>
-            <a:pPr marL="57149" lvl="0" indent="0">
-              <a:buFont typeface="Arial"/>
-              <a:buNone/>
-              <a:defRPr/>
-            </a:pPr>
-            <a:r>
-              <a:rPr lang="en-US" sz="2500" b="0" i="0" u="none" strike="noStrike" cap="none" spc="0">
-                <a:solidFill>
-                  <a:schemeClr val="tx1"/>
-                </a:solidFill>
-                <a:latin typeface="Andale Mono"/>
-                <a:ea typeface="Andale Mono"/>
-                <a:cs typeface="Andale Mono"/>
-              </a:rPr>
-              <a:t>	.selectAll(“rect”)</a:t>
-            </a:r>
-            <a:endParaRPr lang="en-US" sz="2500" b="0" i="0" u="none" strike="noStrike" cap="none" spc="0">
-              <a:solidFill>
-                <a:schemeClr val="tx1"/>
-              </a:solidFill>
-              <a:latin typeface="Andale Mono"/>
-              <a:ea typeface="Andale Mono"/>
-              <a:cs typeface="Andale Mono"/>
-            </a:endParaRPr>
-          </a:p>
-          <a:p>
-            <a:pPr marL="57149" lvl="0" indent="0">
-              <a:buFont typeface="Arial"/>
-              <a:buNone/>
-              <a:defRPr/>
-            </a:pPr>
-            <a:r>
-              <a:rPr lang="en-US" sz="2500" b="0" i="0" u="none" strike="noStrike" cap="none" spc="0">
-                <a:solidFill>
-                  <a:schemeClr val="tx1"/>
-                </a:solidFill>
-                <a:latin typeface="Andale Mono"/>
-                <a:ea typeface="Andale Mono"/>
-                <a:cs typeface="Andale Mono"/>
-              </a:rPr>
-              <a:t>	// Bind 1967’s data to all existing rectangles:</a:t>
-            </a:r>
-            <a:endParaRPr lang="en-US" sz="2100" b="0" i="0" u="none" strike="noStrike" cap="none" spc="0">
-              <a:solidFill>
-                <a:schemeClr val="tx1"/>
-              </a:solidFill>
-              <a:latin typeface="Andale Mono"/>
-              <a:ea typeface="Andale Mono"/>
-              <a:cs typeface="Andale Mono"/>
-            </a:endParaRPr>
-          </a:p>
-          <a:p>
-            <a:pPr marL="57149" lvl="0" indent="0">
-              <a:buFont typeface="Arial"/>
-              <a:buNone/>
-              <a:defRPr/>
-            </a:pPr>
-            <a:r>
-              <a:rPr lang="en-US" sz="2500" b="0" i="0" u="none" strike="noStrike" cap="none" spc="0">
-                <a:solidFill>
-                  <a:schemeClr val="tx1"/>
-                </a:solidFill>
-                <a:latin typeface="Andale Mono"/>
-                <a:ea typeface="Andale Mono"/>
-                <a:cs typeface="Andale Mono"/>
-              </a:rPr>
-              <a:t>	.data(birthData.filter( d =&gt; (d.year === 1967))</a:t>
-            </a:r>
-            <a:endParaRPr lang="en-US" sz="2100" b="0" i="0" u="none" strike="noStrike" cap="none" spc="0">
-              <a:solidFill>
-                <a:schemeClr val="tx1"/>
-              </a:solidFill>
-              <a:latin typeface="Andale Mono"/>
-              <a:ea typeface="Andale Mono"/>
-              <a:cs typeface="Andale Mono"/>
-            </a:endParaRPr>
-          </a:p>
-          <a:p>
-            <a:pPr marL="57149" lvl="0" indent="0">
-              <a:buFont typeface="Arial"/>
-              <a:buNone/>
-              <a:defRPr/>
-            </a:pPr>
-            <a:r>
-              <a:rPr lang="en-US" sz="2500" b="0" i="0" u="none" strike="noStrike" cap="none" spc="0">
-                <a:solidFill>
-                  <a:schemeClr val="tx1"/>
-                </a:solidFill>
-                <a:latin typeface="Andale Mono"/>
-                <a:ea typeface="Andale Mono"/>
-                <a:cs typeface="Andale Mono"/>
-              </a:rPr>
-              <a:t>	.enter()</a:t>
-            </a:r>
-            <a:endParaRPr lang="en-US" sz="2500" b="0" i="0" u="none" strike="noStrike" cap="none" spc="0">
-              <a:solidFill>
-                <a:schemeClr val="tx1"/>
-              </a:solidFill>
-              <a:latin typeface="Andale Mono"/>
-              <a:ea typeface="Andale Mono"/>
-              <a:cs typeface="Andale Mono"/>
-            </a:endParaRPr>
-          </a:p>
-          <a:p>
-            <a:pPr marL="57149" lvl="0" indent="0">
-              <a:buFont typeface="Arial"/>
-              <a:buNone/>
-              <a:defRPr/>
-            </a:pPr>
-            <a:r>
-              <a:rPr lang="en-US" sz="2500" b="0" i="0" u="none" strike="noStrike" cap="none" spc="0">
-                <a:solidFill>
-                  <a:schemeClr val="tx1"/>
-                </a:solidFill>
-                <a:latin typeface="Andale Mono"/>
-                <a:ea typeface="Andale Mono"/>
-                <a:cs typeface="Andale Mono"/>
-              </a:rPr>
-              <a:t>		// Append 12 rectangles for the 12 months</a:t>
-            </a:r>
-            <a:endParaRPr lang="en-US" sz="2500" b="0" i="0" u="none" strike="noStrike" cap="none" spc="0">
-              <a:solidFill>
-                <a:schemeClr val="tx1"/>
-              </a:solidFill>
-              <a:latin typeface="Andale Mono"/>
-              <a:ea typeface="Andale Mono"/>
-              <a:cs typeface="Andale Mono"/>
-            </a:endParaRPr>
-          </a:p>
-          <a:p>
-            <a:pPr marL="57149" lvl="0" indent="0">
-              <a:buFont typeface="Arial"/>
-              <a:buNone/>
-              <a:defRPr/>
-            </a:pPr>
-            <a:r>
-              <a:rPr lang="en-US" sz="2500" b="0" i="0" u="none" strike="noStrike" cap="none" spc="0">
-                <a:solidFill>
-                  <a:schemeClr val="tx1"/>
-                </a:solidFill>
-                <a:latin typeface="Andale Mono"/>
-                <a:ea typeface="Andale Mono"/>
-                <a:cs typeface="Andale Mono"/>
-              </a:rPr>
-              <a:t>		.append(“rect”)</a:t>
-            </a:r>
-            <a:endParaRPr lang="en-US" sz="2500" b="0" i="0" u="none" strike="noStrike" cap="none" spc="0">
-              <a:solidFill>
-                <a:schemeClr val="tx1"/>
-              </a:solidFill>
-              <a:latin typeface="Andale Mono"/>
-              <a:ea typeface="Andale Mono"/>
-              <a:cs typeface="Andale Mono"/>
-            </a:endParaRPr>
-          </a:p>
-          <a:p>
-            <a:pPr lvl="0">
-              <a:defRPr/>
-            </a:pPr>
-            <a:endParaRPr lang="en-CA"/>
           </a:p>
         </p:txBody>
       </p:sp>
@@ -4721,7 +4972,7 @@
       </p:grpSpPr>
       <p:sp>
         <p:nvSpPr>
-          <p:cNvPr id="2111320275" name="Title 1" hidden="0"/>
+          <p:cNvPr id="1938725883" name="Title 1" hidden="0"/>
           <p:cNvSpPr>
             <a:spLocks noGrp="1"/>
           </p:cNvSpPr>
@@ -4729,26 +4980,17 @@
             <p:ph type="title" hasCustomPrompt="0"/>
           </p:nvPr>
         </p:nvSpPr>
-        <p:spPr bwMode="auto">
-          <a:xfrm>
-            <a:off x="831849" y="1709737"/>
-            <a:ext cx="10515600" cy="2852736"/>
-          </a:xfrm>
-        </p:spPr>
-        <p:txBody>
-          <a:bodyPr anchor="b"/>
-          <a:lstStyle>
-            <a:lvl1pPr>
-              <a:defRPr sz="6000"/>
-            </a:lvl1pPr>
-          </a:lstStyle>
+        <p:spPr bwMode="auto"/>
+        <p:txBody>
+          <a:bodyPr/>
+          <a:lstStyle/>
           <a:p>
             <a:pPr>
               <a:defRPr/>
             </a:pPr>
             <a:r>
               <a:rPr/>
-              <a:t>Page 5</a:t>
+              <a:t>Binding data to graph elements</a:t>
             </a:r>
             <a:endParaRPr/>
           </a:p>
@@ -4756,130 +4998,67 @@
       </p:sp>
       <p:sp>
         <p:nvSpPr>
-          <p:cNvPr id="767076736" name="Text Placeholder 2" hidden="0"/>
-          <p:cNvSpPr>
-            <a:spLocks noGrp="1"/>
-          </p:cNvSpPr>
-          <p:nvPr isPhoto="0" userDrawn="0">
-            <p:ph type="body" idx="1" hasCustomPrompt="0"/>
-          </p:nvPr>
-        </p:nvSpPr>
-        <p:spPr bwMode="auto">
-          <a:xfrm>
-            <a:off x="831849" y="4589462"/>
-            <a:ext cx="10515600" cy="1500186"/>
-          </a:xfrm>
-        </p:spPr>
+          <p:cNvPr id="1330672741" name="Content Placeholder 2" hidden="0"/>
+          <p:cNvSpPr>
+            <a:spLocks noGrp="1"/>
+          </p:cNvSpPr>
+          <p:nvPr isPhoto="0" userDrawn="0">
+            <p:ph idx="1" hasCustomPrompt="0"/>
+          </p:nvPr>
+        </p:nvSpPr>
+        <p:spPr bwMode="auto"/>
         <p:txBody>
           <a:bodyPr/>
-          <a:lstStyle>
-            <a:lvl1pPr marL="0" indent="0">
-              <a:buNone/>
-              <a:defRPr sz="2400">
-                <a:solidFill>
-                  <a:schemeClr val="tx1">
-                    <a:tint val="75000"/>
-                  </a:schemeClr>
-                </a:solidFill>
-              </a:defRPr>
-            </a:lvl1pPr>
-            <a:lvl2pPr marL="457200" indent="0">
-              <a:buNone/>
-              <a:defRPr sz="2000">
-                <a:solidFill>
-                  <a:schemeClr val="tx1">
-                    <a:tint val="75000"/>
-                  </a:schemeClr>
-                </a:solidFill>
-              </a:defRPr>
-            </a:lvl2pPr>
-            <a:lvl3pPr marL="914400" indent="0">
-              <a:buNone/>
-              <a:defRPr sz="1800">
-                <a:solidFill>
-                  <a:schemeClr val="tx1">
-                    <a:tint val="75000"/>
-                  </a:schemeClr>
-                </a:solidFill>
-              </a:defRPr>
-            </a:lvl3pPr>
-            <a:lvl4pPr marL="1371600" indent="0">
-              <a:buNone/>
-              <a:defRPr sz="1600">
-                <a:solidFill>
-                  <a:schemeClr val="tx1">
-                    <a:tint val="75000"/>
-                  </a:schemeClr>
-                </a:solidFill>
-              </a:defRPr>
-            </a:lvl4pPr>
-            <a:lvl5pPr marL="1828800" indent="0">
-              <a:buNone/>
-              <a:defRPr sz="1600">
-                <a:solidFill>
-                  <a:schemeClr val="tx1">
-                    <a:tint val="75000"/>
-                  </a:schemeClr>
-                </a:solidFill>
-              </a:defRPr>
-            </a:lvl5pPr>
-            <a:lvl6pPr marL="2286000" indent="0">
-              <a:buNone/>
-              <a:defRPr sz="1600">
-                <a:solidFill>
-                  <a:schemeClr val="tx1">
-                    <a:tint val="75000"/>
-                  </a:schemeClr>
-                </a:solidFill>
-              </a:defRPr>
-            </a:lvl6pPr>
-            <a:lvl7pPr marL="2743200" indent="0">
-              <a:buNone/>
-              <a:defRPr sz="1600">
-                <a:solidFill>
-                  <a:schemeClr val="tx1">
-                    <a:tint val="75000"/>
-                  </a:schemeClr>
-                </a:solidFill>
-              </a:defRPr>
-            </a:lvl7pPr>
-            <a:lvl8pPr marL="3200400" indent="0">
-              <a:buNone/>
-              <a:defRPr sz="1600">
-                <a:solidFill>
-                  <a:schemeClr val="tx1">
-                    <a:tint val="75000"/>
-                  </a:schemeClr>
-                </a:solidFill>
-              </a:defRPr>
-            </a:lvl8pPr>
-            <a:lvl9pPr marL="3657600" indent="0">
-              <a:buNone/>
-              <a:defRPr sz="1600">
-                <a:solidFill>
-                  <a:schemeClr val="tx1">
-                    <a:tint val="75000"/>
-                  </a:schemeClr>
-                </a:solidFill>
-              </a:defRPr>
-            </a:lvl9pPr>
-          </a:lstStyle>
-          <a:p>
-            <a:pPr>
-              <a:defRPr/>
-            </a:pPr>
-            <a:r>
-              <a:rPr lang="en-US" sz="2400" b="0" i="0" u="none" strike="noStrike" cap="none" spc="0">
-                <a:solidFill>
-                  <a:schemeClr val="tx1">
-                    <a:tint val="75000"/>
-                  </a:schemeClr>
-                </a:solidFill>
-                <a:latin typeface="Arial"/>
-                <a:ea typeface="Arial"/>
-                <a:cs typeface="Arial"/>
-              </a:rPr>
-              <a:t>http://bclug.ca:8008/d3/kwlug/bar-chart/page5.html</a:t>
+          <a:lstStyle/>
+          <a:p>
+            <a:pPr>
+              <a:defRPr/>
+            </a:pPr>
+            <a:r>
+              <a:rPr/>
+              <a:t>Bar charts are made with rectangles</a:t>
+            </a:r>
+            <a:endParaRPr/>
+          </a:p>
+          <a:p>
+            <a:pPr>
+              <a:defRPr/>
+            </a:pPr>
+            <a:r>
+              <a:rPr/>
+              <a:t>D3.js will apply an array of data to a selection of elements</a:t>
+            </a:r>
+            <a:endParaRPr/>
+          </a:p>
+          <a:p>
+            <a:pPr>
+              <a:defRPr/>
+            </a:pPr>
+            <a:r>
+              <a:rPr/>
+              <a:t>When there are more data elements than DOM elements, DOM elements will be added by the </a:t>
+            </a:r>
+            <a:r>
+              <a:rPr>
+                <a:latin typeface="Andale Mono"/>
+                <a:ea typeface="Andale Mono"/>
+                <a:cs typeface="Andale Mono"/>
+              </a:rPr>
+              <a:t>.enter()</a:t>
+            </a:r>
+            <a:r>
+              <a:rPr/>
+              <a:t> selection</a:t>
+            </a:r>
+            <a:endParaRPr/>
+          </a:p>
+          <a:p>
+            <a:pPr>
+              <a:defRPr/>
+            </a:pPr>
+            <a:r>
+              <a:rPr/>
+              <a:t>Initially, we’ll have 12 elements of birth data and zero bars, so we’ll use .enter() to append some bars (rectangles)</a:t>
             </a:r>
             <a:endParaRPr/>
           </a:p>
@@ -4924,7 +5103,7 @@
       </p:grpSpPr>
       <p:sp>
         <p:nvSpPr>
-          <p:cNvPr id="2140015873" name="Title 1" hidden="0"/>
+          <p:cNvPr id="1752136811" name="Title 1" hidden="0"/>
           <p:cNvSpPr>
             <a:spLocks noGrp="1"/>
           </p:cNvSpPr>
@@ -4942,7 +5121,15 @@
             </a:pPr>
             <a:r>
               <a:rPr/>
-              <a:t>Updating data</a:t>
+              <a:t>Appending new bars: </a:t>
+            </a:r>
+            <a:r>
+              <a:rPr>
+                <a:latin typeface="Andale Mono"/>
+                <a:ea typeface="Andale Mono"/>
+                <a:cs typeface="Andale Mono"/>
+              </a:rPr>
+              <a:t>.enter()</a:t>
             </a:r>
             <a:endParaRPr/>
           </a:p>
@@ -4950,7 +5137,7 @@
       </p:sp>
       <p:sp>
         <p:nvSpPr>
-          <p:cNvPr id="1162819602" name="Content Placeholder 2" hidden="0"/>
+          <p:cNvPr id="1850742219" name="Content Placeholder 2" hidden="0"/>
           <p:cNvSpPr>
             <a:spLocks noGrp="1"/>
           </p:cNvSpPr>
@@ -4961,7 +5148,7 @@
         <p:spPr bwMode="auto"/>
         <p:txBody>
           <a:bodyPr vertOverflow="overflow" horzOverflow="clip" vert="horz" wrap="square" lIns="91440" tIns="45720" rIns="91440" bIns="45720" numCol="1" spcCol="0" rtlCol="0" fromWordArt="0" anchor="t" anchorCtr="0" forceAA="0" upright="0" compatLnSpc="0">
-            <a:normAutofit fontScale="90000" lnSpcReduction="2000"/>
+            <a:normAutofit fontScale="80000" lnSpcReduction="4000"/>
           </a:bodyPr>
           <a:lstStyle/>
           <a:p>
@@ -4969,37 +5156,83 @@
               <a:defRPr/>
             </a:pPr>
             <a:r>
-              <a:rPr/>
-              <a:t>Default selection is update</a:t>
-            </a:r>
-            <a:endParaRPr/>
-          </a:p>
-          <a:p>
-            <a:pPr marL="0" indent="0">
-              <a:buFont typeface="Arial"/>
-              <a:buNone/>
-              <a:defRPr/>
-            </a:pPr>
-            <a:endParaRPr/>
-          </a:p>
-          <a:p>
-            <a:pPr marL="0" indent="0">
-              <a:buFont typeface="Arial"/>
-              <a:buNone/>
-              <a:defRPr/>
-            </a:pPr>
-            <a:r>
-              <a:rPr lang="en-US" sz="2800" b="0" i="0" u="none" strike="noStrike" cap="none" spc="0">
-                <a:solidFill>
-                  <a:schemeClr val="tx1"/>
-                </a:solidFill>
-                <a:latin typeface="Andale Mono"/>
-                <a:ea typeface="Andale Mono"/>
-                <a:cs typeface="Andale Mono"/>
-              </a:rPr>
-              <a:t>d3.select(“svg”)</a:t>
-            </a:r>
-            <a:endParaRPr sz="2800" b="0" i="0" u="none" strike="noStrike" cap="none" spc="0">
+              <a:rPr lang="en-CA" sz="2800" b="0" i="0" u="none" strike="noStrike" cap="none" spc="0">
+                <a:solidFill>
+                  <a:schemeClr val="tx1"/>
+                </a:solidFill>
+                <a:latin typeface="Arial"/>
+                <a:ea typeface="Arial"/>
+                <a:cs typeface="Arial"/>
+              </a:rPr>
+              <a:t>D3.js uses a “General Update Pattern” comprising </a:t>
+            </a:r>
+            <a:r>
+              <a:rPr lang="en-CA" sz="2800" b="1" i="0" u="none" strike="noStrike" cap="none" spc="0">
+                <a:solidFill>
+                  <a:schemeClr val="tx1"/>
+                </a:solidFill>
+                <a:latin typeface="Arial"/>
+                <a:ea typeface="Arial"/>
+                <a:cs typeface="Arial"/>
+              </a:rPr>
+              <a:t>enter</a:t>
+            </a:r>
+            <a:r>
+              <a:rPr lang="en-CA" sz="2800" b="0" i="0" u="none" strike="noStrike" cap="none" spc="0">
+                <a:solidFill>
+                  <a:schemeClr val="tx1"/>
+                </a:solidFill>
+                <a:latin typeface="Arial"/>
+                <a:ea typeface="Arial"/>
+                <a:cs typeface="Arial"/>
+              </a:rPr>
+              <a:t>, </a:t>
+            </a:r>
+            <a:r>
+              <a:rPr lang="en-CA" sz="2800" b="1" i="0" u="none" strike="noStrike" cap="none" spc="0">
+                <a:solidFill>
+                  <a:schemeClr val="tx1"/>
+                </a:solidFill>
+                <a:latin typeface="Arial"/>
+                <a:ea typeface="Arial"/>
+                <a:cs typeface="Arial"/>
+              </a:rPr>
+              <a:t>update</a:t>
+            </a:r>
+            <a:r>
+              <a:rPr lang="en-CA" sz="2800" b="0" i="0" u="none" strike="noStrike" cap="none" spc="0">
+                <a:solidFill>
+                  <a:schemeClr val="tx1"/>
+                </a:solidFill>
+                <a:latin typeface="Arial"/>
+                <a:ea typeface="Arial"/>
+                <a:cs typeface="Arial"/>
+              </a:rPr>
+              <a:t>, and </a:t>
+            </a:r>
+            <a:r>
+              <a:rPr lang="en-CA" sz="2800" b="1" i="0" u="none" strike="noStrike" cap="none" spc="0">
+                <a:solidFill>
+                  <a:schemeClr val="tx1"/>
+                </a:solidFill>
+                <a:latin typeface="Arial"/>
+                <a:ea typeface="Arial"/>
+                <a:cs typeface="Arial"/>
+              </a:rPr>
+              <a:t>exit </a:t>
+            </a:r>
+            <a:r>
+              <a:rPr lang="en-CA" sz="2800" b="0" i="0" u="none" strike="noStrike" cap="none" spc="0">
+                <a:solidFill>
+                  <a:schemeClr val="tx1"/>
+                </a:solidFill>
+                <a:latin typeface="Arial"/>
+                <a:ea typeface="Arial"/>
+                <a:cs typeface="Arial"/>
+              </a:rPr>
+              <a:t>selections.  First, we’ll use .enter() to add DOM elements.</a:t>
+            </a:r>
+            <a:endParaRPr lang="en-US" sz="2500" b="0" i="0" u="none" strike="noStrike" cap="none" spc="0">
               <a:solidFill>
                 <a:schemeClr val="tx1"/>
               </a:solidFill>
@@ -5009,23 +5242,23 @@
             </a:endParaRPr>
           </a:p>
           <a:p>
-            <a:pPr marL="0" lvl="0" indent="0">
+            <a:pPr marL="0" indent="0">
               <a:buFont typeface="Arial"/>
               <a:buNone/>
               <a:defRPr/>
             </a:pPr>
             <a:r>
-              <a:rPr lang="en-US" sz="2800" b="0" i="0" u="none" strike="noStrike" cap="none" spc="0">
-                <a:solidFill>
-                  <a:schemeClr val="tx1"/>
-                </a:solidFill>
-                <a:latin typeface="Andale Mono"/>
-                <a:ea typeface="Andale Mono"/>
-                <a:cs typeface="Andale Mono"/>
-              </a:rPr>
-              <a:t>	// Now selectAll returns array of 12 elements:</a:t>
-            </a:r>
-            <a:endParaRPr sz="2800" b="0" i="0" u="none" strike="noStrike" cap="none" spc="0">
+              <a:rPr lang="en-US" sz="2500" b="0" i="0" u="none" strike="noStrike" cap="none" spc="0">
+                <a:solidFill>
+                  <a:schemeClr val="tx1"/>
+                </a:solidFill>
+                <a:latin typeface="Andale Mono"/>
+                <a:ea typeface="Andale Mono"/>
+                <a:cs typeface="Andale Mono"/>
+              </a:rPr>
+              <a:t>d3.select(“svg”)</a:t>
+            </a:r>
+            <a:endParaRPr lang="en-US" sz="2500" b="0" i="0" u="none" strike="noStrike" cap="none" spc="0">
               <a:solidFill>
                 <a:schemeClr val="tx1"/>
               </a:solidFill>
@@ -5035,23 +5268,23 @@
             </a:endParaRPr>
           </a:p>
           <a:p>
-            <a:pPr marL="57148" lvl="0" indent="0">
+            <a:pPr marL="0" lvl="0" indent="0">
               <a:buFont typeface="Arial"/>
               <a:buNone/>
               <a:defRPr/>
             </a:pPr>
             <a:r>
-              <a:rPr lang="en-US" sz="2800" b="0" i="0" u="none" strike="noStrike" cap="none" spc="0">
-                <a:solidFill>
-                  <a:schemeClr val="tx1"/>
-                </a:solidFill>
-                <a:latin typeface="Andale Mono"/>
-                <a:ea typeface="Andale Mono"/>
-                <a:cs typeface="Andale Mono"/>
-              </a:rPr>
-              <a:t>	.selectAll(“rect”)</a:t>
-            </a:r>
-            <a:endParaRPr sz="2800" b="0" i="0" u="none" strike="noStrike" cap="none" spc="0">
+              <a:rPr lang="en-US" sz="2500" b="0" i="0" u="none" strike="noStrike" cap="none" spc="0">
+                <a:solidFill>
+                  <a:schemeClr val="tx1"/>
+                </a:solidFill>
+                <a:latin typeface="Andale Mono"/>
+                <a:ea typeface="Andale Mono"/>
+                <a:cs typeface="Andale Mono"/>
+              </a:rPr>
+              <a:t>	// 1st page load, next selectAll returns nothing:</a:t>
+            </a:r>
+            <a:endParaRPr lang="en-US" sz="2500" b="0" i="0" u="none" strike="noStrike" cap="none" spc="0">
               <a:solidFill>
                 <a:schemeClr val="tx1"/>
               </a:solidFill>
@@ -5061,23 +5294,23 @@
             </a:endParaRPr>
           </a:p>
           <a:p>
-            <a:pPr marL="57148" lvl="0" indent="0">
+            <a:pPr marL="57149" lvl="0" indent="0">
               <a:buFont typeface="Arial"/>
               <a:buNone/>
               <a:defRPr/>
             </a:pPr>
             <a:r>
-              <a:rPr lang="en-US" sz="2800" b="0" i="0" u="none" strike="noStrike" cap="none" spc="0">
-                <a:solidFill>
-                  <a:schemeClr val="tx1"/>
-                </a:solidFill>
-                <a:latin typeface="Andale Mono"/>
-                <a:ea typeface="Andale Mono"/>
-                <a:cs typeface="Andale Mono"/>
-              </a:rPr>
-              <a:t>	// Bind 1968’s data to all existing rectangles:</a:t>
-            </a:r>
-            <a:endParaRPr sz="2800" b="0" i="0" u="none" strike="noStrike" cap="none" spc="0">
+              <a:rPr lang="en-US" sz="2500" b="0" i="0" u="none" strike="noStrike" cap="none" spc="0">
+                <a:solidFill>
+                  <a:schemeClr val="tx1"/>
+                </a:solidFill>
+                <a:latin typeface="Andale Mono"/>
+                <a:ea typeface="Andale Mono"/>
+                <a:cs typeface="Andale Mono"/>
+              </a:rPr>
+              <a:t>	.selectAll(“rect”)</a:t>
+            </a:r>
+            <a:endParaRPr lang="en-US" sz="2500" b="0" i="0" u="none" strike="noStrike" cap="none" spc="0">
               <a:solidFill>
                 <a:schemeClr val="tx1"/>
               </a:solidFill>
@@ -5087,23 +5320,23 @@
             </a:endParaRPr>
           </a:p>
           <a:p>
-            <a:pPr marL="0" indent="0">
+            <a:pPr marL="57149" lvl="0" indent="0">
               <a:buFont typeface="Arial"/>
               <a:buNone/>
               <a:defRPr/>
             </a:pPr>
             <a:r>
-              <a:rPr lang="en-US" sz="2800" b="0" i="0" u="none" strike="noStrike" cap="none" spc="0">
-                <a:solidFill>
-                  <a:schemeClr val="tx1"/>
-                </a:solidFill>
-                <a:latin typeface="Andale Mono"/>
-                <a:ea typeface="Andale Mono"/>
-                <a:cs typeface="Andale Mono"/>
-              </a:rPr>
-              <a:t>	.data(birthData.filter( d =&gt; (d.year === 1968))</a:t>
-            </a:r>
-            <a:endParaRPr lang="en-US" sz="2800" b="0" i="0" u="none" strike="noStrike" cap="none" spc="0">
+              <a:rPr lang="en-US" sz="2500" b="0" i="0" u="none" strike="noStrike" cap="none" spc="0">
+                <a:solidFill>
+                  <a:schemeClr val="tx1"/>
+                </a:solidFill>
+                <a:latin typeface="Andale Mono"/>
+                <a:ea typeface="Andale Mono"/>
+                <a:cs typeface="Andale Mono"/>
+              </a:rPr>
+              <a:t>	// Bind 1967’s data to all existing rectangles:</a:t>
+            </a:r>
+            <a:endParaRPr lang="en-US" sz="2100" b="0" i="0" u="none" strike="noStrike" cap="none" spc="0">
               <a:solidFill>
                 <a:schemeClr val="tx1"/>
               </a:solidFill>
@@ -5113,12 +5346,114 @@
             </a:endParaRPr>
           </a:p>
           <a:p>
-            <a:pPr marL="0" indent="0">
+            <a:pPr marL="57149" lvl="0" indent="0">
               <a:buFont typeface="Arial"/>
               <a:buNone/>
               <a:defRPr/>
             </a:pPr>
-            <a:endParaRPr/>
+            <a:r>
+              <a:rPr lang="en-US" sz="2500" b="0" i="0" u="none" strike="noStrike" cap="none" spc="0">
+                <a:solidFill>
+                  <a:schemeClr val="tx1"/>
+                </a:solidFill>
+                <a:latin typeface="Andale Mono"/>
+                <a:ea typeface="Andale Mono"/>
+                <a:cs typeface="Andale Mono"/>
+              </a:rPr>
+              <a:t>	.data(birthData.filter( d =&gt; (d.year === 1967))</a:t>
+            </a:r>
+            <a:endParaRPr lang="en-US" sz="2100" b="0" i="0" u="none" strike="noStrike" cap="none" spc="0">
+              <a:solidFill>
+                <a:schemeClr val="tx1"/>
+              </a:solidFill>
+              <a:latin typeface="Andale Mono"/>
+              <a:ea typeface="Andale Mono"/>
+              <a:cs typeface="Andale Mono"/>
+            </a:endParaRPr>
+          </a:p>
+          <a:p>
+            <a:pPr marL="57149" lvl="0" indent="0">
+              <a:buFont typeface="Arial"/>
+              <a:buNone/>
+              <a:defRPr/>
+            </a:pPr>
+            <a:r>
+              <a:rPr lang="en-US" sz="2500" b="0" i="0" u="none" strike="noStrike" cap="none" spc="0">
+                <a:solidFill>
+                  <a:schemeClr val="tx1"/>
+                </a:solidFill>
+                <a:latin typeface="Andale Mono"/>
+                <a:ea typeface="Andale Mono"/>
+                <a:cs typeface="Andale Mono"/>
+              </a:rPr>
+              <a:t>	.enter()</a:t>
+            </a:r>
+            <a:endParaRPr lang="en-US" sz="2500" b="0" i="0" u="none" strike="noStrike" cap="none" spc="0">
+              <a:solidFill>
+                <a:schemeClr val="tx1"/>
+              </a:solidFill>
+              <a:latin typeface="Andale Mono"/>
+              <a:ea typeface="Andale Mono"/>
+              <a:cs typeface="Andale Mono"/>
+            </a:endParaRPr>
+          </a:p>
+          <a:p>
+            <a:pPr marL="57149" lvl="0" indent="0">
+              <a:buFont typeface="Arial"/>
+              <a:buNone/>
+              <a:defRPr/>
+            </a:pPr>
+            <a:r>
+              <a:rPr lang="en-US" sz="2500" b="0" i="0" u="none" strike="noStrike" cap="none" spc="0">
+                <a:solidFill>
+                  <a:schemeClr val="tx1"/>
+                </a:solidFill>
+                <a:latin typeface="Andale Mono"/>
+                <a:ea typeface="Andale Mono"/>
+                <a:cs typeface="Andale Mono"/>
+              </a:rPr>
+              <a:t>		// Append 12 rectangles for the 12 months</a:t>
+            </a:r>
+            <a:endParaRPr lang="en-US" sz="2500" b="0" i="0" u="none" strike="noStrike" cap="none" spc="0">
+              <a:solidFill>
+                <a:schemeClr val="tx1"/>
+              </a:solidFill>
+              <a:latin typeface="Andale Mono"/>
+              <a:ea typeface="Andale Mono"/>
+              <a:cs typeface="Andale Mono"/>
+            </a:endParaRPr>
+          </a:p>
+          <a:p>
+            <a:pPr marL="57149" lvl="0" indent="0">
+              <a:buFont typeface="Arial"/>
+              <a:buNone/>
+              <a:defRPr/>
+            </a:pPr>
+            <a:r>
+              <a:rPr lang="en-US" sz="2500" b="0" i="0" u="none" strike="noStrike" cap="none" spc="0">
+                <a:solidFill>
+                  <a:schemeClr val="tx1"/>
+                </a:solidFill>
+                <a:latin typeface="Andale Mono"/>
+                <a:ea typeface="Andale Mono"/>
+                <a:cs typeface="Andale Mono"/>
+              </a:rPr>
+              <a:t>		.append(“rect”)</a:t>
+            </a:r>
+            <a:endParaRPr lang="en-US" sz="2500" b="0" i="0" u="none" strike="noStrike" cap="none" spc="0">
+              <a:solidFill>
+                <a:schemeClr val="tx1"/>
+              </a:solidFill>
+              <a:latin typeface="Andale Mono"/>
+              <a:ea typeface="Andale Mono"/>
+              <a:cs typeface="Andale Mono"/>
+            </a:endParaRPr>
+          </a:p>
+          <a:p>
+            <a:pPr lvl="0">
+              <a:defRPr/>
+            </a:pPr>
+            <a:endParaRPr lang="en-CA"/>
           </a:p>
         </p:txBody>
       </p:sp>
@@ -5161,7 +5496,7 @@
       </p:grpSpPr>
       <p:sp>
         <p:nvSpPr>
-          <p:cNvPr id="208529243" name="Title 1" hidden="0"/>
+          <p:cNvPr id="2111320275" name="Title 1" hidden="0"/>
           <p:cNvSpPr>
             <a:spLocks noGrp="1"/>
           </p:cNvSpPr>
@@ -5169,272 +5504,160 @@
             <p:ph type="title" hasCustomPrompt="0"/>
           </p:nvPr>
         </p:nvSpPr>
-        <p:spPr bwMode="auto"/>
+        <p:spPr bwMode="auto">
+          <a:xfrm>
+            <a:off x="831849" y="1709737"/>
+            <a:ext cx="10515600" cy="2852736"/>
+          </a:xfrm>
+        </p:spPr>
+        <p:txBody>
+          <a:bodyPr anchor="b"/>
+          <a:lstStyle>
+            <a:lvl1pPr>
+              <a:defRPr sz="6000"/>
+            </a:lvl1pPr>
+          </a:lstStyle>
+          <a:p>
+            <a:pPr>
+              <a:defRPr/>
+            </a:pPr>
+            <a:r>
+              <a:rPr/>
+              <a:t>Page 5</a:t>
+            </a:r>
+            <a:endParaRPr/>
+          </a:p>
+        </p:txBody>
+      </p:sp>
+      <p:sp>
+        <p:nvSpPr>
+          <p:cNvPr id="767076736" name="Text Placeholder 2" hidden="0"/>
+          <p:cNvSpPr>
+            <a:spLocks noGrp="1"/>
+          </p:cNvSpPr>
+          <p:nvPr isPhoto="0" userDrawn="0">
+            <p:ph type="body" idx="1" hasCustomPrompt="0"/>
+          </p:nvPr>
+        </p:nvSpPr>
+        <p:spPr bwMode="auto">
+          <a:xfrm>
+            <a:off x="831849" y="4589462"/>
+            <a:ext cx="10515600" cy="1500186"/>
+          </a:xfrm>
+        </p:spPr>
         <p:txBody>
           <a:bodyPr/>
-          <a:lstStyle/>
-          <a:p>
-            <a:pPr>
-              <a:defRPr/>
-            </a:pPr>
-            <a:r>
-              <a:rPr/>
-              <a:t>Updating data: shortcut</a:t>
-            </a:r>
-            <a:endParaRPr/>
-          </a:p>
-        </p:txBody>
-      </p:sp>
-      <p:sp>
-        <p:nvSpPr>
-          <p:cNvPr id="854957355" name="Content Placeholder 2" hidden="0"/>
-          <p:cNvSpPr>
-            <a:spLocks noGrp="1"/>
-          </p:cNvSpPr>
-          <p:nvPr isPhoto="0" userDrawn="0">
-            <p:ph idx="1" hasCustomPrompt="0"/>
-          </p:nvPr>
-        </p:nvSpPr>
-        <p:spPr bwMode="auto"/>
-        <p:txBody>
-          <a:bodyPr/>
-          <a:lstStyle/>
-          <a:p>
-            <a:pPr>
-              <a:defRPr/>
-            </a:pPr>
-            <a:r>
-              <a:rPr lang="en-CA" sz="2800" b="0" i="0" u="none" strike="noStrike" cap="none" spc="0">
-                <a:solidFill>
-                  <a:schemeClr val="tx1"/>
-                </a:solidFill>
-                <a:latin typeface="+mn-lt"/>
-                <a:ea typeface="+mn-ea"/>
-                <a:cs typeface="+mn-cs"/>
-              </a:rPr>
-              <a:t>Save time with </a:t>
-            </a:r>
-            <a:r>
-              <a:rPr lang="en-CA" sz="2800" b="0" i="0" u="none" strike="noStrike" cap="none" spc="0">
-                <a:solidFill>
-                  <a:schemeClr val="tx1"/>
-                </a:solidFill>
-                <a:latin typeface="DejaVu Sans Mono"/>
-                <a:ea typeface="DejaVu Sans Mono"/>
-                <a:cs typeface="DejaVu Sans Mono"/>
-              </a:rPr>
-              <a:t>.merge()</a:t>
-            </a:r>
-            <a:r>
-              <a:rPr lang="en-CA" sz="2800" b="0" i="0" u="none" strike="noStrike" cap="none" spc="0">
-                <a:solidFill>
-                  <a:schemeClr val="tx1"/>
-                </a:solidFill>
-                <a:latin typeface="+mn-lt"/>
-                <a:ea typeface="+mn-ea"/>
-                <a:cs typeface="+mn-cs"/>
-              </a:rPr>
-              <a:t> - it joins </a:t>
-            </a:r>
-            <a:r>
-              <a:rPr lang="en-CA" sz="2800" b="0" i="0" u="none" strike="noStrike" cap="none" spc="0">
-                <a:solidFill>
-                  <a:schemeClr val="tx1"/>
-                </a:solidFill>
-                <a:latin typeface="DejaVu Sans Mono"/>
-                <a:ea typeface="DejaVu Sans Mono"/>
-                <a:cs typeface="DejaVu Sans Mono"/>
-              </a:rPr>
-              <a:t>.enter()</a:t>
-            </a:r>
-            <a:r>
-              <a:rPr lang="en-CA" sz="2800" b="0" i="0" u="none" strike="noStrike" cap="none" spc="0">
-                <a:solidFill>
-                  <a:schemeClr val="tx1"/>
-                </a:solidFill>
-                <a:latin typeface="+mn-lt"/>
-                <a:ea typeface="+mn-ea"/>
-                <a:cs typeface="+mn-cs"/>
-              </a:rPr>
-              <a:t> and </a:t>
-            </a:r>
-            <a:r>
-              <a:rPr lang="en-CA" sz="2800" b="0" i="0" u="none" strike="noStrike" cap="none" spc="0">
-                <a:solidFill>
-                  <a:schemeClr val="tx1"/>
-                </a:solidFill>
-                <a:latin typeface="DejaVu Sans Mono"/>
-                <a:ea typeface="DejaVu Sans Mono"/>
-                <a:cs typeface="DejaVu Sans Mono"/>
-              </a:rPr>
-              <a:t>update</a:t>
-            </a:r>
-            <a:endParaRPr sz="2800"/>
-          </a:p>
-          <a:p>
-            <a:pPr>
-              <a:defRPr/>
-            </a:pPr>
-            <a:r>
-              <a:rPr lang="en-CA" sz="2800" b="0" i="0" u="none" strike="noStrike" cap="none" spc="0">
-                <a:solidFill>
-                  <a:schemeClr val="tx1"/>
-                </a:solidFill>
-                <a:latin typeface="+mn-lt"/>
-                <a:ea typeface="+mn-ea"/>
-                <a:cs typeface="+mn-cs"/>
-              </a:rPr>
-              <a:t>Only </a:t>
-            </a:r>
-            <a:r>
-              <a:rPr lang="en-CA" sz="2800" b="1" i="0" u="none" strike="noStrike" cap="none" spc="0">
-                <a:solidFill>
-                  <a:schemeClr val="tx1"/>
-                </a:solidFill>
-                <a:latin typeface="+mn-lt"/>
-                <a:ea typeface="+mn-ea"/>
-                <a:cs typeface="+mn-cs"/>
-              </a:rPr>
-              <a:t>ONE </a:t>
-            </a:r>
-            <a:r>
-              <a:rPr lang="en-CA" sz="2800" b="0" i="0" u="none" strike="noStrike" cap="none" spc="0">
-                <a:solidFill>
-                  <a:schemeClr val="tx1"/>
-                </a:solidFill>
-                <a:latin typeface="+mn-lt"/>
-                <a:ea typeface="+mn-ea"/>
-                <a:cs typeface="+mn-cs"/>
-              </a:rPr>
-              <a:t>line of code has been added to page 5’s JS code:</a:t>
-            </a:r>
-            <a:endParaRPr sz="2800"/>
-          </a:p>
-          <a:p>
-            <a:pPr marL="0" indent="0">
-              <a:buFont typeface="Arial"/>
-              <a:buNone/>
-              <a:defRPr/>
-            </a:pPr>
-            <a:r>
-              <a:rPr lang="en-CA" sz="2800" b="0" i="0" u="none" strike="noStrike" cap="none" spc="0">
-                <a:solidFill>
-                  <a:schemeClr val="tx1"/>
-                </a:solidFill>
-                <a:latin typeface="DejaVu Sans Mono"/>
-                <a:ea typeface="DejaVu Sans Mono"/>
-                <a:cs typeface="DejaVu Sans Mono"/>
-              </a:rPr>
-              <a:t>	</a:t>
-            </a:r>
-            <a:r>
-              <a:rPr lang="en-CA" sz="2800" b="0" i="0" u="none" strike="noStrike" cap="none" spc="0">
-                <a:solidFill>
-                  <a:schemeClr val="tx1"/>
-                </a:solidFill>
-                <a:latin typeface="Andale Mono"/>
-                <a:ea typeface="Andale Mono"/>
-                <a:cs typeface="Andale Mono"/>
-              </a:rPr>
-              <a:t>.merge(bars)</a:t>
-            </a:r>
-            <a:endParaRPr sz="2800"/>
-          </a:p>
-          <a:p>
-            <a:pPr>
-              <a:defRPr/>
-            </a:pPr>
-            <a:r>
-              <a:rPr lang="en-CA" sz="2800" b="0" i="0" u="none" strike="noStrike" cap="none" spc="0">
-                <a:solidFill>
-                  <a:schemeClr val="tx1"/>
-                </a:solidFill>
-                <a:latin typeface="+mn-lt"/>
-                <a:ea typeface="+mn-ea"/>
-                <a:cs typeface="+mn-cs"/>
-              </a:rPr>
-              <a:t>And we have updating bars in our chart because </a:t>
-            </a:r>
-            <a:r>
-              <a:rPr lang="en-CA" sz="2800" b="0" i="0" u="none" strike="noStrike" cap="none" spc="0">
-                <a:solidFill>
-                  <a:schemeClr val="tx1"/>
-                </a:solidFill>
-                <a:latin typeface="Andale Mono"/>
-                <a:ea typeface="Andale Mono"/>
-                <a:cs typeface="Andale Mono"/>
-              </a:rPr>
-              <a:t>.enter()</a:t>
-            </a:r>
-            <a:r>
-              <a:rPr lang="en-CA" sz="2800" b="0" i="0" u="none" strike="noStrike" cap="none" spc="0">
-                <a:solidFill>
-                  <a:schemeClr val="tx1"/>
-                </a:solidFill>
-                <a:latin typeface="+mn-lt"/>
-                <a:ea typeface="+mn-ea"/>
-                <a:cs typeface="+mn-cs"/>
-              </a:rPr>
-              <a:t> and</a:t>
-            </a:r>
-            <a:r>
-              <a:rPr lang="en-CA" sz="2800" b="0" i="0" u="none" strike="noStrike" cap="none" spc="0">
-                <a:solidFill>
-                  <a:schemeClr val="tx1"/>
-                </a:solidFill>
-                <a:latin typeface="+mn-lt"/>
-                <a:ea typeface="+mn-ea"/>
-                <a:cs typeface="+mn-cs"/>
-              </a:rPr>
-              <a:t> update share all the code for applying attributes to the rectangles</a:t>
-            </a:r>
-            <a:endParaRPr lang="en-CA" sz="2800" b="0" i="0" u="none" strike="noStrike" cap="none" spc="0">
-              <a:solidFill>
-                <a:schemeClr val="tx1"/>
-              </a:solidFill>
-              <a:latin typeface="Arial"/>
-              <a:ea typeface="Arial"/>
-              <a:cs typeface="Arial"/>
-            </a:endParaRPr>
-          </a:p>
-          <a:p>
-            <a:pPr>
-              <a:defRPr/>
-            </a:pPr>
-            <a:r>
-              <a:rPr lang="en-CA" sz="2800" b="0" i="0" u="none" strike="noStrike" cap="none" spc="0">
-                <a:solidFill>
-                  <a:schemeClr val="tx1"/>
+          <a:lstStyle>
+            <a:lvl1pPr marL="0" indent="0">
+              <a:buNone/>
+              <a:defRPr sz="2400">
+                <a:solidFill>
+                  <a:schemeClr val="tx1">
+                    <a:tint val="75000"/>
+                  </a:schemeClr>
+                </a:solidFill>
+              </a:defRPr>
+            </a:lvl1pPr>
+            <a:lvl2pPr marL="457200" indent="0">
+              <a:buNone/>
+              <a:defRPr sz="2000">
+                <a:solidFill>
+                  <a:schemeClr val="tx1">
+                    <a:tint val="75000"/>
+                  </a:schemeClr>
+                </a:solidFill>
+              </a:defRPr>
+            </a:lvl2pPr>
+            <a:lvl3pPr marL="914400" indent="0">
+              <a:buNone/>
+              <a:defRPr sz="1800">
+                <a:solidFill>
+                  <a:schemeClr val="tx1">
+                    <a:tint val="75000"/>
+                  </a:schemeClr>
+                </a:solidFill>
+              </a:defRPr>
+            </a:lvl3pPr>
+            <a:lvl4pPr marL="1371600" indent="0">
+              <a:buNone/>
+              <a:defRPr sz="1600">
+                <a:solidFill>
+                  <a:schemeClr val="tx1">
+                    <a:tint val="75000"/>
+                  </a:schemeClr>
+                </a:solidFill>
+              </a:defRPr>
+            </a:lvl4pPr>
+            <a:lvl5pPr marL="1828800" indent="0">
+              <a:buNone/>
+              <a:defRPr sz="1600">
+                <a:solidFill>
+                  <a:schemeClr val="tx1">
+                    <a:tint val="75000"/>
+                  </a:schemeClr>
+                </a:solidFill>
+              </a:defRPr>
+            </a:lvl5pPr>
+            <a:lvl6pPr marL="2286000" indent="0">
+              <a:buNone/>
+              <a:defRPr sz="1600">
+                <a:solidFill>
+                  <a:schemeClr val="tx1">
+                    <a:tint val="75000"/>
+                  </a:schemeClr>
+                </a:solidFill>
+              </a:defRPr>
+            </a:lvl6pPr>
+            <a:lvl7pPr marL="2743200" indent="0">
+              <a:buNone/>
+              <a:defRPr sz="1600">
+                <a:solidFill>
+                  <a:schemeClr val="tx1">
+                    <a:tint val="75000"/>
+                  </a:schemeClr>
+                </a:solidFill>
+              </a:defRPr>
+            </a:lvl7pPr>
+            <a:lvl8pPr marL="3200400" indent="0">
+              <a:buNone/>
+              <a:defRPr sz="1600">
+                <a:solidFill>
+                  <a:schemeClr val="tx1">
+                    <a:tint val="75000"/>
+                  </a:schemeClr>
+                </a:solidFill>
+              </a:defRPr>
+            </a:lvl8pPr>
+            <a:lvl9pPr marL="3657600" indent="0">
+              <a:buNone/>
+              <a:defRPr sz="1600">
+                <a:solidFill>
+                  <a:schemeClr val="tx1">
+                    <a:tint val="75000"/>
+                  </a:schemeClr>
+                </a:solidFill>
+              </a:defRPr>
+            </a:lvl9pPr>
+          </a:lstStyle>
+          <a:p>
+            <a:pPr>
+              <a:defRPr/>
+            </a:pPr>
+            <a:r>
+              <a:rPr lang="en-US" sz="2400" b="0" i="0" u="sng" strike="noStrike" cap="none" spc="0">
+                <a:solidFill>
+                  <a:schemeClr val="tx1">
+                    <a:tint val="75000"/>
+                  </a:schemeClr>
                 </a:solidFill>
                 <a:latin typeface="Arial"/>
                 <a:ea typeface="Arial"/>
                 <a:cs typeface="Arial"/>
-              </a:rPr>
-              <a:t>However, there’s a </a:t>
-            </a:r>
-            <a:r>
-              <a:rPr lang="en-CA" sz="2800" b="1" i="0" u="none" strike="noStrike" cap="none" spc="0">
-                <a:solidFill>
-                  <a:schemeClr val="tx1"/>
-                </a:solidFill>
-                <a:latin typeface="Arial"/>
-                <a:ea typeface="Arial"/>
-                <a:cs typeface="Arial"/>
-              </a:rPr>
-              <a:t>bug</a:t>
-            </a:r>
-            <a:r>
-              <a:rPr lang="en-CA" sz="2800" b="0" i="0" u="none" strike="noStrike" cap="none" spc="0">
-                <a:solidFill>
-                  <a:schemeClr val="tx1"/>
-                </a:solidFill>
-                <a:latin typeface="Arial"/>
-                <a:ea typeface="Arial"/>
-                <a:cs typeface="Arial"/>
-              </a:rPr>
-              <a:t>: year 2015 has only May’s data; January’s bar moves to May’s position. Tool tip changes mid-bar.</a:t>
-            </a:r>
-            <a:endParaRPr sz="2800"/>
+                <a:hlinkClick r:id="rId2" tooltip="Page 5"/>
+              </a:rPr>
+              <a:t>http://bclug.ca:8008/d3/kwlug/bar-chart/page5.html</a:t>
+            </a:r>
+            <a:endParaRPr/>
           </a:p>
         </p:txBody>
       </p:sp>
@@ -5445,10 +5668,14 @@
   </p:clrMapOvr>
   <mc:AlternateContent xmlns:mc="http://schemas.openxmlformats.org/markup-compatibility/2006">
     <mc:Choice xmlns:p14="http://schemas.microsoft.com/office/powerpoint/2010/main" Requires="p14">
-      <p:transition p14:dur="2000" advClick="1"/>
+      <p:transition spd="med" p14:dur="1000" advClick="1">
+        <p:fade thruBlk="0"/>
+      </p:transition>
     </mc:Choice>
     <mc:Fallback>
-      <p:transition advClick="1"/>
+      <p:transition spd="med" advClick="1">
+        <p:fade thruBlk="0"/>
+      </p:transition>
     </mc:Fallback>
   </mc:AlternateContent>
 </p:sld>
@@ -5473,7 +5700,7 @@
       </p:grpSpPr>
       <p:sp>
         <p:nvSpPr>
-          <p:cNvPr id="118804715" name="Title 1" hidden="0"/>
+          <p:cNvPr id="2140015873" name="Title 1" hidden="0"/>
           <p:cNvSpPr>
             <a:spLocks noGrp="1"/>
           </p:cNvSpPr>
@@ -5481,26 +5708,17 @@
             <p:ph type="title" hasCustomPrompt="0"/>
           </p:nvPr>
         </p:nvSpPr>
-        <p:spPr bwMode="auto">
-          <a:xfrm>
-            <a:off x="831849" y="1709737"/>
-            <a:ext cx="10515600" cy="2852736"/>
-          </a:xfrm>
-        </p:spPr>
-        <p:txBody>
-          <a:bodyPr anchor="b"/>
-          <a:lstStyle>
-            <a:lvl1pPr>
-              <a:defRPr sz="6000"/>
-            </a:lvl1pPr>
-          </a:lstStyle>
+        <p:spPr bwMode="auto"/>
+        <p:txBody>
+          <a:bodyPr/>
+          <a:lstStyle/>
           <a:p>
             <a:pPr>
               <a:defRPr/>
             </a:pPr>
             <a:r>
               <a:rPr/>
-              <a:t>Page 6</a:t>
+              <a:t>Updating data</a:t>
             </a:r>
             <a:endParaRPr/>
           </a:p>
@@ -5508,130 +5726,177 @@
       </p:sp>
       <p:sp>
         <p:nvSpPr>
-          <p:cNvPr id="1662893672" name="Text Placeholder 2" hidden="0"/>
-          <p:cNvSpPr>
-            <a:spLocks noGrp="1"/>
-          </p:cNvSpPr>
-          <p:nvPr isPhoto="0" userDrawn="0">
-            <p:ph type="body" idx="1" hasCustomPrompt="0"/>
-          </p:nvPr>
-        </p:nvSpPr>
-        <p:spPr bwMode="auto">
-          <a:xfrm>
-            <a:off x="831849" y="4589462"/>
-            <a:ext cx="10515600" cy="1500186"/>
-          </a:xfrm>
-        </p:spPr>
-        <p:txBody>
-          <a:bodyPr/>
-          <a:lstStyle>
-            <a:lvl1pPr marL="0" indent="0">
-              <a:buNone/>
-              <a:defRPr sz="2400">
-                <a:solidFill>
-                  <a:schemeClr val="tx1">
-                    <a:tint val="75000"/>
-                  </a:schemeClr>
-                </a:solidFill>
-              </a:defRPr>
-            </a:lvl1pPr>
-            <a:lvl2pPr marL="457200" indent="0">
-              <a:buNone/>
-              <a:defRPr sz="2000">
-                <a:solidFill>
-                  <a:schemeClr val="tx1">
-                    <a:tint val="75000"/>
-                  </a:schemeClr>
-                </a:solidFill>
-              </a:defRPr>
-            </a:lvl2pPr>
-            <a:lvl3pPr marL="914400" indent="0">
-              <a:buNone/>
-              <a:defRPr sz="1800">
-                <a:solidFill>
-                  <a:schemeClr val="tx1">
-                    <a:tint val="75000"/>
-                  </a:schemeClr>
-                </a:solidFill>
-              </a:defRPr>
-            </a:lvl3pPr>
-            <a:lvl4pPr marL="1371600" indent="0">
-              <a:buNone/>
-              <a:defRPr sz="1600">
-                <a:solidFill>
-                  <a:schemeClr val="tx1">
-                    <a:tint val="75000"/>
-                  </a:schemeClr>
-                </a:solidFill>
-              </a:defRPr>
-            </a:lvl4pPr>
-            <a:lvl5pPr marL="1828800" indent="0">
-              <a:buNone/>
-              <a:defRPr sz="1600">
-                <a:solidFill>
-                  <a:schemeClr val="tx1">
-                    <a:tint val="75000"/>
-                  </a:schemeClr>
-                </a:solidFill>
-              </a:defRPr>
-            </a:lvl5pPr>
-            <a:lvl6pPr marL="2286000" indent="0">
-              <a:buNone/>
-              <a:defRPr sz="1600">
-                <a:solidFill>
-                  <a:schemeClr val="tx1">
-                    <a:tint val="75000"/>
-                  </a:schemeClr>
-                </a:solidFill>
-              </a:defRPr>
-            </a:lvl6pPr>
-            <a:lvl7pPr marL="2743200" indent="0">
-              <a:buNone/>
-              <a:defRPr sz="1600">
-                <a:solidFill>
-                  <a:schemeClr val="tx1">
-                    <a:tint val="75000"/>
-                  </a:schemeClr>
-                </a:solidFill>
-              </a:defRPr>
-            </a:lvl7pPr>
-            <a:lvl8pPr marL="3200400" indent="0">
-              <a:buNone/>
-              <a:defRPr sz="1600">
-                <a:solidFill>
-                  <a:schemeClr val="tx1">
-                    <a:tint val="75000"/>
-                  </a:schemeClr>
-                </a:solidFill>
-              </a:defRPr>
-            </a:lvl8pPr>
-            <a:lvl9pPr marL="3657600" indent="0">
-              <a:buNone/>
-              <a:defRPr sz="1600">
-                <a:solidFill>
-                  <a:schemeClr val="tx1">
-                    <a:tint val="75000"/>
-                  </a:schemeClr>
-                </a:solidFill>
-              </a:defRPr>
-            </a:lvl9pPr>
-          </a:lstStyle>
-          <a:p>
-            <a:pPr>
-              <a:defRPr/>
-            </a:pPr>
-            <a:r>
-              <a:rPr lang="en-US" sz="2400" b="0" i="0" u="none" strike="noStrike" cap="none" spc="0">
-                <a:solidFill>
-                  <a:schemeClr val="tx1">
-                    <a:tint val="75000"/>
-                  </a:schemeClr>
-                </a:solidFill>
-                <a:latin typeface="Arial"/>
-                <a:ea typeface="Arial"/>
-                <a:cs typeface="Arial"/>
-              </a:rPr>
-              <a:t>http://bclug.ca:8008/d3/kwlug/bar-chart/page6.html</a:t>
+          <p:cNvPr id="1162819602" name="Content Placeholder 2" hidden="0"/>
+          <p:cNvSpPr>
+            <a:spLocks noGrp="1"/>
+          </p:cNvSpPr>
+          <p:nvPr isPhoto="0" userDrawn="0">
+            <p:ph idx="1" hasCustomPrompt="0"/>
+          </p:nvPr>
+        </p:nvSpPr>
+        <p:spPr bwMode="auto"/>
+        <p:txBody>
+          <a:bodyPr vertOverflow="overflow" horzOverflow="clip" vert="horz" wrap="square" lIns="91440" tIns="45720" rIns="91440" bIns="45720" numCol="1" spcCol="0" rtlCol="0" fromWordArt="0" anchor="t" anchorCtr="0" forceAA="0" upright="0" compatLnSpc="0">
+            <a:normAutofit fontScale="90000" lnSpcReduction="2000"/>
+          </a:bodyPr>
+          <a:lstStyle/>
+          <a:p>
+            <a:pPr>
+              <a:defRPr/>
+            </a:pPr>
+            <a:r>
+              <a:rPr/>
+              <a:t>Default selection is update</a:t>
+            </a:r>
+            <a:endParaRPr/>
+          </a:p>
+          <a:p>
+            <a:pPr marL="0" indent="0">
+              <a:buFont typeface="Arial"/>
+              <a:buNone/>
+              <a:defRPr/>
+            </a:pPr>
+            <a:endParaRPr/>
+          </a:p>
+          <a:p>
+            <a:pPr marL="0" indent="0">
+              <a:buFont typeface="Arial"/>
+              <a:buNone/>
+              <a:defRPr/>
+            </a:pPr>
+            <a:r>
+              <a:rPr lang="en-US" sz="2800" b="0" i="0" u="none" strike="noStrike" cap="none" spc="0">
+                <a:solidFill>
+                  <a:schemeClr val="tx1"/>
+                </a:solidFill>
+                <a:latin typeface="Andale Mono"/>
+                <a:ea typeface="Andale Mono"/>
+                <a:cs typeface="Andale Mono"/>
+              </a:rPr>
+              <a:t>d3.select(“svg”)</a:t>
+            </a:r>
+            <a:endParaRPr sz="2800" b="0" i="0" u="none" strike="noStrike" cap="none" spc="0">
+              <a:solidFill>
+                <a:schemeClr val="tx1"/>
+              </a:solidFill>
+              <a:latin typeface="Andale Mono"/>
+              <a:ea typeface="Andale Mono"/>
+              <a:cs typeface="Andale Mono"/>
+            </a:endParaRPr>
+          </a:p>
+          <a:p>
+            <a:pPr marL="0" lvl="0" indent="0">
+              <a:buFont typeface="Arial"/>
+              <a:buNone/>
+              <a:defRPr/>
+            </a:pPr>
+            <a:r>
+              <a:rPr lang="en-US" sz="2800" b="0" i="0" u="none" strike="noStrike" cap="none" spc="0">
+                <a:solidFill>
+                  <a:schemeClr val="tx1"/>
+                </a:solidFill>
+                <a:latin typeface="Andale Mono"/>
+                <a:ea typeface="Andale Mono"/>
+                <a:cs typeface="Andale Mono"/>
+              </a:rPr>
+              <a:t>	// Now selectAll returns array of 12 elements:</a:t>
+            </a:r>
+            <a:endParaRPr sz="2800" b="0" i="0" u="none" strike="noStrike" cap="none" spc="0">
+              <a:solidFill>
+                <a:schemeClr val="tx1"/>
+              </a:solidFill>
+              <a:latin typeface="Andale Mono"/>
+              <a:ea typeface="Andale Mono"/>
+              <a:cs typeface="Andale Mono"/>
+            </a:endParaRPr>
+          </a:p>
+          <a:p>
+            <a:pPr marL="57148" lvl="0" indent="0">
+              <a:buFont typeface="Arial"/>
+              <a:buNone/>
+              <a:defRPr/>
+            </a:pPr>
+            <a:r>
+              <a:rPr lang="en-US" sz="2800" b="0" i="0" u="none" strike="noStrike" cap="none" spc="0">
+                <a:solidFill>
+                  <a:schemeClr val="tx1"/>
+                </a:solidFill>
+                <a:latin typeface="Andale Mono"/>
+                <a:ea typeface="Andale Mono"/>
+                <a:cs typeface="Andale Mono"/>
+              </a:rPr>
+              <a:t>	.selectAll(“rect”)</a:t>
+            </a:r>
+            <a:endParaRPr sz="2800" b="0" i="0" u="none" strike="noStrike" cap="none" spc="0">
+              <a:solidFill>
+                <a:schemeClr val="tx1"/>
+              </a:solidFill>
+              <a:latin typeface="Andale Mono"/>
+              <a:ea typeface="Andale Mono"/>
+              <a:cs typeface="Andale Mono"/>
+            </a:endParaRPr>
+          </a:p>
+          <a:p>
+            <a:pPr marL="57148" lvl="0" indent="0">
+              <a:buFont typeface="Arial"/>
+              <a:buNone/>
+              <a:defRPr/>
+            </a:pPr>
+            <a:r>
+              <a:rPr lang="en-US" sz="2800" b="0" i="0" u="none" strike="noStrike" cap="none" spc="0">
+                <a:solidFill>
+                  <a:schemeClr val="tx1"/>
+                </a:solidFill>
+                <a:latin typeface="Andale Mono"/>
+                <a:ea typeface="Andale Mono"/>
+                <a:cs typeface="Andale Mono"/>
+              </a:rPr>
+              <a:t>	// Bind 1968’s data to all existing rectangles:</a:t>
+            </a:r>
+            <a:endParaRPr sz="2800" b="0" i="0" u="none" strike="noStrike" cap="none" spc="0">
+              <a:solidFill>
+                <a:schemeClr val="tx1"/>
+              </a:solidFill>
+              <a:latin typeface="Andale Mono"/>
+              <a:ea typeface="Andale Mono"/>
+              <a:cs typeface="Andale Mono"/>
+            </a:endParaRPr>
+          </a:p>
+          <a:p>
+            <a:pPr marL="0" indent="0">
+              <a:buFont typeface="Arial"/>
+              <a:buNone/>
+              <a:defRPr/>
+            </a:pPr>
+            <a:r>
+              <a:rPr lang="en-US" sz="2800" b="0" i="0" u="none" strike="noStrike" cap="none" spc="0">
+                <a:solidFill>
+                  <a:schemeClr val="tx1"/>
+                </a:solidFill>
+                <a:latin typeface="Andale Mono"/>
+                <a:ea typeface="Andale Mono"/>
+                <a:cs typeface="Andale Mono"/>
+              </a:rPr>
+              <a:t>	.data(birthData.filter( d =&gt; (d.year === 1968))</a:t>
+            </a:r>
+            <a:endParaRPr lang="en-US" sz="2800" b="0" i="0" u="none" strike="noStrike" cap="none" spc="0">
+              <a:solidFill>
+                <a:schemeClr val="tx1"/>
+              </a:solidFill>
+              <a:latin typeface="Andale Mono"/>
+              <a:ea typeface="Andale Mono"/>
+              <a:cs typeface="Andale Mono"/>
+            </a:endParaRPr>
+          </a:p>
+          <a:p>
+            <a:pPr marL="0" indent="0">
+              <a:buFont typeface="Arial"/>
+              <a:buNone/>
+              <a:defRPr/>
+            </a:pPr>
+            <a:r>
+              <a:rPr/>
+              <a:t>The app gets the year from the input selector, which has a “change” listener which invokes updateGraph, which reads value of input slider.</a:t>
             </a:r>
             <a:endParaRPr/>
           </a:p>
@@ -5644,10 +5909,14 @@
   </p:clrMapOvr>
   <mc:AlternateContent xmlns:mc="http://schemas.openxmlformats.org/markup-compatibility/2006">
     <mc:Choice xmlns:p14="http://schemas.microsoft.com/office/powerpoint/2010/main" Requires="p14">
-      <p:transition p14:dur="2000" advClick="1"/>
+      <p:transition spd="med" p14:dur="1000" advClick="1">
+        <p:fade thruBlk="0"/>
+      </p:transition>
     </mc:Choice>
     <mc:Fallback>
-      <p:transition advClick="1"/>
+      <p:transition spd="med" advClick="1">
+        <p:fade thruBlk="0"/>
+      </p:transition>
     </mc:Fallback>
   </mc:AlternateContent>
 </p:sld>
@@ -5801,7 +6070,7 @@
       </p:grpSpPr>
       <p:sp>
         <p:nvSpPr>
-          <p:cNvPr id="181476335" name="Title 1" hidden="0"/>
+          <p:cNvPr id="208529243" name="Title 1" hidden="0"/>
           <p:cNvSpPr>
             <a:spLocks noGrp="1"/>
           </p:cNvSpPr>
@@ -5819,7 +6088,7 @@
             </a:pPr>
             <a:r>
               <a:rPr/>
-              <a:t>Data “constancy”: key functions</a:t>
+              <a:t>Updating data: shortcut</a:t>
             </a:r>
             <a:endParaRPr/>
           </a:p>
@@ -5827,7 +6096,7 @@
       </p:sp>
       <p:sp>
         <p:nvSpPr>
-          <p:cNvPr id="732720898" name="Content Placeholder 2" hidden="0"/>
+          <p:cNvPr id="854957355" name="Content Placeholder 2" hidden="0"/>
           <p:cNvSpPr>
             <a:spLocks noGrp="1"/>
           </p:cNvSpPr>
@@ -5852,14 +6121,19 @@
                 <a:ea typeface="+mn-ea"/>
                 <a:cs typeface="+mn-cs"/>
               </a:rPr>
-              <a:t>Default data binding order is first-come first-serve</a:t>
-            </a:r>
-            <a:endParaRPr sz="2800"/>
-          </a:p>
-          <a:p>
-            <a:pPr>
-              <a:defRPr/>
-            </a:pPr>
+              <a:t>Save time with </a:t>
+            </a:r>
+            <a:r>
+              <a:rPr lang="en-CA" sz="2800" b="0" i="0" u="none" strike="noStrike" cap="none" spc="0">
+                <a:solidFill>
+                  <a:schemeClr val="tx1"/>
+                </a:solidFill>
+                <a:latin typeface="DejaVu Sans Mono"/>
+                <a:ea typeface="DejaVu Sans Mono"/>
+                <a:cs typeface="DejaVu Sans Mono"/>
+              </a:rPr>
+              <a:t>.merge()</a:t>
+            </a:r>
             <a:r>
               <a:rPr lang="en-CA" sz="2800" b="0" i="0" u="none" strike="noStrike" cap="none" spc="0">
                 <a:solidFill>
@@ -5869,14 +6143,19 @@
                 <a:ea typeface="+mn-ea"/>
                 <a:cs typeface="+mn-cs"/>
               </a:rPr>
-              <a:t>Binding data to specific DOM elements is possible</a:t>
-            </a:r>
-            <a:endParaRPr sz="2800"/>
-          </a:p>
-          <a:p>
-            <a:pPr>
-              <a:defRPr/>
-            </a:pPr>
+              <a:t> - it joins </a:t>
+            </a:r>
+            <a:r>
+              <a:rPr lang="en-CA" sz="2800" b="0" i="0" u="none" strike="noStrike" cap="none" spc="0">
+                <a:solidFill>
+                  <a:schemeClr val="tx1"/>
+                </a:solidFill>
+                <a:latin typeface="DejaVu Sans Mono"/>
+                <a:ea typeface="DejaVu Sans Mono"/>
+                <a:cs typeface="DejaVu Sans Mono"/>
+              </a:rPr>
+              <a:t>.enter()</a:t>
+            </a:r>
             <a:r>
               <a:rPr lang="en-CA" sz="2800" b="0" i="0" u="none" strike="noStrike" cap="none" spc="0">
                 <a:solidFill>
@@ -5886,31 +6165,8 @@
                 <a:ea typeface="+mn-ea"/>
                 <a:cs typeface="+mn-cs"/>
               </a:rPr>
-              <a:t>Just add a “key function” to the .data(), which returns an array of unique values which D3.js will bind to specific items:</a:t>
-            </a:r>
-            <a:endParaRPr sz="2800"/>
-          </a:p>
-          <a:p>
-            <a:pPr marL="400050" lvl="1" indent="0">
-              <a:buFont typeface="Arial"/>
-              <a:buNone/>
-              <a:defRPr/>
-            </a:pPr>
-            <a:endParaRPr sz="2800" b="0" i="0" u="none" strike="noStrike" cap="none" spc="0">
-              <a:solidFill>
-                <a:schemeClr val="tx1"/>
-              </a:solidFill>
-              <a:latin typeface="DejaVu Sans Mono"/>
-              <a:ea typeface="DejaVu Sans Mono"/>
-              <a:cs typeface="DejaVu Sans Mono"/>
-            </a:endParaRPr>
-          </a:p>
-          <a:p>
-            <a:pPr marL="400050" lvl="1" indent="0">
-              <a:buFont typeface="Arial"/>
-              <a:buNone/>
-              <a:defRPr/>
-            </a:pPr>
+              <a:t> and </a:t>
+            </a:r>
             <a:r>
               <a:rPr lang="en-CA" sz="2800" b="0" i="0" u="none" strike="noStrike" cap="none" spc="0">
                 <a:solidFill>
@@ -5920,10 +6176,57 @@
                 <a:ea typeface="DejaVu Sans Mono"/>
                 <a:cs typeface="DejaVu Sans Mono"/>
               </a:rPr>
-              <a:t>.data(barData, function</a:t>
-            </a:r>
-            <a:r>
-              <a:rPr lang="en-US" sz="2800" b="0" i="0" u="none" strike="noStrike" cap="none" spc="0">
+              <a:t>update</a:t>
+            </a:r>
+            <a:endParaRPr sz="2800"/>
+          </a:p>
+          <a:p>
+            <a:pPr>
+              <a:defRPr/>
+            </a:pPr>
+            <a:r>
+              <a:rPr lang="en-CA" sz="2800" b="0" i="0" u="none" strike="noStrike" cap="none" spc="0">
+                <a:solidFill>
+                  <a:schemeClr val="tx1"/>
+                </a:solidFill>
+                <a:latin typeface="+mn-lt"/>
+                <a:ea typeface="+mn-ea"/>
+                <a:cs typeface="+mn-cs"/>
+              </a:rPr>
+              <a:t>Only </a:t>
+            </a:r>
+            <a:r>
+              <a:rPr lang="en-CA" sz="2800" b="1" i="0" u="none" strike="noStrike" cap="none" spc="0">
+                <a:solidFill>
+                  <a:schemeClr val="tx1"/>
+                </a:solidFill>
+                <a:latin typeface="+mn-lt"/>
+                <a:ea typeface="+mn-ea"/>
+                <a:cs typeface="+mn-cs"/>
+              </a:rPr>
+              <a:t>ONE </a:t>
+            </a:r>
+            <a:r>
+              <a:rPr lang="en-CA" sz="2800" b="0" i="0" u="none" strike="noStrike" cap="none" spc="0">
+                <a:solidFill>
+                  <a:schemeClr val="tx1"/>
+                </a:solidFill>
+                <a:latin typeface="+mn-lt"/>
+                <a:ea typeface="+mn-ea"/>
+                <a:cs typeface="+mn-cs"/>
+              </a:rPr>
+              <a:t>line of code has been added to page 5’s JS code:</a:t>
+            </a:r>
+            <a:endParaRPr sz="2800"/>
+          </a:p>
+          <a:p>
+            <a:pPr marL="0" indent="0">
+              <a:buFont typeface="Arial"/>
+              <a:buNone/>
+              <a:defRPr/>
+            </a:pPr>
+            <a:r>
+              <a:rPr lang="en-CA" sz="2800" b="0" i="0" u="none" strike="noStrike" cap="none" spc="0">
                 <a:solidFill>
                   <a:schemeClr val="tx1"/>
                 </a:solidFill>
@@ -5931,83 +6234,68 @@
                 <a:ea typeface="DejaVu Sans Mono"/>
                 <a:cs typeface="DejaVu Sans Mono"/>
               </a:rPr>
-              <a:t>(d) {</a:t>
-            </a:r>
-            <a:endParaRPr sz="2800" b="0" i="0" u="none" strike="noStrike" cap="none" spc="0">
-              <a:solidFill>
-                <a:schemeClr val="tx1"/>
-              </a:solidFill>
-              <a:latin typeface="DejaVu Sans Mono"/>
-              <a:ea typeface="DejaVu Sans Mono"/>
-              <a:cs typeface="DejaVu Sans Mono"/>
-            </a:endParaRPr>
-          </a:p>
-          <a:p>
-            <a:pPr marL="857250" lvl="2" indent="0">
-              <a:buFont typeface="Arial"/>
-              <a:buNone/>
-              <a:defRPr/>
-            </a:pPr>
-            <a:r>
-              <a:rPr lang="en-US" sz="2800" b="0" i="0" u="none" strike="noStrike" cap="none" spc="0">
-                <a:solidFill>
-                  <a:schemeClr val="tx1"/>
-                </a:solidFill>
-                <a:latin typeface="DejaVu Sans Mono"/>
-                <a:ea typeface="DejaVu Sans Mono"/>
-                <a:cs typeface="DejaVu Sans Mono"/>
-              </a:rPr>
-              <a:t>return d.month;</a:t>
-            </a:r>
-            <a:endParaRPr lang="en-US" sz="2800" b="0" i="0" u="none" strike="noStrike" cap="none" spc="0">
-              <a:solidFill>
-                <a:schemeClr val="tx1"/>
-              </a:solidFill>
-              <a:latin typeface="DejaVu Sans Mono"/>
-              <a:ea typeface="DejaVu Sans Mono"/>
-              <a:cs typeface="DejaVu Sans Mono"/>
-            </a:endParaRPr>
-          </a:p>
-          <a:p>
-            <a:pPr marL="857250" lvl="2" indent="0">
-              <a:buFont typeface="Arial"/>
-              <a:buNone/>
-              <a:defRPr/>
-            </a:pPr>
-            <a:r>
-              <a:rPr lang="en-US" sz="2800" b="0" i="0" u="none" strike="noStrike" cap="none" spc="0">
-                <a:solidFill>
-                  <a:schemeClr val="tx1"/>
-                </a:solidFill>
-                <a:latin typeface="DejaVu Sans Mono"/>
-                <a:ea typeface="DejaVu Sans Mono"/>
-                <a:cs typeface="DejaVu Sans Mono"/>
-              </a:rPr>
-              <a:t>})</a:t>
-            </a:r>
-            <a:endParaRPr lang="en-US" sz="2800" b="0" i="0" u="none" strike="noStrike" cap="none" spc="0">
-              <a:solidFill>
-                <a:schemeClr val="tx1"/>
-              </a:solidFill>
-              <a:latin typeface="DejaVu Sans Mono"/>
-              <a:ea typeface="DejaVu Sans Mono"/>
-              <a:cs typeface="DejaVu Sans Mono"/>
-            </a:endParaRPr>
-          </a:p>
-          <a:p>
-            <a:pPr lvl="0">
-              <a:defRPr/>
-            </a:pPr>
+              <a:t>	</a:t>
+            </a:r>
             <a:r>
               <a:rPr lang="en-CA" sz="2800" b="0" i="0" u="none" strike="noStrike" cap="none" spc="0">
                 <a:solidFill>
                   <a:schemeClr val="tx1"/>
                 </a:solidFill>
-                <a:latin typeface="Arial"/>
-                <a:ea typeface="Arial"/>
-                <a:cs typeface="Arial"/>
-              </a:rPr>
-              <a:t>May 2015 now has correct data in correct location</a:t>
+                <a:latin typeface="Andale Mono"/>
+                <a:ea typeface="Andale Mono"/>
+                <a:cs typeface="Andale Mono"/>
+              </a:rPr>
+              <a:t>.merge(bars)</a:t>
+            </a:r>
+            <a:endParaRPr sz="2800"/>
+          </a:p>
+          <a:p>
+            <a:pPr>
+              <a:defRPr/>
+            </a:pPr>
+            <a:r>
+              <a:rPr lang="en-CA" sz="2800" b="0" i="0" u="none" strike="noStrike" cap="none" spc="0">
+                <a:solidFill>
+                  <a:schemeClr val="tx1"/>
+                </a:solidFill>
+                <a:latin typeface="+mn-lt"/>
+                <a:ea typeface="+mn-ea"/>
+                <a:cs typeface="+mn-cs"/>
+              </a:rPr>
+              <a:t>And we have updating bars in our chart because </a:t>
+            </a:r>
+            <a:r>
+              <a:rPr lang="en-CA" sz="2800" b="0" i="0" u="none" strike="noStrike" cap="none" spc="0">
+                <a:solidFill>
+                  <a:schemeClr val="tx1"/>
+                </a:solidFill>
+                <a:latin typeface="Andale Mono"/>
+                <a:ea typeface="Andale Mono"/>
+                <a:cs typeface="Andale Mono"/>
+              </a:rPr>
+              <a:t>.enter()</a:t>
+            </a:r>
+            <a:r>
+              <a:rPr lang="en-CA" sz="2800" b="0" i="0" u="none" strike="noStrike" cap="none" spc="0">
+                <a:solidFill>
+                  <a:schemeClr val="tx1"/>
+                </a:solidFill>
+                <a:latin typeface="+mn-lt"/>
+                <a:ea typeface="+mn-ea"/>
+                <a:cs typeface="+mn-cs"/>
+              </a:rPr>
+              <a:t> and</a:t>
+            </a:r>
+            <a:r>
+              <a:rPr lang="en-CA" sz="2800" b="0" i="0" u="none" strike="noStrike" cap="none" spc="0">
+                <a:solidFill>
+                  <a:schemeClr val="tx1"/>
+                </a:solidFill>
+                <a:latin typeface="+mn-lt"/>
+                <a:ea typeface="+mn-ea"/>
+                <a:cs typeface="+mn-cs"/>
+              </a:rPr>
+              <a:t> update share all the code for applying attributes to the rectangles</a:t>
             </a:r>
             <a:endParaRPr lang="en-CA" sz="2800" b="0" i="0" u="none" strike="noStrike" cap="none" spc="0">
               <a:solidFill>
@@ -6017,6 +6305,45 @@
               <a:ea typeface="Arial"/>
               <a:cs typeface="Arial"/>
             </a:endParaRPr>
+          </a:p>
+          <a:p>
+            <a:pPr>
+              <a:defRPr/>
+            </a:pPr>
+            <a:r>
+              <a:rPr lang="en-CA" sz="2800" b="0" i="0" u="none" strike="noStrike" cap="none" spc="0">
+                <a:solidFill>
+                  <a:schemeClr val="tx1"/>
+                </a:solidFill>
+                <a:latin typeface="Arial"/>
+                <a:ea typeface="Arial"/>
+                <a:cs typeface="Arial"/>
+              </a:rPr>
+              <a:t>However, there’s a </a:t>
+            </a:r>
+            <a:r>
+              <a:rPr lang="en-CA" sz="2800" b="1" i="0" u="none" strike="noStrike" cap="none" spc="0">
+                <a:solidFill>
+                  <a:schemeClr val="tx1"/>
+                </a:solidFill>
+                <a:latin typeface="Arial"/>
+                <a:ea typeface="Arial"/>
+                <a:cs typeface="Arial"/>
+              </a:rPr>
+              <a:t>bug</a:t>
+            </a:r>
+            <a:r>
+              <a:rPr lang="en-CA" sz="2800" b="0" i="0" u="none" strike="noStrike" cap="none" spc="0">
+                <a:solidFill>
+                  <a:schemeClr val="tx1"/>
+                </a:solidFill>
+                <a:latin typeface="Arial"/>
+                <a:ea typeface="Arial"/>
+                <a:cs typeface="Arial"/>
+              </a:rPr>
+              <a:t>: year 2015 has only May’s data; January’s bar moves to May’s position. Tool tip changes mid-bar.</a:t>
+            </a:r>
+            <a:endParaRPr sz="2800"/>
           </a:p>
         </p:txBody>
       </p:sp>
@@ -6055,7 +6382,7 @@
       </p:grpSpPr>
       <p:sp>
         <p:nvSpPr>
-          <p:cNvPr id="200770774" name="Title 1" hidden="0"/>
+          <p:cNvPr id="118804715" name="Title 1" hidden="0"/>
           <p:cNvSpPr>
             <a:spLocks noGrp="1"/>
           </p:cNvSpPr>
@@ -6082,7 +6409,7 @@
             </a:pPr>
             <a:r>
               <a:rPr/>
-              <a:t>Page 7</a:t>
+              <a:t>Page 6</a:t>
             </a:r>
             <a:endParaRPr/>
           </a:p>
@@ -6090,7 +6417,7 @@
       </p:sp>
       <p:sp>
         <p:nvSpPr>
-          <p:cNvPr id="1444838915" name="Text Placeholder 2" hidden="0"/>
+          <p:cNvPr id="1662893672" name="Text Placeholder 2" hidden="0"/>
           <p:cNvSpPr>
             <a:spLocks noGrp="1"/>
           </p:cNvSpPr>
@@ -6203,7 +6530,7 @@
               <a:defRPr/>
             </a:pPr>
             <a:r>
-              <a:rPr lang="en-US" sz="2400" b="0" i="0" u="none" strike="noStrike" cap="none" spc="0">
+              <a:rPr lang="en-US" sz="2400" b="0" i="0" u="sng" strike="noStrike" cap="none" spc="0">
                 <a:solidFill>
                   <a:schemeClr val="tx1">
                     <a:tint val="75000"/>
@@ -6212,6 +6539,7 @@
                 <a:latin typeface="Arial"/>
                 <a:ea typeface="Arial"/>
                 <a:cs typeface="Arial"/>
+                <a:hlinkClick r:id="rId2" tooltip="Page 6"/>
               </a:rPr>
               <a:t>http://bclug.ca:8008/d3/kwlug/bar-chart/page6.html</a:t>
             </a:r>
@@ -6254,7 +6582,7 @@
       </p:grpSpPr>
       <p:sp>
         <p:nvSpPr>
-          <p:cNvPr id="1303523380" name="Title 1" hidden="0"/>
+          <p:cNvPr id="181476335" name="Title 1" hidden="0"/>
           <p:cNvSpPr>
             <a:spLocks noGrp="1"/>
           </p:cNvSpPr>
@@ -6272,15 +6600,7 @@
             </a:pPr>
             <a:r>
               <a:rPr/>
-              <a:t>Removing data: </a:t>
-            </a:r>
-            <a:r>
-              <a:rPr>
-                <a:latin typeface="Andale Mono"/>
-                <a:ea typeface="Andale Mono"/>
-                <a:cs typeface="Andale Mono"/>
-              </a:rPr>
-              <a:t>.exit()</a:t>
+              <a:t>Data “constancy”: key functions</a:t>
             </a:r>
             <a:endParaRPr/>
           </a:p>
@@ -6288,7 +6608,7 @@
       </p:sp>
       <p:sp>
         <p:nvSpPr>
-          <p:cNvPr id="1710342334" name="Content Placeholder 2" hidden="0"/>
+          <p:cNvPr id="732720898" name="Content Placeholder 2" hidden="0"/>
           <p:cNvSpPr>
             <a:spLocks noGrp="1"/>
           </p:cNvSpPr>
@@ -6298,20 +6618,8 @@
         </p:nvSpPr>
         <p:spPr bwMode="auto"/>
         <p:txBody>
-          <a:bodyPr vertOverflow="overflow" horzOverflow="clip" vert="horz" wrap="square" lIns="91440" tIns="45720" rIns="91440" bIns="45720" numCol="1" spcCol="0" rtlCol="0" fromWordArt="0" anchor="t" anchorCtr="0" forceAA="0" upright="0" compatLnSpc="0">
-            <a:normAutofit/>
-          </a:bodyPr>
+          <a:bodyPr/>
           <a:lstStyle/>
-          <a:p>
-            <a:pPr>
-              <a:defRPr/>
-            </a:pPr>
-            <a:r>
-              <a:rPr/>
-              <a:t>Where there are more DOM elements than data array elements, items need to be removed from DOM</a:t>
-            </a:r>
-            <a:endParaRPr/>
-          </a:p>
           <a:p>
             <a:pPr>
               <a:defRPr/>
@@ -6325,7 +6633,7 @@
                 <a:ea typeface="+mn-ea"/>
                 <a:cs typeface="+mn-cs"/>
               </a:rPr>
-              <a:t>We need to remove elements that no longer have data bound to them</a:t>
+              <a:t>Default data binding order is first-come first-serve</a:t>
             </a:r>
             <a:endParaRPr sz="2800"/>
           </a:p>
@@ -6333,17 +6641,6 @@
             <a:pPr>
               <a:defRPr/>
             </a:pPr>
-            <a:r>
-              <a:rPr lang="en-CA" sz="2800" b="0" i="0" u="none" strike="noStrike" cap="none" spc="0">
-                <a:solidFill>
-                  <a:schemeClr val="tx1"/>
-                </a:solidFill>
-                <a:latin typeface="DejaVu Sans Mono"/>
-                <a:ea typeface="DejaVu Sans Mono"/>
-                <a:cs typeface="DejaVu Sans Mono"/>
-              </a:rPr>
-              <a:t>.exit().remove()</a:t>
-            </a:r>
             <a:r>
               <a:rPr lang="en-CA" sz="2800" b="0" i="0" u="none" strike="noStrike" cap="none" spc="0">
                 <a:solidFill>
@@ -6353,7 +6650,24 @@
                 <a:ea typeface="+mn-ea"/>
                 <a:cs typeface="+mn-cs"/>
               </a:rPr>
-              <a:t> does that:</a:t>
+              <a:t>Binding data to specific DOM elements is possible</a:t>
+            </a:r>
+            <a:endParaRPr sz="2800"/>
+          </a:p>
+          <a:p>
+            <a:pPr>
+              <a:defRPr/>
+            </a:pPr>
+            <a:r>
+              <a:rPr lang="en-CA" sz="2800" b="0" i="0" u="none" strike="noStrike" cap="none" spc="0">
+                <a:solidFill>
+                  <a:schemeClr val="tx1"/>
+                </a:solidFill>
+                <a:latin typeface="+mn-lt"/>
+                <a:ea typeface="+mn-ea"/>
+                <a:cs typeface="+mn-cs"/>
+              </a:rPr>
+              <a:t>Just add a “key function” to the .data(), which returns an array of unique values which D3.js will bind to specific items:</a:t>
             </a:r>
             <a:endParaRPr sz="2800"/>
           </a:p>
@@ -6363,17 +6677,6 @@
               <a:buNone/>
               <a:defRPr/>
             </a:pPr>
-            <a:r>
-              <a:rPr lang="en-US" sz="2800" b="0" i="0" u="none" strike="noStrike" cap="none" spc="0">
-                <a:solidFill>
-                  <a:schemeClr val="tx1"/>
-                </a:solidFill>
-                <a:latin typeface="DejaVu Sans Mono"/>
-                <a:ea typeface="DejaVu Sans Mono"/>
-                <a:cs typeface="DejaVu Sans Mono"/>
-              </a:rPr>
-              <a:t>bars</a:t>
-            </a:r>
             <a:endParaRPr sz="2800" b="0" i="0" u="none" strike="noStrike" cap="none" spc="0">
               <a:solidFill>
                 <a:schemeClr val="tx1"/>
@@ -6384,13 +6687,13 @@
             </a:endParaRPr>
           </a:p>
           <a:p>
-            <a:pPr marL="857250" lvl="2" indent="0">
+            <a:pPr marL="400050" lvl="1" indent="0">
               <a:buFont typeface="Arial"/>
               <a:buNone/>
               <a:defRPr/>
             </a:pPr>
             <a:r>
-              <a:rPr lang="en-US" sz="2800" b="0" i="0" u="none" strike="noStrike" cap="none" spc="0">
+              <a:rPr lang="en-CA" sz="2800" b="0" i="0" u="none" strike="noStrike" cap="none" spc="0">
                 <a:solidFill>
                   <a:schemeClr val="tx1"/>
                 </a:solidFill>
@@ -6398,7 +6701,18 @@
                 <a:ea typeface="DejaVu Sans Mono"/>
                 <a:cs typeface="DejaVu Sans Mono"/>
               </a:rPr>
-              <a:t>.exit()</a:t>
+              <a:t>.data(barData, function</a:t>
+            </a:r>
+            <a:r>
+              <a:rPr lang="en-US" sz="2800" b="0" i="0" u="none" strike="noStrike" cap="none" spc="0">
+                <a:solidFill>
+                  <a:schemeClr val="tx1"/>
+                </a:solidFill>
+                <a:latin typeface="DejaVu Sans Mono"/>
+                <a:ea typeface="DejaVu Sans Mono"/>
+                <a:cs typeface="DejaVu Sans Mono"/>
+              </a:rPr>
+              <a:t>(d) {</a:t>
             </a:r>
             <a:endParaRPr sz="2800" b="0" i="0" u="none" strike="noStrike" cap="none" spc="0">
               <a:solidFill>
@@ -6410,7 +6724,7 @@
             </a:endParaRPr>
           </a:p>
           <a:p>
-            <a:pPr marL="1314450" lvl="3" indent="0">
+            <a:pPr marL="857250" lvl="2" indent="0">
               <a:buFont typeface="Arial"/>
               <a:buNone/>
               <a:defRPr/>
@@ -6424,15 +6738,65 @@
                 <a:ea typeface="DejaVu Sans Mono"/>
                 <a:cs typeface="DejaVu Sans Mono"/>
               </a:rPr>
-              <a:t>.remove()</a:t>
-            </a:r>
-            <a:endParaRPr sz="2800" b="0" i="0" u="none" strike="noStrike" cap="none" spc="0">
+              <a:t>return d.month;</a:t>
+            </a:r>
+            <a:endParaRPr lang="en-US" sz="2800" b="0" i="0" u="none" strike="noStrike" cap="none" spc="0">
               <a:solidFill>
                 <a:schemeClr val="tx1"/>
               </a:solidFill>
               <a:latin typeface="DejaVu Sans Mono"/>
               <a:ea typeface="DejaVu Sans Mono"/>
               <a:cs typeface="DejaVu Sans Mono"/>
+            </a:endParaRPr>
+          </a:p>
+          <a:p>
+            <a:pPr marL="857250" lvl="2" indent="0">
+              <a:buFont typeface="Arial"/>
+              <a:buNone/>
+              <a:defRPr/>
+            </a:pPr>
+            <a:r>
+              <a:rPr lang="en-US" sz="2800" b="0" i="0" u="none" strike="noStrike" cap="none" spc="0">
+                <a:solidFill>
+                  <a:schemeClr val="tx1"/>
+                </a:solidFill>
+                <a:latin typeface="DejaVu Sans Mono"/>
+                <a:ea typeface="DejaVu Sans Mono"/>
+                <a:cs typeface="DejaVu Sans Mono"/>
+              </a:rPr>
+              <a:t>})</a:t>
+            </a:r>
+            <a:endParaRPr lang="en-US" sz="2800" b="0" i="0" u="none" strike="noStrike" cap="none" spc="0">
+              <a:solidFill>
+                <a:schemeClr val="tx1"/>
+              </a:solidFill>
+              <a:latin typeface="DejaVu Sans Mono"/>
+              <a:ea typeface="DejaVu Sans Mono"/>
+              <a:cs typeface="DejaVu Sans Mono"/>
+            </a:endParaRPr>
+          </a:p>
+          <a:p>
+            <a:pPr lvl="0">
+              <a:defRPr/>
+            </a:pPr>
+            <a:r>
+              <a:rPr lang="en-CA" sz="2800" b="0" i="0" u="none" strike="noStrike" cap="none" spc="0">
+                <a:solidFill>
+                  <a:schemeClr val="tx1"/>
+                </a:solidFill>
+                <a:latin typeface="Arial"/>
+                <a:ea typeface="Arial"/>
+                <a:cs typeface="Arial"/>
+              </a:rPr>
+              <a:t>May 2015 now has correct data in correct location</a:t>
+            </a:r>
+            <a:endParaRPr lang="en-CA" sz="2800" b="0" i="0" u="none" strike="noStrike" cap="none" spc="0">
+              <a:solidFill>
+                <a:schemeClr val="tx1"/>
+              </a:solidFill>
+              <a:latin typeface="Arial"/>
+              <a:ea typeface="Arial"/>
+              <a:cs typeface="Arial"/>
             </a:endParaRPr>
           </a:p>
         </p:txBody>
@@ -6472,7 +6836,7 @@
       </p:grpSpPr>
       <p:sp>
         <p:nvSpPr>
-          <p:cNvPr id="1064004778" name="Title 1" hidden="0"/>
+          <p:cNvPr id="200770774" name="Title 1" hidden="0"/>
           <p:cNvSpPr>
             <a:spLocks noGrp="1"/>
           </p:cNvSpPr>
@@ -6499,7 +6863,7 @@
             </a:pPr>
             <a:r>
               <a:rPr/>
-              <a:t>Page 8</a:t>
+              <a:t>Page 7</a:t>
             </a:r>
             <a:endParaRPr/>
           </a:p>
@@ -6507,7 +6871,7 @@
       </p:sp>
       <p:sp>
         <p:nvSpPr>
-          <p:cNvPr id="922280555" name="Text Placeholder 2" hidden="0"/>
+          <p:cNvPr id="1444838915" name="Text Placeholder 2" hidden="0"/>
           <p:cNvSpPr>
             <a:spLocks noGrp="1"/>
           </p:cNvSpPr>
@@ -6620,7 +6984,7 @@
               <a:defRPr/>
             </a:pPr>
             <a:r>
-              <a:rPr lang="en-US" sz="2400" b="0" i="0" u="none" strike="noStrike" cap="none" spc="0">
+              <a:rPr lang="en-US" sz="2400" b="0" i="0" u="sng" strike="noStrike" cap="none" spc="0">
                 <a:solidFill>
                   <a:schemeClr val="tx1">
                     <a:tint val="75000"/>
@@ -6629,8 +6993,9 @@
                 <a:latin typeface="Arial"/>
                 <a:ea typeface="Arial"/>
                 <a:cs typeface="Arial"/>
-              </a:rPr>
-              <a:t>http://bclug.ca:8008/d3/kwlug/bar-chart/page8.html</a:t>
+                <a:hlinkClick r:id="rId2" tooltip="Page 7"/>
+              </a:rPr>
+              <a:t>http://bclug.ca:8008/d3/kwlug/bar-chart/page7.html</a:t>
             </a:r>
             <a:endParaRPr/>
           </a:p>
@@ -6671,7 +7036,7 @@
       </p:grpSpPr>
       <p:sp>
         <p:nvSpPr>
-          <p:cNvPr id="1618446369" name="Title 1" hidden="0"/>
+          <p:cNvPr id="1303523380" name="Title 1" hidden="0"/>
           <p:cNvSpPr>
             <a:spLocks noGrp="1"/>
           </p:cNvSpPr>
@@ -6689,7 +7054,15 @@
             </a:pPr>
             <a:r>
               <a:rPr/>
-              <a:t>Revisiting Scales: adding colour</a:t>
+              <a:t>Removing data: </a:t>
+            </a:r>
+            <a:r>
+              <a:rPr>
+                <a:latin typeface="Andale Mono"/>
+                <a:ea typeface="Andale Mono"/>
+                <a:cs typeface="Andale Mono"/>
+              </a:rPr>
+              <a:t>.exit()</a:t>
             </a:r>
             <a:endParaRPr/>
           </a:p>
@@ -6697,7 +7070,7 @@
       </p:sp>
       <p:sp>
         <p:nvSpPr>
-          <p:cNvPr id="1166734867" name="Content Placeholder 2" hidden="0"/>
+          <p:cNvPr id="1710342334" name="Content Placeholder 2" hidden="0"/>
           <p:cNvSpPr>
             <a:spLocks noGrp="1"/>
           </p:cNvSpPr>
@@ -6708,7 +7081,7 @@
         <p:spPr bwMode="auto"/>
         <p:txBody>
           <a:bodyPr vertOverflow="overflow" horzOverflow="clip" vert="horz" wrap="square" lIns="91440" tIns="45720" rIns="91440" bIns="45720" numCol="1" spcCol="0" rtlCol="0" fromWordArt="0" anchor="t" anchorCtr="0" forceAA="0" upright="0" compatLnSpc="0">
-            <a:normAutofit fontScale="80000" lnSpcReduction="4000"/>
+            <a:normAutofit/>
           </a:bodyPr>
           <a:lstStyle/>
           <a:p>
@@ -6717,179 +7090,131 @@
             </a:pPr>
             <a:r>
               <a:rPr/>
-              <a:t>Our black bars need enhancement; it’s easy to add colour based on our data - the month number:</a:t>
+              <a:t>Where there are more DOM elements than data array elements, items need to be removed from DOM</a:t>
             </a:r>
             <a:endParaRPr/>
           </a:p>
           <a:p>
-            <a:pPr marL="0" indent="0">
+            <a:pPr>
+              <a:defRPr/>
+            </a:pPr>
+            <a:r>
+              <a:rPr lang="en-CA" sz="2800" b="0" i="0" u="none" strike="noStrike" cap="none" spc="0">
+                <a:solidFill>
+                  <a:schemeClr val="tx1"/>
+                </a:solidFill>
+                <a:latin typeface="+mn-lt"/>
+                <a:ea typeface="+mn-ea"/>
+                <a:cs typeface="+mn-cs"/>
+              </a:rPr>
+              <a:t>We need to remove elements that no longer have data bound to them</a:t>
+            </a:r>
+            <a:endParaRPr sz="2800"/>
+          </a:p>
+          <a:p>
+            <a:pPr>
+              <a:defRPr/>
+            </a:pPr>
+            <a:r>
+              <a:rPr lang="en-CA" sz="2800" b="0" i="0" u="none" strike="noStrike" cap="none" spc="0">
+                <a:solidFill>
+                  <a:schemeClr val="tx1"/>
+                </a:solidFill>
+                <a:latin typeface="DejaVu Sans Mono"/>
+                <a:ea typeface="DejaVu Sans Mono"/>
+                <a:cs typeface="DejaVu Sans Mono"/>
+              </a:rPr>
+              <a:t>.exit().remove()</a:t>
+            </a:r>
+            <a:r>
+              <a:rPr lang="en-CA" sz="2800" b="0" i="0" u="none" strike="noStrike" cap="none" spc="0">
+                <a:solidFill>
+                  <a:schemeClr val="tx1"/>
+                </a:solidFill>
+                <a:latin typeface="+mn-lt"/>
+                <a:ea typeface="+mn-ea"/>
+                <a:cs typeface="+mn-cs"/>
+              </a:rPr>
+              <a:t> does that:</a:t>
+            </a:r>
+            <a:endParaRPr sz="2800"/>
+          </a:p>
+          <a:p>
+            <a:pPr marL="400050" lvl="1" indent="0">
               <a:buFont typeface="Arial"/>
               <a:buNone/>
               <a:defRPr/>
             </a:pPr>
             <a:r>
-              <a:rPr>
-                <a:latin typeface="Andale Mono"/>
-                <a:ea typeface="Andale Mono"/>
-                <a:cs typeface="Andale Mono"/>
-              </a:rPr>
-              <a:t>let colourScaleX = d3.scaleLinear();</a:t>
-            </a:r>
-            <a:endParaRPr>
-              <a:latin typeface="Andale Mono"/>
-              <a:ea typeface="Andale Mono"/>
-              <a:cs typeface="Andale Mono"/>
+              <a:rPr lang="en-US" sz="2800" b="0" i="0" u="none" strike="noStrike" cap="none" spc="0">
+                <a:solidFill>
+                  <a:schemeClr val="tx1"/>
+                </a:solidFill>
+                <a:latin typeface="DejaVu Sans Mono"/>
+                <a:ea typeface="DejaVu Sans Mono"/>
+                <a:cs typeface="DejaVu Sans Mono"/>
+              </a:rPr>
+              <a:t>bars</a:t>
+            </a:r>
+            <a:endParaRPr sz="2800" b="0" i="0" u="none" strike="noStrike" cap="none" spc="0">
+              <a:solidFill>
+                <a:schemeClr val="tx1"/>
+              </a:solidFill>
+              <a:latin typeface="DejaVu Sans Mono"/>
+              <a:ea typeface="DejaVu Sans Mono"/>
+              <a:cs typeface="DejaVu Sans Mono"/>
             </a:endParaRPr>
           </a:p>
           <a:p>
-            <a:pPr marL="0" indent="0">
+            <a:pPr marL="857250" lvl="2" indent="0">
               <a:buFont typeface="Arial"/>
               <a:buNone/>
               <a:defRPr/>
             </a:pPr>
             <a:r>
-              <a:rPr>
-                <a:latin typeface="Andale Mono"/>
-                <a:ea typeface="Andale Mono"/>
-                <a:cs typeface="Andale Mono"/>
-              </a:rPr>
-              <a:t>colourScaleX</a:t>
-            </a:r>
-            <a:endParaRPr>
-              <a:latin typeface="Andale Mono"/>
-              <a:ea typeface="Andale Mono"/>
-              <a:cs typeface="Andale Mono"/>
+              <a:rPr lang="en-US" sz="2800" b="0" i="0" u="none" strike="noStrike" cap="none" spc="0">
+                <a:solidFill>
+                  <a:schemeClr val="tx1"/>
+                </a:solidFill>
+                <a:latin typeface="DejaVu Sans Mono"/>
+                <a:ea typeface="DejaVu Sans Mono"/>
+                <a:cs typeface="DejaVu Sans Mono"/>
+              </a:rPr>
+              <a:t>.exit()</a:t>
+            </a:r>
+            <a:endParaRPr sz="2800" b="0" i="0" u="none" strike="noStrike" cap="none" spc="0">
+              <a:solidFill>
+                <a:schemeClr val="tx1"/>
+              </a:solidFill>
+              <a:latin typeface="DejaVu Sans Mono"/>
+              <a:ea typeface="DejaVu Sans Mono"/>
+              <a:cs typeface="DejaVu Sans Mono"/>
             </a:endParaRPr>
           </a:p>
           <a:p>
-            <a:pPr marL="0" indent="0">
+            <a:pPr marL="1314450" lvl="3" indent="0">
               <a:buFont typeface="Arial"/>
               <a:buNone/>
               <a:defRPr/>
             </a:pPr>
             <a:r>
-              <a:rPr>
-                <a:latin typeface="Andale Mono"/>
-                <a:ea typeface="Andale Mono"/>
-                <a:cs typeface="Andale Mono"/>
-              </a:rPr>
-              <a:t>	.domain([ 1,12 ])</a:t>
-            </a:r>
-            <a:endParaRPr>
-              <a:latin typeface="Andale Mono"/>
-              <a:ea typeface="Andale Mono"/>
-              <a:cs typeface="Andale Mono"/>
-            </a:endParaRPr>
-          </a:p>
-          <a:p>
-            <a:pPr marL="0" indent="0">
-              <a:buFont typeface="Arial"/>
-              <a:buNone/>
-              <a:defRPr/>
-            </a:pPr>
-            <a:r>
-              <a:rPr>
-                <a:latin typeface="Andale Mono"/>
-                <a:ea typeface="Andale Mono"/>
-                <a:cs typeface="Andale Mono"/>
-              </a:rPr>
-              <a:t>	// </a:t>
-            </a:r>
-            <a:r>
-              <a:rPr b="1">
-                <a:latin typeface="Andale Mono"/>
-                <a:ea typeface="Andale Mono"/>
-                <a:cs typeface="Andale Mono"/>
-              </a:rPr>
-              <a:t>D3 will interpolate between colours</a:t>
-            </a:r>
-            <a:r>
-              <a:rPr>
-                <a:latin typeface="Andale Mono"/>
-                <a:ea typeface="Andale Mono"/>
-                <a:cs typeface="Andale Mono"/>
-              </a:rPr>
-              <a:t>!</a:t>
-            </a:r>
-            <a:endParaRPr>
-              <a:latin typeface="Andale Mono"/>
-              <a:ea typeface="Andale Mono"/>
-              <a:cs typeface="Andale Mono"/>
-            </a:endParaRPr>
-          </a:p>
-          <a:p>
-            <a:pPr marL="0" indent="0">
-              <a:buFont typeface="Arial"/>
-              <a:buNone/>
-              <a:defRPr/>
-            </a:pPr>
-            <a:r>
-              <a:rPr>
-                <a:latin typeface="Andale Mono"/>
-                <a:ea typeface="Andale Mono"/>
-                <a:cs typeface="Andale Mono"/>
-              </a:rPr>
-              <a:t>	.range([ “red”, “blue” ])</a:t>
-            </a:r>
-            <a:endParaRPr>
-              <a:latin typeface="Andale Mono"/>
-              <a:ea typeface="Andale Mono"/>
-              <a:cs typeface="Andale Mono"/>
-            </a:endParaRPr>
-          </a:p>
-          <a:p>
-            <a:pPr marL="0" indent="0">
-              <a:buFont typeface="Arial"/>
-              <a:buNone/>
-              <a:defRPr/>
-            </a:pPr>
-            <a:endParaRPr>
-              <a:latin typeface="Andale Mono"/>
-              <a:ea typeface="Andale Mono"/>
-              <a:cs typeface="Andale Mono"/>
-            </a:endParaRPr>
-          </a:p>
-          <a:p>
-            <a:pPr marL="0" indent="0">
-              <a:buFont typeface="Arial"/>
-              <a:buNone/>
-              <a:defRPr/>
-            </a:pPr>
-            <a:r>
-              <a:rPr lang="en-CA" sz="2400" b="0" i="0" u="none" strike="noStrike" cap="none" spc="0">
-                <a:solidFill>
-                  <a:schemeClr val="tx1"/>
-                </a:solidFill>
-                <a:latin typeface="Arial"/>
-                <a:ea typeface="Arial"/>
-                <a:cs typeface="Arial"/>
-              </a:rPr>
-              <a:t>Then, in our .merge() where we enter &amp; update our bars, apply colour to fill attribute:</a:t>
-            </a:r>
-            <a:endParaRPr sz="2400">
-              <a:latin typeface="Andale Mono"/>
-              <a:ea typeface="Andale Mono"/>
-              <a:cs typeface="Andale Mono"/>
-            </a:endParaRPr>
-          </a:p>
-          <a:p>
-            <a:pPr marL="0" indent="0">
-              <a:buFont typeface="Arial"/>
-              <a:buNone/>
-              <a:defRPr/>
-            </a:pPr>
-            <a:r>
-              <a:rPr>
-                <a:latin typeface="Andale Mono"/>
-                <a:ea typeface="Andale Mono"/>
-                <a:cs typeface="Andale Mono"/>
-              </a:rPr>
-              <a:t>	.attr(“fill”, (d,index) =&gt; (colourScaleX(index+1) ))</a:t>
-            </a:r>
-            <a:endParaRPr>
-              <a:latin typeface="Andale Mono"/>
-              <a:ea typeface="Andale Mono"/>
-              <a:cs typeface="Andale Mono"/>
+              <a:rPr lang="en-US" sz="2800" b="0" i="0" u="none" strike="noStrike" cap="none" spc="0">
+                <a:solidFill>
+                  <a:schemeClr val="tx1"/>
+                </a:solidFill>
+                <a:latin typeface="DejaVu Sans Mono"/>
+                <a:ea typeface="DejaVu Sans Mono"/>
+                <a:cs typeface="DejaVu Sans Mono"/>
+              </a:rPr>
+              <a:t>.remove()</a:t>
+            </a:r>
+            <a:endParaRPr sz="2800" b="0" i="0" u="none" strike="noStrike" cap="none" spc="0">
+              <a:solidFill>
+                <a:schemeClr val="tx1"/>
+              </a:solidFill>
+              <a:latin typeface="DejaVu Sans Mono"/>
+              <a:ea typeface="DejaVu Sans Mono"/>
+              <a:cs typeface="DejaVu Sans Mono"/>
             </a:endParaRPr>
           </a:p>
         </p:txBody>
@@ -6929,7 +7254,7 @@
       </p:grpSpPr>
       <p:sp>
         <p:nvSpPr>
-          <p:cNvPr id="699075503" name="Title 1" hidden="0"/>
+          <p:cNvPr id="1064004778" name="Title 1" hidden="0"/>
           <p:cNvSpPr>
             <a:spLocks noGrp="1"/>
           </p:cNvSpPr>
@@ -6956,7 +7281,7 @@
             </a:pPr>
             <a:r>
               <a:rPr/>
-              <a:t>Page 9</a:t>
+              <a:t>Page 8</a:t>
             </a:r>
             <a:endParaRPr/>
           </a:p>
@@ -6964,7 +7289,7 @@
       </p:sp>
       <p:sp>
         <p:nvSpPr>
-          <p:cNvPr id="196540428" name="Text Placeholder 2" hidden="0"/>
+          <p:cNvPr id="922280555" name="Text Placeholder 2" hidden="0"/>
           <p:cNvSpPr>
             <a:spLocks noGrp="1"/>
           </p:cNvSpPr>
@@ -7077,7 +7402,7 @@
               <a:defRPr/>
             </a:pPr>
             <a:r>
-              <a:rPr lang="en-CA" sz="2400" b="0" i="0" u="none" strike="noStrike" cap="none" spc="0">
+              <a:rPr lang="en-US" sz="2400" b="0" i="0" u="sng" strike="noStrike" cap="none" spc="0">
                 <a:solidFill>
                   <a:schemeClr val="tx1">
                     <a:tint val="75000"/>
@@ -7086,8 +7411,9 @@
                 <a:latin typeface="Arial"/>
                 <a:ea typeface="Arial"/>
                 <a:cs typeface="Arial"/>
-              </a:rPr>
-              <a:t>http://bclug.ca:8008/d3/kwlug/bar-chart/page9.html</a:t>
+                <a:hlinkClick r:id="rId2" tooltip="Page 8"/>
+              </a:rPr>
+              <a:t>http://bclug.ca:8008/d3/kwlug/bar-chart/page8.html</a:t>
             </a:r>
             <a:endParaRPr/>
           </a:p>
@@ -7128,7 +7454,7 @@
       </p:grpSpPr>
       <p:sp>
         <p:nvSpPr>
-          <p:cNvPr id="1615663109" name="Title 1" hidden="0"/>
+          <p:cNvPr id="1618446369" name="Title 1" hidden="0"/>
           <p:cNvSpPr>
             <a:spLocks noGrp="1"/>
           </p:cNvSpPr>
@@ -7146,7 +7472,7 @@
             </a:pPr>
             <a:r>
               <a:rPr/>
-              <a:t>Transitions</a:t>
+              <a:t>Revisiting Scales: adding colour</a:t>
             </a:r>
             <a:endParaRPr/>
           </a:p>
@@ -7154,7 +7480,7 @@
       </p:sp>
       <p:sp>
         <p:nvSpPr>
-          <p:cNvPr id="1305230901" name="Content Placeholder 2" hidden="0"/>
+          <p:cNvPr id="1166734867" name="Content Placeholder 2" hidden="0"/>
           <p:cNvSpPr>
             <a:spLocks noGrp="1"/>
           </p:cNvSpPr>
@@ -7164,176 +7490,35 @@
         </p:nvSpPr>
         <p:spPr bwMode="auto"/>
         <p:txBody>
-          <a:bodyPr/>
+          <a:bodyPr vertOverflow="overflow" horzOverflow="clip" vert="horz" wrap="square" lIns="91440" tIns="45720" rIns="91440" bIns="45720" numCol="1" spcCol="0" rtlCol="0" fromWordArt="0" anchor="t" anchorCtr="0" forceAA="0" upright="0" compatLnSpc="0">
+            <a:normAutofit fontScale="80000" lnSpcReduction="4000"/>
+          </a:bodyPr>
           <a:lstStyle/>
           <a:p>
             <a:pPr>
               <a:defRPr/>
             </a:pPr>
             <a:r>
-              <a:rPr lang="en-CA" sz="2800" b="0" i="0" u="none" strike="noStrike" cap="none" spc="0">
-                <a:solidFill>
-                  <a:schemeClr val="tx1"/>
-                </a:solidFill>
-                <a:latin typeface="+mn-lt"/>
-                <a:ea typeface="+mn-ea"/>
-                <a:cs typeface="+mn-cs"/>
-              </a:rPr>
-              <a:t>To make our bars transition between states, there’s a </a:t>
-            </a:r>
-            <a:r>
-              <a:rPr lang="en-CA" sz="2800" b="0" i="0" u="none" strike="noStrike" cap="none" spc="0">
-                <a:solidFill>
-                  <a:schemeClr val="tx1"/>
-                </a:solidFill>
-                <a:latin typeface="Andale Mono"/>
-                <a:ea typeface="Andale Mono"/>
-                <a:cs typeface="Andale Mono"/>
-              </a:rPr>
-              <a:t>.transition()</a:t>
-            </a:r>
-            <a:r>
-              <a:rPr lang="en-CA" sz="2800" b="0" i="0" u="none" strike="noStrike" cap="none" spc="0">
-                <a:solidFill>
-                  <a:schemeClr val="tx1"/>
-                </a:solidFill>
-                <a:latin typeface="+mn-lt"/>
-                <a:ea typeface="+mn-ea"/>
-                <a:cs typeface="+mn-cs"/>
-              </a:rPr>
-              <a:t> function</a:t>
-            </a:r>
-            <a:endParaRPr sz="2800"/>
-          </a:p>
-          <a:p>
-            <a:pPr>
-              <a:defRPr/>
-            </a:pPr>
-            <a:r>
-              <a:rPr lang="en-CA" sz="2800" b="0" i="0" u="none" strike="noStrike" cap="none" spc="0">
-                <a:solidFill>
-                  <a:schemeClr val="tx1"/>
-                </a:solidFill>
-                <a:latin typeface="+mn-lt"/>
-                <a:ea typeface="+mn-ea"/>
-                <a:cs typeface="+mn-cs"/>
-              </a:rPr>
-              <a:t>Transitions have durations, delays, and easing functions</a:t>
-            </a:r>
-            <a:endParaRPr sz="2800"/>
-          </a:p>
-          <a:p>
-            <a:pPr>
-              <a:defRPr/>
-            </a:pPr>
-            <a:r>
-              <a:rPr lang="en-CA" sz="2800" b="0" i="0" u="none" strike="noStrike" cap="none" spc="0">
-                <a:solidFill>
-                  <a:schemeClr val="tx1"/>
-                </a:solidFill>
-                <a:latin typeface="+mn-lt"/>
-                <a:ea typeface="+mn-ea"/>
-                <a:cs typeface="+mn-cs"/>
-              </a:rPr>
-              <a:t>Many choices of “easing” between states, we’ll use the default </a:t>
-            </a:r>
-            <a:r>
-              <a:rPr lang="en-CA" sz="2800" b="0" i="0" u="none" strike="noStrike" cap="none" spc="0">
-                <a:solidFill>
-                  <a:schemeClr val="tx1"/>
-                </a:solidFill>
-                <a:latin typeface="Andale Mono"/>
-                <a:ea typeface="Andale Mono"/>
-                <a:cs typeface="Andale Mono"/>
-              </a:rPr>
-              <a:t>.ease(d3.easeCubicInOut)</a:t>
-            </a:r>
-            <a:endParaRPr sz="2800"/>
-          </a:p>
-          <a:p>
-            <a:pPr>
-              <a:defRPr/>
-            </a:pPr>
-            <a:r>
-              <a:rPr lang="en-CA" sz="2800" b="0" i="0" u="none" strike="noStrike" cap="none" spc="0">
-                <a:solidFill>
-                  <a:schemeClr val="tx1"/>
-                </a:solidFill>
-                <a:latin typeface="+mn-lt"/>
-                <a:ea typeface="+mn-ea"/>
-                <a:cs typeface="+mn-cs"/>
-              </a:rPr>
-              <a:t>Delay function staggers the transitions</a:t>
-            </a:r>
-            <a:endParaRPr sz="2800"/>
-          </a:p>
-          <a:p>
-            <a:pPr lvl="0">
-              <a:defRPr/>
-            </a:pPr>
-            <a:r>
-              <a:rPr lang="en-CA" sz="2800" b="0" i="0" u="none" strike="noStrike" cap="none" spc="0">
-                <a:solidFill>
-                  <a:schemeClr val="tx1"/>
-                </a:solidFill>
-                <a:latin typeface="Arial"/>
-                <a:ea typeface="Arial"/>
-                <a:cs typeface="Arial"/>
-              </a:rPr>
-              <a:t>Transition the </a:t>
-            </a:r>
-            <a:r>
-              <a:rPr lang="en-CA" sz="2800" b="0" i="0" u="none" strike="noStrike" cap="none" spc="0">
-                <a:solidFill>
-                  <a:schemeClr val="tx1"/>
-                </a:solidFill>
-                <a:latin typeface="Andale Mono"/>
-                <a:ea typeface="Andale Mono"/>
-                <a:cs typeface="Andale Mono"/>
-              </a:rPr>
-              <a:t>.exit().remove()</a:t>
-            </a:r>
-            <a:r>
-              <a:rPr lang="en-CA" sz="2800" b="0" i="0" u="none" strike="noStrike" cap="none" spc="0">
-                <a:solidFill>
-                  <a:schemeClr val="tx1"/>
-                </a:solidFill>
-                <a:latin typeface="Arial"/>
-                <a:ea typeface="Arial"/>
-                <a:cs typeface="Arial"/>
-              </a:rPr>
-              <a:t> to a width of zero:</a:t>
-            </a:r>
-            <a:endParaRPr sz="2800" b="0" i="0" u="none" strike="noStrike" cap="none" spc="0">
-              <a:solidFill>
-                <a:schemeClr val="tx1"/>
-              </a:solidFill>
-              <a:latin typeface="Arial"/>
-              <a:ea typeface="Arial"/>
-              <a:cs typeface="Arial"/>
-            </a:endParaRPr>
-          </a:p>
-          <a:p>
-            <a:pPr marL="0" lvl="0" indent="0">
+              <a:rPr/>
+              <a:t>Our black bars need enhancement; it’s easy to add colour based on our data - the month number:</a:t>
+            </a:r>
+            <a:endParaRPr/>
+          </a:p>
+          <a:p>
+            <a:pPr marL="0" indent="0">
               <a:buFont typeface="Arial"/>
               <a:buNone/>
               <a:defRPr/>
             </a:pPr>
             <a:r>
-              <a:rPr lang="en-CA" sz="2800" b="0" i="0" u="none" strike="noStrike" cap="none" spc="0">
-                <a:solidFill>
-                  <a:schemeClr val="tx1"/>
-                </a:solidFill>
-                <a:latin typeface="Andale Mono"/>
-                <a:ea typeface="Andale Mono"/>
-                <a:cs typeface="Andale Mono"/>
-              </a:rPr>
-              <a:t>	.transition().duration(1000)</a:t>
-            </a:r>
-            <a:endParaRPr sz="2800" b="0" i="0" u="none" strike="noStrike" cap="none" spc="0">
-              <a:solidFill>
-                <a:schemeClr val="tx1"/>
-              </a:solidFill>
+              <a:rPr>
+                <a:latin typeface="Andale Mono"/>
+                <a:ea typeface="Andale Mono"/>
+                <a:cs typeface="Andale Mono"/>
+              </a:rPr>
+              <a:t>let colourScaleX = d3.scaleLinear();</a:t>
+            </a:r>
+            <a:endParaRPr>
               <a:latin typeface="Andale Mono"/>
               <a:ea typeface="Andale Mono"/>
               <a:cs typeface="Andale Mono"/>
@@ -7346,20 +7531,148 @@
               <a:defRPr/>
             </a:pPr>
             <a:r>
-              <a:rPr lang="en-CA" sz="2800" b="0" i="0" u="none" strike="noStrike" cap="none" spc="0">
-                <a:solidFill>
-                  <a:schemeClr val="tx1"/>
-                </a:solidFill>
-                <a:latin typeface="Andale Mono"/>
-                <a:ea typeface="Andale Mono"/>
-                <a:cs typeface="Andale Mono"/>
-              </a:rPr>
-              <a:t>	.delay(...).attr(“width”, 0)</a:t>
-            </a:r>
-            <a:endParaRPr sz="2800">
-              <a:latin typeface="DejaVu Sans Mono"/>
-              <a:ea typeface="DejaVu Sans Mono"/>
-              <a:cs typeface="DejaVu Sans Mono"/>
+              <a:rPr>
+                <a:latin typeface="Andale Mono"/>
+                <a:ea typeface="Andale Mono"/>
+                <a:cs typeface="Andale Mono"/>
+              </a:rPr>
+              <a:t>colourScaleX</a:t>
+            </a:r>
+            <a:endParaRPr>
+              <a:latin typeface="Andale Mono"/>
+              <a:ea typeface="Andale Mono"/>
+              <a:cs typeface="Andale Mono"/>
+            </a:endParaRPr>
+          </a:p>
+          <a:p>
+            <a:pPr marL="0" indent="0">
+              <a:buFont typeface="Arial"/>
+              <a:buNone/>
+              <a:defRPr/>
+            </a:pPr>
+            <a:r>
+              <a:rPr>
+                <a:latin typeface="Andale Mono"/>
+                <a:ea typeface="Andale Mono"/>
+                <a:cs typeface="Andale Mono"/>
+              </a:rPr>
+              <a:t>	.domain([ 1,12 ])</a:t>
+            </a:r>
+            <a:endParaRPr>
+              <a:latin typeface="Andale Mono"/>
+              <a:ea typeface="Andale Mono"/>
+              <a:cs typeface="Andale Mono"/>
+            </a:endParaRPr>
+          </a:p>
+          <a:p>
+            <a:pPr marL="0" indent="0">
+              <a:buFont typeface="Arial"/>
+              <a:buNone/>
+              <a:defRPr/>
+            </a:pPr>
+            <a:r>
+              <a:rPr>
+                <a:latin typeface="Andale Mono"/>
+                <a:ea typeface="Andale Mono"/>
+                <a:cs typeface="Andale Mono"/>
+              </a:rPr>
+              <a:t>	// </a:t>
+            </a:r>
+            <a:r>
+              <a:rPr b="1">
+                <a:latin typeface="Andale Mono"/>
+                <a:ea typeface="Andale Mono"/>
+                <a:cs typeface="Andale Mono"/>
+              </a:rPr>
+              <a:t>D3 will interpolate between colours</a:t>
+            </a:r>
+            <a:r>
+              <a:rPr>
+                <a:latin typeface="Andale Mono"/>
+                <a:ea typeface="Andale Mono"/>
+                <a:cs typeface="Andale Mono"/>
+              </a:rPr>
+              <a:t>!</a:t>
+            </a:r>
+            <a:endParaRPr>
+              <a:latin typeface="Andale Mono"/>
+              <a:ea typeface="Andale Mono"/>
+              <a:cs typeface="Andale Mono"/>
+            </a:endParaRPr>
+          </a:p>
+          <a:p>
+            <a:pPr marL="0" indent="0">
+              <a:buFont typeface="Arial"/>
+              <a:buNone/>
+              <a:defRPr/>
+            </a:pPr>
+            <a:r>
+              <a:rPr>
+                <a:latin typeface="Andale Mono"/>
+                <a:ea typeface="Andale Mono"/>
+                <a:cs typeface="Andale Mono"/>
+              </a:rPr>
+              <a:t>	.range([ “red”, “blue” ])</a:t>
+            </a:r>
+            <a:endParaRPr>
+              <a:latin typeface="Andale Mono"/>
+              <a:ea typeface="Andale Mono"/>
+              <a:cs typeface="Andale Mono"/>
+            </a:endParaRPr>
+          </a:p>
+          <a:p>
+            <a:pPr marL="0" indent="0">
+              <a:buFont typeface="Arial"/>
+              <a:buNone/>
+              <a:defRPr/>
+            </a:pPr>
+            <a:endParaRPr>
+              <a:latin typeface="Andale Mono"/>
+              <a:ea typeface="Andale Mono"/>
+              <a:cs typeface="Andale Mono"/>
+            </a:endParaRPr>
+          </a:p>
+          <a:p>
+            <a:pPr marL="0" indent="0">
+              <a:buFont typeface="Arial"/>
+              <a:buNone/>
+              <a:defRPr/>
+            </a:pPr>
+            <a:r>
+              <a:rPr lang="en-CA" sz="2400" b="0" i="0" u="none" strike="noStrike" cap="none" spc="0">
+                <a:solidFill>
+                  <a:schemeClr val="tx1"/>
+                </a:solidFill>
+                <a:latin typeface="Arial"/>
+                <a:ea typeface="Arial"/>
+                <a:cs typeface="Arial"/>
+              </a:rPr>
+              <a:t>Then, in our .merge() where we enter &amp; update our bars, apply colour to fill attribute:</a:t>
+            </a:r>
+            <a:endParaRPr sz="2400">
+              <a:latin typeface="Andale Mono"/>
+              <a:ea typeface="Andale Mono"/>
+              <a:cs typeface="Andale Mono"/>
+            </a:endParaRPr>
+          </a:p>
+          <a:p>
+            <a:pPr marL="0" indent="0">
+              <a:buFont typeface="Arial"/>
+              <a:buNone/>
+              <a:defRPr/>
+            </a:pPr>
+            <a:r>
+              <a:rPr>
+                <a:latin typeface="Andale Mono"/>
+                <a:ea typeface="Andale Mono"/>
+                <a:cs typeface="Andale Mono"/>
+              </a:rPr>
+              <a:t>	.attr(“fill”, (d,index) =&gt; (colourScaleX(index+1) ))</a:t>
+            </a:r>
+            <a:endParaRPr>
+              <a:latin typeface="Andale Mono"/>
+              <a:ea typeface="Andale Mono"/>
+              <a:cs typeface="Andale Mono"/>
             </a:endParaRPr>
           </a:p>
         </p:txBody>
@@ -7399,7 +7712,7 @@
       </p:grpSpPr>
       <p:sp>
         <p:nvSpPr>
-          <p:cNvPr id="1997856916" name="Title 1" hidden="0"/>
+          <p:cNvPr id="699075503" name="Title 1" hidden="0"/>
           <p:cNvSpPr>
             <a:spLocks noGrp="1"/>
           </p:cNvSpPr>
@@ -7426,7 +7739,7 @@
             </a:pPr>
             <a:r>
               <a:rPr/>
-              <a:t>Page 10</a:t>
+              <a:t>Page 9</a:t>
             </a:r>
             <a:endParaRPr/>
           </a:p>
@@ -7434,7 +7747,7 @@
       </p:sp>
       <p:sp>
         <p:nvSpPr>
-          <p:cNvPr id="1655733034" name="Text Placeholder 2" hidden="0"/>
+          <p:cNvPr id="196540428" name="Text Placeholder 2" hidden="0"/>
           <p:cNvSpPr>
             <a:spLocks noGrp="1"/>
           </p:cNvSpPr>
@@ -7547,7 +7860,7 @@
               <a:defRPr/>
             </a:pPr>
             <a:r>
-              <a:rPr lang="en-CA" sz="2400" b="0" i="0" u="none" strike="noStrike" cap="none" spc="0">
+              <a:rPr lang="en-CA" sz="2400" b="0" i="0" u="sng" strike="noStrike" cap="none" spc="0">
                 <a:solidFill>
                   <a:schemeClr val="tx1">
                     <a:tint val="75000"/>
@@ -7556,8 +7869,9 @@
                 <a:latin typeface="Arial"/>
                 <a:ea typeface="Arial"/>
                 <a:cs typeface="Arial"/>
-              </a:rPr>
-              <a:t>http://bclug.ca:8008/d3/kwlug/bar-chart/page10.html</a:t>
+                <a:hlinkClick r:id="rId2" tooltip="Page 9"/>
+              </a:rPr>
+              <a:t>http://bclug.ca:8008/d3/kwlug/bar-chart/page9.html</a:t>
             </a:r>
             <a:endParaRPr/>
           </a:p>
@@ -7598,7 +7912,7 @@
       </p:grpSpPr>
       <p:sp>
         <p:nvSpPr>
-          <p:cNvPr id="1787542491" name="Title 1" hidden="0"/>
+          <p:cNvPr id="1615663109" name="Title 1" hidden="0"/>
           <p:cNvSpPr>
             <a:spLocks noGrp="1"/>
           </p:cNvSpPr>
@@ -7616,7 +7930,7 @@
             </a:pPr>
             <a:r>
               <a:rPr/>
-              <a:t>More transitions</a:t>
+              <a:t>Transitions</a:t>
             </a:r>
             <a:endParaRPr/>
           </a:p>
@@ -7624,7 +7938,7 @@
       </p:sp>
       <p:sp>
         <p:nvSpPr>
-          <p:cNvPr id="1298618777" name="Content Placeholder 2" hidden="0"/>
+          <p:cNvPr id="1305230901" name="Content Placeholder 2" hidden="0"/>
           <p:cNvSpPr>
             <a:spLocks noGrp="1"/>
           </p:cNvSpPr>
@@ -7649,14 +7963,19 @@
                 <a:ea typeface="+mn-ea"/>
                 <a:cs typeface="+mn-cs"/>
               </a:rPr>
-              <a:t>Our bars are now nicely transitioning between states</a:t>
-            </a:r>
-            <a:endParaRPr sz="2800"/>
-          </a:p>
-          <a:p>
-            <a:pPr>
-              <a:defRPr/>
-            </a:pPr>
+              <a:t>To make our bars transition between states, there’s a </a:t>
+            </a:r>
+            <a:r>
+              <a:rPr lang="en-CA" sz="2800" b="0" i="0" u="none" strike="noStrike" cap="none" spc="0">
+                <a:solidFill>
+                  <a:schemeClr val="tx1"/>
+                </a:solidFill>
+                <a:latin typeface="Andale Mono"/>
+                <a:ea typeface="Andale Mono"/>
+                <a:cs typeface="Andale Mono"/>
+              </a:rPr>
+              <a:t>.transition()</a:t>
+            </a:r>
             <a:r>
               <a:rPr lang="en-CA" sz="2800" b="0" i="0" u="none" strike="noStrike" cap="none" spc="0">
                 <a:solidFill>
@@ -7666,8 +7985,76 @@
                 <a:ea typeface="+mn-ea"/>
                 <a:cs typeface="+mn-cs"/>
               </a:rPr>
-              <a:t>Notice the delay function to stagger transitions: take the data object</a:t>
-            </a:r>
+              <a:t> function</a:t>
+            </a:r>
+            <a:endParaRPr sz="2800"/>
+          </a:p>
+          <a:p>
+            <a:pPr>
+              <a:defRPr/>
+            </a:pPr>
+            <a:r>
+              <a:rPr lang="en-CA" sz="2800" b="0" i="0" u="none" strike="noStrike" cap="none" spc="0">
+                <a:solidFill>
+                  <a:schemeClr val="tx1"/>
+                </a:solidFill>
+                <a:latin typeface="+mn-lt"/>
+                <a:ea typeface="+mn-ea"/>
+                <a:cs typeface="+mn-cs"/>
+              </a:rPr>
+              <a:t>Transitions have durations, delays, and easing functions</a:t>
+            </a:r>
+            <a:endParaRPr sz="2800"/>
+          </a:p>
+          <a:p>
+            <a:pPr>
+              <a:defRPr/>
+            </a:pPr>
+            <a:r>
+              <a:rPr lang="en-CA" sz="2800" b="0" i="0" u="none" strike="noStrike" cap="none" spc="0">
+                <a:solidFill>
+                  <a:schemeClr val="tx1"/>
+                </a:solidFill>
+                <a:latin typeface="+mn-lt"/>
+                <a:ea typeface="+mn-ea"/>
+                <a:cs typeface="+mn-cs"/>
+              </a:rPr>
+              <a:t>Many choices of “easing” between states, we’ll use the default </a:t>
+            </a:r>
+            <a:r>
+              <a:rPr lang="en-CA" sz="2800" b="0" i="0" u="none" strike="noStrike" cap="none" spc="0">
+                <a:solidFill>
+                  <a:schemeClr val="tx1"/>
+                </a:solidFill>
+                <a:latin typeface="Andale Mono"/>
+                <a:ea typeface="Andale Mono"/>
+                <a:cs typeface="Andale Mono"/>
+              </a:rPr>
+              <a:t>.ease(d3.easeCubicInOut)</a:t>
+            </a:r>
+            <a:endParaRPr sz="2800"/>
+          </a:p>
+          <a:p>
+            <a:pPr>
+              <a:defRPr/>
+            </a:pPr>
+            <a:r>
+              <a:rPr lang="en-CA" sz="2800" b="0" i="0" u="none" strike="noStrike" cap="none" spc="0">
+                <a:solidFill>
+                  <a:schemeClr val="tx1"/>
+                </a:solidFill>
+                <a:latin typeface="+mn-lt"/>
+                <a:ea typeface="+mn-ea"/>
+                <a:cs typeface="+mn-cs"/>
+              </a:rPr>
+              <a:t>Delay function staggers the transitions</a:t>
+            </a:r>
+            <a:endParaRPr sz="2800"/>
+          </a:p>
+          <a:p>
+            <a:pPr lvl="0">
+              <a:defRPr/>
+            </a:pPr>
             <a:r>
               <a:rPr lang="en-CA" sz="2800" b="0" i="0" u="none" strike="noStrike" cap="none" spc="0">
                 <a:solidFill>
@@ -7677,7 +8064,18 @@
                 <a:ea typeface="Arial"/>
                 <a:cs typeface="Arial"/>
               </a:rPr>
-              <a:t> and its index in the array,</a:t>
+              <a:t>Transition the </a:t>
+            </a:r>
+            <a:r>
+              <a:rPr lang="en-CA" sz="2800" b="0" i="0" u="none" strike="noStrike" cap="none" spc="0">
+                <a:solidFill>
+                  <a:schemeClr val="tx1"/>
+                </a:solidFill>
+                <a:latin typeface="Andale Mono"/>
+                <a:ea typeface="Andale Mono"/>
+                <a:cs typeface="Andale Mono"/>
+              </a:rPr>
+              <a:t>.exit().remove()</a:t>
             </a:r>
             <a:r>
               <a:rPr lang="en-CA" sz="2800" b="0" i="0" u="none" strike="noStrike" cap="none" spc="0">
@@ -7688,82 +8086,19 @@
                 <a:ea typeface="Arial"/>
                 <a:cs typeface="Arial"/>
               </a:rPr>
-              <a:t> and return </a:t>
-            </a:r>
-            <a:r>
-              <a:rPr lang="en-CA" sz="2800" b="0" i="0" u="none" strike="noStrike" cap="none" spc="0">
-                <a:solidFill>
-                  <a:schemeClr val="tx1"/>
-                </a:solidFill>
-                <a:latin typeface="Andale Mono"/>
-                <a:ea typeface="Andale Mono"/>
-                <a:cs typeface="Andale Mono"/>
-              </a:rPr>
-              <a:t>index*</a:t>
-            </a:r>
-            <a:r>
-              <a:rPr lang="en-CA" sz="2800" b="0" i="0" u="none" strike="noStrike" cap="none" spc="0">
-                <a:solidFill>
-                  <a:schemeClr val="tx1"/>
-                </a:solidFill>
-                <a:latin typeface="Andale Mono"/>
-                <a:ea typeface="Andale Mono"/>
-                <a:cs typeface="Andale Mono"/>
-              </a:rPr>
-              <a:t>50</a:t>
-            </a:r>
-            <a:r>
-              <a:rPr lang="en-CA" sz="2800" b="0" i="0" u="none" strike="noStrike" cap="none" spc="0">
-                <a:solidFill>
-                  <a:schemeClr val="tx1"/>
-                </a:solidFill>
-                <a:latin typeface="Arial"/>
-                <a:ea typeface="Arial"/>
-                <a:cs typeface="Arial"/>
-              </a:rPr>
-              <a:t> </a:t>
-            </a:r>
-            <a:r>
-              <a:rPr lang="en-CA" sz="2800" b="0" i="0" u="none" strike="noStrike" cap="none" spc="0">
-                <a:solidFill>
-                  <a:schemeClr val="tx1"/>
-                </a:solidFill>
-                <a:latin typeface="Arial"/>
-                <a:ea typeface="Arial"/>
-                <a:cs typeface="Arial"/>
-              </a:rPr>
-              <a:t>ms:</a:t>
-            </a:r>
-            <a:endParaRPr sz="2800"/>
-          </a:p>
-          <a:p>
-            <a:pPr marL="400050" lvl="1" indent="0">
-              <a:buFont typeface="Arial"/>
-              <a:buNone/>
-              <a:defRPr/>
-            </a:pPr>
-            <a:r>
-              <a:rPr lang="en-CA" sz="2800" b="0" i="0" u="none" strike="noStrike" cap="none" spc="0">
-                <a:solidFill>
-                  <a:schemeClr val="tx1"/>
-                </a:solidFill>
-                <a:latin typeface="DejaVu Sans Mono"/>
-                <a:ea typeface="DejaVu Sans Mono"/>
-                <a:cs typeface="DejaVu Sans Mono"/>
-              </a:rPr>
-              <a:t>.transition()</a:t>
-            </a:r>
-            <a:endParaRPr lang="en-CA" sz="2800" b="0" i="0" u="none" strike="noStrike" cap="none" spc="0">
+              <a:t> to a width of zero:</a:t>
+            </a:r>
+            <a:endParaRPr sz="2800" b="0" i="0" u="none" strike="noStrike" cap="none" spc="0">
               <a:solidFill>
                 <a:schemeClr val="tx1"/>
               </a:solidFill>
-              <a:latin typeface="DejaVu Sans Mono"/>
-              <a:ea typeface="DejaVu Sans Mono"/>
-              <a:cs typeface="DejaVu Sans Mono"/>
+              <a:latin typeface="Arial"/>
+              <a:ea typeface="Arial"/>
+              <a:cs typeface="Arial"/>
             </a:endParaRPr>
           </a:p>
           <a:p>
-            <a:pPr marL="400050" lvl="1" indent="0">
+            <a:pPr marL="0" lvl="0" indent="0">
               <a:buFont typeface="Arial"/>
               <a:buNone/>
               <a:defRPr/>
@@ -7773,23 +8108,23 @@
                 <a:solidFill>
                   <a:schemeClr val="tx1"/>
                 </a:solidFill>
-                <a:latin typeface="DejaVu Sans Mono"/>
-                <a:ea typeface="DejaVu Sans Mono"/>
-                <a:cs typeface="DejaVu Sans Mono"/>
-              </a:rPr>
-              <a:t>.duration(1000)</a:t>
-            </a:r>
-            <a:endParaRPr lang="en-CA" sz="2800" b="0" i="0" u="none" strike="noStrike" cap="none" spc="0">
+                <a:latin typeface="Andale Mono"/>
+                <a:ea typeface="Andale Mono"/>
+                <a:cs typeface="Andale Mono"/>
+              </a:rPr>
+              <a:t>	.transition().duration(1000)</a:t>
+            </a:r>
+            <a:endParaRPr sz="2800" b="0" i="0" u="none" strike="noStrike" cap="none" spc="0">
               <a:solidFill>
                 <a:schemeClr val="tx1"/>
               </a:solidFill>
-              <a:latin typeface="DejaVu Sans Mono"/>
-              <a:ea typeface="DejaVu Sans Mono"/>
-              <a:cs typeface="DejaVu Sans Mono"/>
+              <a:latin typeface="Andale Mono"/>
+              <a:ea typeface="Andale Mono"/>
+              <a:cs typeface="Andale Mono"/>
             </a:endParaRPr>
           </a:p>
           <a:p>
-            <a:pPr marL="400050" lvl="1" indent="0">
+            <a:pPr marL="0" indent="0">
               <a:buFont typeface="Arial"/>
               <a:buNone/>
               <a:defRPr/>
@@ -7799,11 +8134,11 @@
                 <a:solidFill>
                   <a:schemeClr val="tx1"/>
                 </a:solidFill>
-                <a:latin typeface="DejaVu Sans Mono"/>
-                <a:ea typeface="DejaVu Sans Mono"/>
-                <a:cs typeface="DejaVu Sans Mono"/>
-              </a:rPr>
-              <a:t>.delay( (data,index) =&gt; (index * 50))</a:t>
+                <a:latin typeface="Andale Mono"/>
+                <a:ea typeface="Andale Mono"/>
+                <a:cs typeface="Andale Mono"/>
+              </a:rPr>
+              <a:t>	.delay(...).attr(“width”, 0)</a:t>
             </a:r>
             <a:endParaRPr sz="2800">
               <a:latin typeface="DejaVu Sans Mono"/>
@@ -7811,22 +8146,205 @@
               <a:cs typeface="DejaVu Sans Mono"/>
             </a:endParaRPr>
           </a:p>
-          <a:p>
-            <a:pPr>
-              <a:defRPr/>
-            </a:pPr>
-            <a:r>
-              <a:rPr lang="en-CA" sz="2800" b="0" i="0" u="none" strike="noStrike" cap="none" spc="0">
-                <a:solidFill>
-                  <a:schemeClr val="tx1"/>
+        </p:txBody>
+      </p:sp>
+    </p:spTree>
+  </p:cSld>
+  <p:clrMapOvr>
+    <a:masterClrMapping/>
+  </p:clrMapOvr>
+  <mc:AlternateContent xmlns:mc="http://schemas.openxmlformats.org/markup-compatibility/2006">
+    <mc:Choice xmlns:p14="http://schemas.microsoft.com/office/powerpoint/2010/main" Requires="p14">
+      <p:transition p14:dur="2000" advClick="1"/>
+    </mc:Choice>
+    <mc:Fallback>
+      <p:transition advClick="1"/>
+    </mc:Fallback>
+  </mc:AlternateContent>
+</p:sld>
+</file>
+
+<file path=ppt/slides/slide29.xml><?xml version="1.0" encoding="utf-8"?>
+<p:sld xmlns:a="http://schemas.openxmlformats.org/drawingml/2006/main" xmlns:r="http://schemas.openxmlformats.org/officeDocument/2006/relationships" xmlns:p="http://schemas.openxmlformats.org/presentationml/2006/main" xmlns:m="http://schemas.openxmlformats.org/officeDocument/2006/math" xmlns:w="http://schemas.openxmlformats.org/wordprocessingml/2006/main" showMasterPhAnim="0" show="1">
+  <p:cSld name="">
+    <p:spTree>
+      <p:nvGrpSpPr>
+        <p:cNvPr id="1" name="" hidden="0"/>
+        <p:cNvGrpSpPr/>
+        <p:nvPr isPhoto="0" userDrawn="0"/>
+      </p:nvGrpSpPr>
+      <p:grpSpPr bwMode="auto">
+        <a:xfrm>
+          <a:off x="0" y="0"/>
+          <a:ext cx="0" cy="0"/>
+          <a:chOff x="0" y="0"/>
+          <a:chExt cx="0" cy="0"/>
+        </a:xfrm>
+      </p:grpSpPr>
+      <p:sp>
+        <p:nvSpPr>
+          <p:cNvPr id="1997856916" name="Title 1" hidden="0"/>
+          <p:cNvSpPr>
+            <a:spLocks noGrp="1"/>
+          </p:cNvSpPr>
+          <p:nvPr isPhoto="0" userDrawn="0">
+            <p:ph type="title" hasCustomPrompt="0"/>
+          </p:nvPr>
+        </p:nvSpPr>
+        <p:spPr bwMode="auto">
+          <a:xfrm>
+            <a:off x="831849" y="1709737"/>
+            <a:ext cx="10515600" cy="2852736"/>
+          </a:xfrm>
+        </p:spPr>
+        <p:txBody>
+          <a:bodyPr anchor="b"/>
+          <a:lstStyle>
+            <a:lvl1pPr>
+              <a:defRPr sz="6000"/>
+            </a:lvl1pPr>
+          </a:lstStyle>
+          <a:p>
+            <a:pPr>
+              <a:defRPr/>
+            </a:pPr>
+            <a:r>
+              <a:rPr/>
+              <a:t>Page 10</a:t>
+            </a:r>
+            <a:endParaRPr/>
+          </a:p>
+        </p:txBody>
+      </p:sp>
+      <p:sp>
+        <p:nvSpPr>
+          <p:cNvPr id="1655733034" name="Text Placeholder 2" hidden="0"/>
+          <p:cNvSpPr>
+            <a:spLocks noGrp="1"/>
+          </p:cNvSpPr>
+          <p:nvPr isPhoto="0" userDrawn="0">
+            <p:ph type="body" idx="1" hasCustomPrompt="0"/>
+          </p:nvPr>
+        </p:nvSpPr>
+        <p:spPr bwMode="auto">
+          <a:xfrm>
+            <a:off x="831849" y="4589462"/>
+            <a:ext cx="10515600" cy="1500186"/>
+          </a:xfrm>
+        </p:spPr>
+        <p:txBody>
+          <a:bodyPr/>
+          <a:lstStyle>
+            <a:lvl1pPr marL="0" indent="0">
+              <a:buNone/>
+              <a:defRPr sz="2400">
+                <a:solidFill>
+                  <a:schemeClr val="tx1">
+                    <a:tint val="75000"/>
+                  </a:schemeClr>
+                </a:solidFill>
+              </a:defRPr>
+            </a:lvl1pPr>
+            <a:lvl2pPr marL="457200" indent="0">
+              <a:buNone/>
+              <a:defRPr sz="2000">
+                <a:solidFill>
+                  <a:schemeClr val="tx1">
+                    <a:tint val="75000"/>
+                  </a:schemeClr>
+                </a:solidFill>
+              </a:defRPr>
+            </a:lvl2pPr>
+            <a:lvl3pPr marL="914400" indent="0">
+              <a:buNone/>
+              <a:defRPr sz="1800">
+                <a:solidFill>
+                  <a:schemeClr val="tx1">
+                    <a:tint val="75000"/>
+                  </a:schemeClr>
+                </a:solidFill>
+              </a:defRPr>
+            </a:lvl3pPr>
+            <a:lvl4pPr marL="1371600" indent="0">
+              <a:buNone/>
+              <a:defRPr sz="1600">
+                <a:solidFill>
+                  <a:schemeClr val="tx1">
+                    <a:tint val="75000"/>
+                  </a:schemeClr>
+                </a:solidFill>
+              </a:defRPr>
+            </a:lvl4pPr>
+            <a:lvl5pPr marL="1828800" indent="0">
+              <a:buNone/>
+              <a:defRPr sz="1600">
+                <a:solidFill>
+                  <a:schemeClr val="tx1">
+                    <a:tint val="75000"/>
+                  </a:schemeClr>
+                </a:solidFill>
+              </a:defRPr>
+            </a:lvl5pPr>
+            <a:lvl6pPr marL="2286000" indent="0">
+              <a:buNone/>
+              <a:defRPr sz="1600">
+                <a:solidFill>
+                  <a:schemeClr val="tx1">
+                    <a:tint val="75000"/>
+                  </a:schemeClr>
+                </a:solidFill>
+              </a:defRPr>
+            </a:lvl6pPr>
+            <a:lvl7pPr marL="2743200" indent="0">
+              <a:buNone/>
+              <a:defRPr sz="1600">
+                <a:solidFill>
+                  <a:schemeClr val="tx1">
+                    <a:tint val="75000"/>
+                  </a:schemeClr>
+                </a:solidFill>
+              </a:defRPr>
+            </a:lvl7pPr>
+            <a:lvl8pPr marL="3200400" indent="0">
+              <a:buNone/>
+              <a:defRPr sz="1600">
+                <a:solidFill>
+                  <a:schemeClr val="tx1">
+                    <a:tint val="75000"/>
+                  </a:schemeClr>
+                </a:solidFill>
+              </a:defRPr>
+            </a:lvl8pPr>
+            <a:lvl9pPr marL="3657600" indent="0">
+              <a:buNone/>
+              <a:defRPr sz="1600">
+                <a:solidFill>
+                  <a:schemeClr val="tx1">
+                    <a:tint val="75000"/>
+                  </a:schemeClr>
+                </a:solidFill>
+              </a:defRPr>
+            </a:lvl9pPr>
+          </a:lstStyle>
+          <a:p>
+            <a:pPr>
+              <a:defRPr/>
+            </a:pPr>
+            <a:r>
+              <a:rPr lang="en-CA" sz="2400" b="0" i="0" u="sng" strike="noStrike" cap="none" spc="0">
+                <a:solidFill>
+                  <a:schemeClr val="tx1">
+                    <a:tint val="75000"/>
+                  </a:schemeClr>
                 </a:solidFill>
                 <a:latin typeface="Arial"/>
                 <a:ea typeface="Arial"/>
                 <a:cs typeface="Arial"/>
-              </a:rPr>
-              <a:t>Transition the axes, labels, title,...</a:t>
-            </a:r>
-            <a:endParaRPr sz="2800"/>
+                <a:hlinkClick r:id="rId2" tooltip="Page 10"/>
+              </a:rPr>
+              <a:t>http://bclug.ca:8008/d3/kwlug/bar-chart/page10.html</a:t>
+            </a:r>
+            <a:endParaRPr/>
           </a:p>
         </p:txBody>
       </p:sp>
@@ -8013,7 +8531,7 @@
               <a:defRPr/>
             </a:pPr>
             <a:r>
-              <a:rPr lang="en-US" sz="2400" b="0" i="0" u="none" strike="noStrike" cap="none" spc="0">
+              <a:rPr lang="en-US" sz="2400" b="0" i="0" u="sng" strike="noStrike" cap="none" spc="0">
                 <a:solidFill>
                   <a:schemeClr val="tx1">
                     <a:tint val="75000"/>
@@ -8022,8 +8540,9 @@
                 <a:latin typeface="Arial"/>
                 <a:ea typeface="Arial"/>
                 <a:cs typeface="Arial"/>
-              </a:rPr>
-              <a:t>http://ronaldbarnes.ca:8008/d3/kwlug/bar-chart/page1.html</a:t>
+                <a:hlinkClick r:id="rId2" tooltip="Page 1"/>
+              </a:rPr>
+              <a:t>http://bclug.ca:8008/d3/kwlug/bar-chart/page1.html</a:t>
             </a:r>
             <a:endParaRPr/>
           </a:p>
@@ -8044,6 +8563,273 @@
       <p:transition spd="med" advClick="1">
         <p:fade thruBlk="0"/>
       </p:transition>
+    </mc:Fallback>
+  </mc:AlternateContent>
+</p:sld>
+</file>
+
+<file path=ppt/slides/slide30.xml><?xml version="1.0" encoding="utf-8"?>
+<p:sld xmlns:a="http://schemas.openxmlformats.org/drawingml/2006/main" xmlns:r="http://schemas.openxmlformats.org/officeDocument/2006/relationships" xmlns:p="http://schemas.openxmlformats.org/presentationml/2006/main" xmlns:m="http://schemas.openxmlformats.org/officeDocument/2006/math" xmlns:w="http://schemas.openxmlformats.org/wordprocessingml/2006/main" showMasterPhAnim="0" show="1">
+  <p:cSld name="">
+    <p:spTree>
+      <p:nvGrpSpPr>
+        <p:cNvPr id="1" name="" hidden="0"/>
+        <p:cNvGrpSpPr/>
+        <p:nvPr isPhoto="0" userDrawn="0"/>
+      </p:nvGrpSpPr>
+      <p:grpSpPr bwMode="auto">
+        <a:xfrm>
+          <a:off x="0" y="0"/>
+          <a:ext cx="0" cy="0"/>
+          <a:chOff x="0" y="0"/>
+          <a:chExt cx="0" cy="0"/>
+        </a:xfrm>
+      </p:grpSpPr>
+      <p:sp>
+        <p:nvSpPr>
+          <p:cNvPr id="1787542491" name="Title 1" hidden="0"/>
+          <p:cNvSpPr>
+            <a:spLocks noGrp="1"/>
+          </p:cNvSpPr>
+          <p:nvPr isPhoto="0" userDrawn="0">
+            <p:ph type="title" hasCustomPrompt="0"/>
+          </p:nvPr>
+        </p:nvSpPr>
+        <p:spPr bwMode="auto"/>
+        <p:txBody>
+          <a:bodyPr/>
+          <a:lstStyle/>
+          <a:p>
+            <a:pPr>
+              <a:defRPr/>
+            </a:pPr>
+            <a:r>
+              <a:rPr/>
+              <a:t>More transitions</a:t>
+            </a:r>
+            <a:endParaRPr/>
+          </a:p>
+        </p:txBody>
+      </p:sp>
+      <p:sp>
+        <p:nvSpPr>
+          <p:cNvPr id="1298618777" name="Content Placeholder 2" hidden="0"/>
+          <p:cNvSpPr>
+            <a:spLocks noGrp="1"/>
+          </p:cNvSpPr>
+          <p:nvPr isPhoto="0" userDrawn="0">
+            <p:ph idx="1" hasCustomPrompt="0"/>
+          </p:nvPr>
+        </p:nvSpPr>
+        <p:spPr bwMode="auto"/>
+        <p:txBody>
+          <a:bodyPr/>
+          <a:lstStyle/>
+          <a:p>
+            <a:pPr>
+              <a:defRPr/>
+            </a:pPr>
+            <a:r>
+              <a:rPr lang="en-CA" sz="2800" b="0" i="0" u="none" strike="noStrike" cap="none" spc="0">
+                <a:solidFill>
+                  <a:schemeClr val="tx1"/>
+                </a:solidFill>
+                <a:latin typeface="+mn-lt"/>
+                <a:ea typeface="+mn-ea"/>
+                <a:cs typeface="+mn-cs"/>
+              </a:rPr>
+              <a:t>Our bars are now nicely transitioning between states</a:t>
+            </a:r>
+            <a:endParaRPr sz="2800"/>
+          </a:p>
+          <a:p>
+            <a:pPr>
+              <a:defRPr/>
+            </a:pPr>
+            <a:r>
+              <a:rPr lang="en-CA" sz="2800" b="0" i="0" u="none" strike="noStrike" cap="none" spc="0">
+                <a:solidFill>
+                  <a:schemeClr val="tx1"/>
+                </a:solidFill>
+                <a:latin typeface="+mn-lt"/>
+                <a:ea typeface="+mn-ea"/>
+                <a:cs typeface="+mn-cs"/>
+              </a:rPr>
+              <a:t>Notice the delay function to stagger transitions: take the data object</a:t>
+            </a:r>
+            <a:r>
+              <a:rPr lang="en-CA" sz="2800" b="0" i="0" u="none" strike="noStrike" cap="none" spc="0">
+                <a:solidFill>
+                  <a:schemeClr val="tx1"/>
+                </a:solidFill>
+                <a:latin typeface="Arial"/>
+                <a:ea typeface="Arial"/>
+                <a:cs typeface="Arial"/>
+              </a:rPr>
+              <a:t> and its index in the array,</a:t>
+            </a:r>
+            <a:r>
+              <a:rPr lang="en-CA" sz="2800" b="0" i="0" u="none" strike="noStrike" cap="none" spc="0">
+                <a:solidFill>
+                  <a:schemeClr val="tx1"/>
+                </a:solidFill>
+                <a:latin typeface="Arial"/>
+                <a:ea typeface="Arial"/>
+                <a:cs typeface="Arial"/>
+              </a:rPr>
+              <a:t> and return </a:t>
+            </a:r>
+            <a:r>
+              <a:rPr lang="en-CA" sz="2800" b="0" i="0" u="none" strike="noStrike" cap="none" spc="0">
+                <a:solidFill>
+                  <a:schemeClr val="tx1"/>
+                </a:solidFill>
+                <a:latin typeface="Andale Mono"/>
+                <a:ea typeface="Andale Mono"/>
+                <a:cs typeface="Andale Mono"/>
+              </a:rPr>
+              <a:t>index*</a:t>
+            </a:r>
+            <a:r>
+              <a:rPr lang="en-CA" sz="2800" b="0" i="0" u="none" strike="noStrike" cap="none" spc="0">
+                <a:solidFill>
+                  <a:schemeClr val="tx1"/>
+                </a:solidFill>
+                <a:latin typeface="Andale Mono"/>
+                <a:ea typeface="Andale Mono"/>
+                <a:cs typeface="Andale Mono"/>
+              </a:rPr>
+              <a:t>50</a:t>
+            </a:r>
+            <a:r>
+              <a:rPr lang="en-CA" sz="2800" b="0" i="0" u="none" strike="noStrike" cap="none" spc="0">
+                <a:solidFill>
+                  <a:schemeClr val="tx1"/>
+                </a:solidFill>
+                <a:latin typeface="Arial"/>
+                <a:ea typeface="Arial"/>
+                <a:cs typeface="Arial"/>
+              </a:rPr>
+              <a:t> </a:t>
+            </a:r>
+            <a:r>
+              <a:rPr lang="en-CA" sz="2800" b="0" i="0" u="none" strike="noStrike" cap="none" spc="0">
+                <a:solidFill>
+                  <a:schemeClr val="tx1"/>
+                </a:solidFill>
+                <a:latin typeface="Arial"/>
+                <a:ea typeface="Arial"/>
+                <a:cs typeface="Arial"/>
+              </a:rPr>
+              <a:t>ms:</a:t>
+            </a:r>
+            <a:endParaRPr sz="2800"/>
+          </a:p>
+          <a:p>
+            <a:pPr marL="400050" lvl="1" indent="0">
+              <a:buFont typeface="Arial"/>
+              <a:buNone/>
+              <a:defRPr/>
+            </a:pPr>
+            <a:r>
+              <a:rPr lang="en-CA" sz="2800" b="0" i="0" u="none" strike="noStrike" cap="none" spc="0">
+                <a:solidFill>
+                  <a:schemeClr val="tx1"/>
+                </a:solidFill>
+                <a:latin typeface="DejaVu Sans Mono"/>
+                <a:ea typeface="DejaVu Sans Mono"/>
+                <a:cs typeface="DejaVu Sans Mono"/>
+              </a:rPr>
+              <a:t>.transition()</a:t>
+            </a:r>
+            <a:endParaRPr lang="en-CA" sz="2800" b="0" i="0" u="none" strike="noStrike" cap="none" spc="0">
+              <a:solidFill>
+                <a:schemeClr val="tx1"/>
+              </a:solidFill>
+              <a:latin typeface="DejaVu Sans Mono"/>
+              <a:ea typeface="DejaVu Sans Mono"/>
+              <a:cs typeface="DejaVu Sans Mono"/>
+            </a:endParaRPr>
+          </a:p>
+          <a:p>
+            <a:pPr marL="400050" lvl="1" indent="0">
+              <a:buFont typeface="Arial"/>
+              <a:buNone/>
+              <a:defRPr/>
+            </a:pPr>
+            <a:r>
+              <a:rPr lang="en-CA" sz="2800" b="0" i="0" u="none" strike="noStrike" cap="none" spc="0">
+                <a:solidFill>
+                  <a:schemeClr val="tx1"/>
+                </a:solidFill>
+                <a:latin typeface="DejaVu Sans Mono"/>
+                <a:ea typeface="DejaVu Sans Mono"/>
+                <a:cs typeface="DejaVu Sans Mono"/>
+              </a:rPr>
+              <a:t>.duration(1000)</a:t>
+            </a:r>
+            <a:endParaRPr lang="en-CA" sz="2800" b="0" i="0" u="none" strike="noStrike" cap="none" spc="0">
+              <a:solidFill>
+                <a:schemeClr val="tx1"/>
+              </a:solidFill>
+              <a:latin typeface="DejaVu Sans Mono"/>
+              <a:ea typeface="DejaVu Sans Mono"/>
+              <a:cs typeface="DejaVu Sans Mono"/>
+            </a:endParaRPr>
+          </a:p>
+          <a:p>
+            <a:pPr marL="400050" lvl="1" indent="0">
+              <a:buFont typeface="Arial"/>
+              <a:buNone/>
+              <a:defRPr/>
+            </a:pPr>
+            <a:r>
+              <a:rPr lang="en-CA" sz="2800" b="0" i="0" u="none" strike="noStrike" cap="none" spc="0">
+                <a:solidFill>
+                  <a:schemeClr val="tx1"/>
+                </a:solidFill>
+                <a:latin typeface="DejaVu Sans Mono"/>
+                <a:ea typeface="DejaVu Sans Mono"/>
+                <a:cs typeface="DejaVu Sans Mono"/>
+              </a:rPr>
+              <a:t>.delay( (data,index) =&gt; (index * 50))</a:t>
+            </a:r>
+            <a:endParaRPr sz="2800">
+              <a:latin typeface="DejaVu Sans Mono"/>
+              <a:ea typeface="DejaVu Sans Mono"/>
+              <a:cs typeface="DejaVu Sans Mono"/>
+            </a:endParaRPr>
+          </a:p>
+          <a:p>
+            <a:pPr>
+              <a:defRPr/>
+            </a:pPr>
+            <a:r>
+              <a:rPr lang="en-CA" sz="2800" b="0" i="0" u="none" strike="noStrike" cap="none" spc="0">
+                <a:solidFill>
+                  <a:schemeClr val="tx1"/>
+                </a:solidFill>
+                <a:latin typeface="Arial"/>
+                <a:ea typeface="Arial"/>
+                <a:cs typeface="Arial"/>
+              </a:rPr>
+              <a:t>Transition the axes, labels, title,...</a:t>
+            </a:r>
+            <a:endParaRPr sz="2800"/>
+          </a:p>
+        </p:txBody>
+      </p:sp>
+    </p:spTree>
+  </p:cSld>
+  <p:clrMapOvr>
+    <a:masterClrMapping/>
+  </p:clrMapOvr>
+  <mc:AlternateContent xmlns:mc="http://schemas.openxmlformats.org/markup-compatibility/2006">
+    <mc:Choice xmlns:p14="http://schemas.microsoft.com/office/powerpoint/2010/main" Requires="p14">
+      <p:transition p14:dur="2000" advClick="1"/>
+    </mc:Choice>
+    <mc:Fallback>
+      <p:transition advClick="1"/>
     </mc:Fallback>
   </mc:AlternateContent>
 </p:sld>
@@ -8105,9 +8891,54 @@
         <p:spPr bwMode="auto"/>
         <p:txBody>
           <a:bodyPr vertOverflow="overflow" horzOverflow="clip" vert="horz" wrap="square" lIns="91440" tIns="45720" rIns="91440" bIns="45720" numCol="1" spcCol="0" rtlCol="0" fromWordArt="0" anchor="t" anchorCtr="0" forceAA="0" upright="0" compatLnSpc="0">
-            <a:normAutofit/>
+            <a:normAutofit fontScale="95000" lnSpcReduction="1000"/>
           </a:bodyPr>
           <a:lstStyle/>
+          <a:p>
+            <a:pPr marL="0" indent="0">
+              <a:buFont typeface="Arial"/>
+              <a:buNone/>
+              <a:defRPr/>
+            </a:pPr>
+            <a:r>
+              <a:rPr lang="en-US" sz="2500" b="0" i="0" u="none" strike="noStrike" cap="none" spc="0">
+                <a:solidFill>
+                  <a:schemeClr val="tx1"/>
+                </a:solidFill>
+                <a:latin typeface="Arial"/>
+                <a:ea typeface="Arial"/>
+                <a:cs typeface="Arial"/>
+              </a:rPr>
+              <a:t>There is a </a:t>
+            </a:r>
+            <a:r>
+              <a:rPr lang="en-US" sz="2500" b="0" i="0" u="none" strike="noStrike" cap="none" spc="0">
+                <a:solidFill>
+                  <a:schemeClr val="tx1"/>
+                </a:solidFill>
+                <a:latin typeface="Andale Mono"/>
+                <a:ea typeface="Andale Mono"/>
+                <a:cs typeface="Andale Mono"/>
+              </a:rPr>
+              <a:t>&lt;div id=”graph-div”&gt;</a:t>
+            </a:r>
+            <a:r>
+              <a:rPr lang="en-US" sz="2500" b="0" i="0" u="none" strike="noStrike" cap="none" spc="0">
+                <a:solidFill>
+                  <a:schemeClr val="tx1"/>
+                </a:solidFill>
+                <a:latin typeface="Arial"/>
+                <a:ea typeface="Arial"/>
+                <a:cs typeface="Arial"/>
+              </a:rPr>
+              <a:t> in HTML for our SVG:</a:t>
+            </a:r>
+            <a:endParaRPr>
+              <a:latin typeface="Andale Mono"/>
+              <a:ea typeface="Andale Mono"/>
+              <a:cs typeface="Andale Mono"/>
+            </a:endParaRPr>
+          </a:p>
           <a:p>
             <a:pPr marL="0" indent="0">
               <a:buFont typeface="Arial"/>
@@ -8458,7 +9289,7 @@
               <a:defRPr/>
             </a:pPr>
             <a:r>
-              <a:rPr lang="en-US" sz="2400" b="0" i="0" u="none" strike="noStrike" cap="none" spc="0">
+              <a:rPr lang="en-US" sz="2400" b="0" i="0" u="sng" strike="noStrike" cap="none" spc="0">
                 <a:solidFill>
                   <a:schemeClr val="tx1">
                     <a:tint val="75000"/>
@@ -8467,6 +9298,7 @@
                 <a:latin typeface="Arial"/>
                 <a:ea typeface="Arial"/>
                 <a:cs typeface="Arial"/>
+                <a:hlinkClick r:id="rId2" tooltip="Page 2"/>
               </a:rPr>
               <a:t>http://bclug.ca:8008/d3/kwlug/bar-chart/page2.html</a:t>
             </a:r>
@@ -8531,7 +9363,7 @@
             </a:pPr>
             <a:r>
               <a:rPr/>
-              <a:t>Fetch Data</a:t>
+              <a:t>Data Source</a:t>
             </a:r>
             <a:endParaRPr/>
           </a:p>
@@ -8550,7 +9382,7 @@
         <p:spPr bwMode="auto"/>
         <p:txBody>
           <a:bodyPr vertOverflow="overflow" horzOverflow="clip" vert="horz" wrap="square" lIns="91440" tIns="45720" rIns="91440" bIns="45720" numCol="1" spcCol="0" rtlCol="0" fromWordArt="0" anchor="t" anchorCtr="0" forceAA="0" upright="0" compatLnSpc="0">
-            <a:normAutofit fontScale="95000" lnSpcReduction="1000"/>
+            <a:normAutofit fontScale="70000" lnSpcReduction="6000"/>
           </a:bodyPr>
           <a:lstStyle/>
           <a:p>
@@ -8558,8 +9390,15 @@
               <a:defRPr/>
             </a:pPr>
             <a:r>
-              <a:rPr/>
-              <a:t>To fetch some data (several formats supported), queue request(s) for asynchronous retrieval of data:</a:t>
+              <a:rPr sz="2200" b="0" i="0" u="none">
+                <a:solidFill>
+                  <a:srgbClr val="000000"/>
+                </a:solidFill>
+                <a:latin typeface="Arial"/>
+                <a:ea typeface="Arial"/>
+                <a:cs typeface="Arial"/>
+              </a:rPr>
+              <a:t>Our data source is a simple JSON file - an array of month objects with 3 key / value pairs each:</a:t>
             </a:r>
             <a:endParaRPr/>
           </a:p>
@@ -8569,9 +9408,763 @@
               <a:buNone/>
               <a:defRPr/>
             </a:pPr>
-            <a:endParaRPr lang="en-US" sz="2500" b="0" i="0" u="none" strike="noStrike" cap="none" spc="0">
+            <a:r>
+              <a:rPr sz="2200" b="0" i="0" u="none">
+                <a:solidFill>
+                  <a:srgbClr val="000000"/>
+                </a:solidFill>
+                <a:latin typeface="Andale Mono"/>
+                <a:ea typeface="Andale Mono"/>
+                <a:cs typeface="Andale Mono"/>
+              </a:rPr>
+              <a:t>[</a:t>
+            </a:r>
+            <a:br>
+              <a:rPr sz="2200" b="0" i="0" u="none">
+                <a:solidFill>
+                  <a:srgbClr val="000000"/>
+                </a:solidFill>
+                <a:latin typeface="Andale Mono"/>
+                <a:ea typeface="Andale Mono"/>
+                <a:cs typeface="Andale Mono"/>
+              </a:rPr>
+            </a:br>
+            <a:r>
+              <a:rPr sz="2200" b="0" i="0" u="none">
+                <a:solidFill>
+                  <a:srgbClr val="000000"/>
+                </a:solidFill>
+                <a:latin typeface="Andale Mono"/>
+                <a:ea typeface="Andale Mono"/>
+                <a:cs typeface="Andale Mono"/>
+              </a:rPr>
+              <a:t>	</a:t>
+            </a:r>
+            <a:r>
+              <a:rPr sz="2200" b="0" i="0" u="none">
+                <a:solidFill>
+                  <a:srgbClr val="000000"/>
+                </a:solidFill>
+                <a:latin typeface="Andale Mono"/>
+                <a:ea typeface="Andale Mono"/>
+                <a:cs typeface="Andale Mono"/>
+              </a:rPr>
+              <a:t>{</a:t>
+            </a:r>
+            <a:br>
+              <a:rPr sz="2200" b="0" i="0" u="none">
+                <a:solidFill>
+                  <a:srgbClr val="000000"/>
+                </a:solidFill>
+                <a:latin typeface="Andale Mono"/>
+                <a:ea typeface="Andale Mono"/>
+                <a:cs typeface="Andale Mono"/>
+              </a:rPr>
+            </a:br>
+            <a:r>
+              <a:rPr sz="2200" b="0" i="0" u="none">
+                <a:solidFill>
+                  <a:srgbClr val="000000"/>
+                </a:solidFill>
+                <a:latin typeface="Andale Mono"/>
+                <a:ea typeface="Andale Mono"/>
+                <a:cs typeface="Andale Mono"/>
+              </a:rPr>
+              <a:t>	</a:t>
+            </a:r>
+            <a:r>
+              <a:rPr sz="2200" b="1" i="0" u="none">
+                <a:solidFill>
+                  <a:srgbClr val="FF54FF"/>
+                </a:solidFill>
+                <a:latin typeface="Andale Mono"/>
+                <a:ea typeface="Andale Mono"/>
+                <a:cs typeface="Andale Mono"/>
+              </a:rPr>
+              <a:t>“year”</a:t>
+            </a:r>
+            <a:r>
+              <a:rPr sz="2200" b="0" i="0" u="none">
+                <a:solidFill>
+                  <a:srgbClr val="000000"/>
+                </a:solidFill>
+                <a:latin typeface="Andale Mono"/>
+                <a:ea typeface="Andale Mono"/>
+                <a:cs typeface="Andale Mono"/>
+              </a:rPr>
+              <a:t>: </a:t>
+            </a:r>
+            <a:r>
+              <a:rPr sz="2200" b="0" i="0" u="none">
+                <a:solidFill>
+                  <a:srgbClr val="18B2B2"/>
+                </a:solidFill>
+                <a:latin typeface="Andale Mono"/>
+                <a:ea typeface="Andale Mono"/>
+                <a:cs typeface="Andale Mono"/>
+              </a:rPr>
+              <a:t>1967</a:t>
+            </a:r>
+            <a:r>
+              <a:rPr sz="2200" b="0" i="0" u="none">
+                <a:solidFill>
+                  <a:srgbClr val="000000"/>
+                </a:solidFill>
+                <a:latin typeface="Andale Mono"/>
+                <a:ea typeface="Andale Mono"/>
+                <a:cs typeface="Andale Mono"/>
+              </a:rPr>
+              <a:t>,</a:t>
+            </a:r>
+            <a:br>
+              <a:rPr sz="2200" b="0" i="0" u="none">
+                <a:solidFill>
+                  <a:srgbClr val="000000"/>
+                </a:solidFill>
+                <a:latin typeface="Andale Mono"/>
+                <a:ea typeface="Andale Mono"/>
+                <a:cs typeface="Andale Mono"/>
+              </a:rPr>
+            </a:br>
+            <a:r>
+              <a:rPr sz="2200" b="1" i="0" u="none">
+                <a:solidFill>
+                  <a:srgbClr val="FF54FF"/>
+                </a:solidFill>
+                <a:latin typeface="Andale Mono"/>
+                <a:ea typeface="Andale Mono"/>
+                <a:cs typeface="Andale Mono"/>
+              </a:rPr>
+              <a:t>	“month”</a:t>
+            </a:r>
+            <a:r>
+              <a:rPr sz="2200" b="0" i="0" u="none">
+                <a:solidFill>
+                  <a:srgbClr val="000000"/>
+                </a:solidFill>
+                <a:latin typeface="Andale Mono"/>
+                <a:ea typeface="Andale Mono"/>
+                <a:cs typeface="Andale Mono"/>
+              </a:rPr>
+              <a:t>: </a:t>
+            </a:r>
+            <a:r>
+              <a:rPr sz="2200" b="1" i="0" u="none">
+                <a:solidFill>
+                  <a:srgbClr val="FF54FF"/>
+                </a:solidFill>
+                <a:latin typeface="Andale Mono"/>
+                <a:ea typeface="Andale Mono"/>
+                <a:cs typeface="Andale Mono"/>
+              </a:rPr>
+              <a:t>“January”</a:t>
+            </a:r>
+            <a:r>
+              <a:rPr sz="2200" b="0" i="0" u="none">
+                <a:solidFill>
+                  <a:srgbClr val="000000"/>
+                </a:solidFill>
+                <a:latin typeface="Andale Mono"/>
+                <a:ea typeface="Andale Mono"/>
+                <a:cs typeface="Andale Mono"/>
+              </a:rPr>
+              <a:t>,</a:t>
+            </a:r>
+            <a:br>
+              <a:rPr sz="2200" b="0" i="0" u="none">
+                <a:solidFill>
+                  <a:srgbClr val="000000"/>
+                </a:solidFill>
+                <a:latin typeface="Andale Mono"/>
+                <a:ea typeface="Andale Mono"/>
+                <a:cs typeface="Andale Mono"/>
+              </a:rPr>
+            </a:br>
+            <a:r>
+              <a:rPr sz="2200" b="1" i="0" u="none">
+                <a:solidFill>
+                  <a:srgbClr val="FF54FF"/>
+                </a:solidFill>
+                <a:latin typeface="Andale Mono"/>
+                <a:ea typeface="Andale Mono"/>
+                <a:cs typeface="Andale Mono"/>
+              </a:rPr>
+              <a:t>	“births”</a:t>
+            </a:r>
+            <a:r>
+              <a:rPr sz="2200" b="0" i="0" u="none">
+                <a:solidFill>
+                  <a:srgbClr val="000000"/>
+                </a:solidFill>
+                <a:latin typeface="Andale Mono"/>
+                <a:ea typeface="Andale Mono"/>
+                <a:cs typeface="Andale Mono"/>
+              </a:rPr>
+              <a:t>: </a:t>
+            </a:r>
+            <a:r>
+              <a:rPr sz="2200" b="0" i="0" u="none">
+                <a:solidFill>
+                  <a:srgbClr val="18B2B2"/>
+                </a:solidFill>
+                <a:latin typeface="Andale Mono"/>
+                <a:ea typeface="Andale Mono"/>
+                <a:cs typeface="Andale Mono"/>
+              </a:rPr>
+              <a:t>31502</a:t>
+            </a:r>
+            <a:br>
+              <a:rPr sz="2200" b="0" i="0" u="none">
+                <a:solidFill>
+                  <a:srgbClr val="18B2B2"/>
+                </a:solidFill>
+                <a:latin typeface="Andale Mono"/>
+                <a:ea typeface="Andale Mono"/>
+                <a:cs typeface="Andale Mono"/>
+              </a:rPr>
+            </a:br>
+            <a:r>
+              <a:rPr sz="2200" b="0" i="0" u="none">
+                <a:solidFill>
+                  <a:srgbClr val="18B2B2"/>
+                </a:solidFill>
+                <a:latin typeface="Andale Mono"/>
+                <a:ea typeface="Andale Mono"/>
+                <a:cs typeface="Andale Mono"/>
+              </a:rPr>
+              <a:t>	</a:t>
+            </a:r>
+            <a:r>
+              <a:rPr sz="2200" b="0" i="0" u="none">
+                <a:solidFill>
+                  <a:srgbClr val="000000"/>
+                </a:solidFill>
+                <a:latin typeface="Andale Mono"/>
+                <a:ea typeface="Andale Mono"/>
+                <a:cs typeface="Andale Mono"/>
+              </a:rPr>
+              <a:t>},</a:t>
+            </a:r>
+            <a:br>
+              <a:rPr sz="2200" b="0" i="0" u="none">
+                <a:solidFill>
+                  <a:srgbClr val="000000"/>
+                </a:solidFill>
+                <a:latin typeface="Andale Mono"/>
+                <a:ea typeface="Andale Mono"/>
+                <a:cs typeface="Andale Mono"/>
+              </a:rPr>
+            </a:br>
+            <a:r>
+              <a:rPr sz="2200" b="0" i="0" u="none">
+                <a:solidFill>
+                  <a:srgbClr val="000000"/>
+                </a:solidFill>
+                <a:latin typeface="Andale Mono"/>
+                <a:ea typeface="Andale Mono"/>
+                <a:cs typeface="Andale Mono"/>
+              </a:rPr>
+              <a:t>	</a:t>
+            </a:r>
+            <a:r>
+              <a:rPr sz="2200" b="0" i="0" u="none">
+                <a:solidFill>
+                  <a:srgbClr val="000000"/>
+                </a:solidFill>
+                <a:latin typeface="Andale Mono"/>
+                <a:ea typeface="Andale Mono"/>
+                <a:cs typeface="Andale Mono"/>
+              </a:rPr>
+              <a:t>{</a:t>
+            </a:r>
+            <a:br>
+              <a:rPr sz="2200" b="0" i="0" u="none">
+                <a:solidFill>
+                  <a:srgbClr val="000000"/>
+                </a:solidFill>
+                <a:latin typeface="Andale Mono"/>
+                <a:ea typeface="Andale Mono"/>
+                <a:cs typeface="Andale Mono"/>
+              </a:rPr>
+            </a:br>
+            <a:r>
+              <a:rPr sz="2200" b="0" i="0" u="none">
+                <a:solidFill>
+                  <a:srgbClr val="000000"/>
+                </a:solidFill>
+                <a:latin typeface="Andale Mono"/>
+                <a:ea typeface="Andale Mono"/>
+                <a:cs typeface="Andale Mono"/>
+              </a:rPr>
+              <a:t>	</a:t>
+            </a:r>
+            <a:r>
+              <a:rPr sz="2200" b="1" i="0" u="none">
+                <a:solidFill>
+                  <a:srgbClr val="FF54FF"/>
+                </a:solidFill>
+                <a:latin typeface="Andale Mono"/>
+                <a:ea typeface="Andale Mono"/>
+                <a:cs typeface="Andale Mono"/>
+              </a:rPr>
+              <a:t>“year”</a:t>
+            </a:r>
+            <a:r>
+              <a:rPr sz="2200" b="0" i="0" u="none">
+                <a:solidFill>
+                  <a:srgbClr val="000000"/>
+                </a:solidFill>
+                <a:latin typeface="Andale Mono"/>
+                <a:ea typeface="Andale Mono"/>
+                <a:cs typeface="Andale Mono"/>
+              </a:rPr>
+              <a:t>: </a:t>
+            </a:r>
+            <a:r>
+              <a:rPr sz="2200" b="0" i="0" u="none">
+                <a:solidFill>
+                  <a:srgbClr val="18B2B2"/>
+                </a:solidFill>
+                <a:latin typeface="Andale Mono"/>
+                <a:ea typeface="Andale Mono"/>
+                <a:cs typeface="Andale Mono"/>
+              </a:rPr>
+              <a:t>1967</a:t>
+            </a:r>
+            <a:r>
+              <a:rPr sz="2200" b="0" i="0" u="none">
+                <a:solidFill>
+                  <a:srgbClr val="000000"/>
+                </a:solidFill>
+                <a:latin typeface="Andale Mono"/>
+                <a:ea typeface="Andale Mono"/>
+                <a:cs typeface="Andale Mono"/>
+              </a:rPr>
+              <a:t>,</a:t>
+            </a:r>
+            <a:br>
+              <a:rPr sz="2200" b="0" i="0" u="none">
+                <a:solidFill>
+                  <a:srgbClr val="000000"/>
+                </a:solidFill>
+                <a:latin typeface="Andale Mono"/>
+                <a:ea typeface="Andale Mono"/>
+                <a:cs typeface="Andale Mono"/>
+              </a:rPr>
+            </a:br>
+            <a:r>
+              <a:rPr sz="2200" b="0" i="0" u="none">
+                <a:solidFill>
+                  <a:srgbClr val="000000"/>
+                </a:solidFill>
+                <a:latin typeface="Andale Mono"/>
+                <a:ea typeface="Andale Mono"/>
+                <a:cs typeface="Andale Mono"/>
+              </a:rPr>
+              <a:t>	</a:t>
+            </a:r>
+            <a:r>
+              <a:rPr sz="2200" b="1" i="0" u="none">
+                <a:solidFill>
+                  <a:srgbClr val="FF54FF"/>
+                </a:solidFill>
+                <a:latin typeface="Andale Mono"/>
+                <a:ea typeface="Andale Mono"/>
+                <a:cs typeface="Andale Mono"/>
+              </a:rPr>
+              <a:t>“month”</a:t>
+            </a:r>
+            <a:r>
+              <a:rPr sz="2200" b="0" i="0" u="none">
+                <a:solidFill>
+                  <a:srgbClr val="000000"/>
+                </a:solidFill>
+                <a:latin typeface="Andale Mono"/>
+                <a:ea typeface="Andale Mono"/>
+                <a:cs typeface="Andale Mono"/>
+              </a:rPr>
+              <a:t>: </a:t>
+            </a:r>
+            <a:r>
+              <a:rPr sz="2200" b="1" i="0" u="none">
+                <a:solidFill>
+                  <a:srgbClr val="FF54FF"/>
+                </a:solidFill>
+                <a:latin typeface="Andale Mono"/>
+                <a:ea typeface="Andale Mono"/>
+                <a:cs typeface="Andale Mono"/>
+              </a:rPr>
+              <a:t>“February”</a:t>
+            </a:r>
+            <a:r>
+              <a:rPr sz="2200" b="0" i="0" u="none">
+                <a:solidFill>
+                  <a:srgbClr val="000000"/>
+                </a:solidFill>
+                <a:latin typeface="Andale Mono"/>
+                <a:ea typeface="Andale Mono"/>
+                <a:cs typeface="Andale Mono"/>
+              </a:rPr>
+              <a:t>,</a:t>
+            </a:r>
+            <a:br>
+              <a:rPr sz="2200" b="0" i="0" u="none">
+                <a:solidFill>
+                  <a:srgbClr val="000000"/>
+                </a:solidFill>
+                <a:latin typeface="Andale Mono"/>
+                <a:ea typeface="Andale Mono"/>
+                <a:cs typeface="Andale Mono"/>
+              </a:rPr>
+            </a:br>
+            <a:r>
+              <a:rPr sz="2200" b="0" i="0" u="none">
+                <a:solidFill>
+                  <a:srgbClr val="000000"/>
+                </a:solidFill>
+                <a:latin typeface="Andale Mono"/>
+                <a:ea typeface="Andale Mono"/>
+                <a:cs typeface="Andale Mono"/>
+              </a:rPr>
+              <a:t>	</a:t>
+            </a:r>
+            <a:r>
+              <a:rPr sz="2200" b="1" i="0" u="none">
+                <a:solidFill>
+                  <a:srgbClr val="FF54FF"/>
+                </a:solidFill>
+                <a:latin typeface="Andale Mono"/>
+                <a:ea typeface="Andale Mono"/>
+                <a:cs typeface="Andale Mono"/>
+              </a:rPr>
+              <a:t>“births”</a:t>
+            </a:r>
+            <a:r>
+              <a:rPr sz="2200" b="0" i="0" u="none">
+                <a:solidFill>
+                  <a:srgbClr val="000000"/>
+                </a:solidFill>
+                <a:latin typeface="Andale Mono"/>
+                <a:ea typeface="Andale Mono"/>
+                <a:cs typeface="Andale Mono"/>
+              </a:rPr>
+              <a:t>: </a:t>
+            </a:r>
+            <a:r>
+              <a:rPr sz="2200" b="0" i="0" u="none">
+                <a:solidFill>
+                  <a:srgbClr val="18B2B2"/>
+                </a:solidFill>
+                <a:latin typeface="Andale Mono"/>
+                <a:ea typeface="Andale Mono"/>
+                <a:cs typeface="Andale Mono"/>
+              </a:rPr>
+              <a:t>26703</a:t>
+            </a:r>
+            <a:br>
+              <a:rPr sz="2200" b="0" i="0" u="none">
+                <a:solidFill>
+                  <a:srgbClr val="18B2B2"/>
+                </a:solidFill>
+                <a:latin typeface="Andale Mono"/>
+                <a:ea typeface="Andale Mono"/>
+                <a:cs typeface="Andale Mono"/>
+              </a:rPr>
+            </a:br>
+            <a:r>
+              <a:rPr sz="2200" b="0" i="0" u="none">
+                <a:solidFill>
+                  <a:srgbClr val="18B2B2"/>
+                </a:solidFill>
+                <a:latin typeface="Andale Mono"/>
+                <a:ea typeface="Andale Mono"/>
+                <a:cs typeface="Andale Mono"/>
+              </a:rPr>
+              <a:t>	</a:t>
+            </a:r>
+            <a:r>
+              <a:rPr sz="2200" b="0" i="0" u="none">
+                <a:solidFill>
+                  <a:srgbClr val="000000"/>
+                </a:solidFill>
+                <a:latin typeface="Andale Mono"/>
+                <a:ea typeface="Andale Mono"/>
+                <a:cs typeface="Andale Mono"/>
+              </a:rPr>
+              <a:t>},</a:t>
+            </a:r>
+            <a:br>
+              <a:rPr sz="2200" b="0" i="0" u="none">
+                <a:solidFill>
+                  <a:srgbClr val="000000"/>
+                </a:solidFill>
+                <a:latin typeface="Andale Mono"/>
+                <a:ea typeface="Andale Mono"/>
+                <a:cs typeface="Andale Mono"/>
+              </a:rPr>
+            </a:br>
+            <a:r>
+              <a:rPr sz="2200" b="0" i="0" u="none">
+                <a:solidFill>
+                  <a:srgbClr val="000000"/>
+                </a:solidFill>
+                <a:latin typeface="Andale Mono"/>
+                <a:ea typeface="Andale Mono"/>
+                <a:cs typeface="Andale Mono"/>
+              </a:rPr>
+              <a:t>	</a:t>
+            </a:r>
+            <a:r>
+              <a:rPr sz="2200" b="0" i="0" u="none">
+                <a:solidFill>
+                  <a:srgbClr val="000000"/>
+                </a:solidFill>
+                <a:latin typeface="Andale Mono"/>
+                <a:ea typeface="Andale Mono"/>
+                <a:cs typeface="Andale Mono"/>
+              </a:rPr>
+              <a:t>{</a:t>
+            </a:r>
+            <a:br>
+              <a:rPr sz="2200" b="0" i="0" u="none">
+                <a:solidFill>
+                  <a:srgbClr val="000000"/>
+                </a:solidFill>
+                <a:latin typeface="Andale Mono"/>
+                <a:ea typeface="Andale Mono"/>
+                <a:cs typeface="Andale Mono"/>
+              </a:rPr>
+            </a:br>
+            <a:r>
+              <a:rPr sz="2200" b="0" i="0" u="none">
+                <a:solidFill>
+                  <a:srgbClr val="000000"/>
+                </a:solidFill>
+                <a:latin typeface="Andale Mono"/>
+                <a:ea typeface="Andale Mono"/>
+                <a:cs typeface="Andale Mono"/>
+              </a:rPr>
+              <a:t>	</a:t>
+            </a:r>
+            <a:r>
+              <a:rPr sz="2200" b="1" i="0" u="none">
+                <a:solidFill>
+                  <a:srgbClr val="FF54FF"/>
+                </a:solidFill>
+                <a:latin typeface="Andale Mono"/>
+                <a:ea typeface="Andale Mono"/>
+                <a:cs typeface="Andale Mono"/>
+              </a:rPr>
+              <a:t>“year”</a:t>
+            </a:r>
+            <a:r>
+              <a:rPr sz="2200" b="0" i="0" u="none">
+                <a:solidFill>
+                  <a:srgbClr val="000000"/>
+                </a:solidFill>
+                <a:latin typeface="Andale Mono"/>
+                <a:ea typeface="Andale Mono"/>
+                <a:cs typeface="Andale Mono"/>
+              </a:rPr>
+              <a:t>: </a:t>
+            </a:r>
+            <a:r>
+              <a:rPr sz="2200" b="0" i="0" u="none">
+                <a:solidFill>
+                  <a:srgbClr val="18B2B2"/>
+                </a:solidFill>
+                <a:latin typeface="Andale Mono"/>
+                <a:ea typeface="Andale Mono"/>
+                <a:cs typeface="Andale Mono"/>
+              </a:rPr>
+              <a:t>1967</a:t>
+            </a:r>
+            <a:r>
+              <a:rPr sz="2200" b="0" i="0" u="none">
+                <a:solidFill>
+                  <a:srgbClr val="000000"/>
+                </a:solidFill>
+                <a:latin typeface="Andale Mono"/>
+                <a:ea typeface="Andale Mono"/>
+                <a:cs typeface="Andale Mono"/>
+              </a:rPr>
+              <a:t>,</a:t>
+            </a:r>
+            <a:br>
+              <a:rPr sz="2200" b="0" i="0" u="none">
+                <a:solidFill>
+                  <a:srgbClr val="000000"/>
+                </a:solidFill>
+                <a:latin typeface="Andale Mono"/>
+                <a:ea typeface="Andale Mono"/>
+                <a:cs typeface="Andale Mono"/>
+              </a:rPr>
+            </a:br>
+            <a:r>
+              <a:rPr sz="2200" b="0" i="0" u="none">
+                <a:solidFill>
+                  <a:srgbClr val="000000"/>
+                </a:solidFill>
+                <a:latin typeface="Andale Mono"/>
+                <a:ea typeface="Andale Mono"/>
+                <a:cs typeface="Andale Mono"/>
+              </a:rPr>
+              <a:t>	</a:t>
+            </a:r>
+            <a:r>
+              <a:rPr sz="2200" b="1" i="0" u="none">
+                <a:solidFill>
+                  <a:srgbClr val="FF54FF"/>
+                </a:solidFill>
+                <a:latin typeface="Andale Mono"/>
+                <a:ea typeface="Andale Mono"/>
+                <a:cs typeface="Andale Mono"/>
+              </a:rPr>
+              <a:t>“month”</a:t>
+            </a:r>
+            <a:r>
+              <a:rPr sz="2200" b="0" i="0" u="none">
+                <a:solidFill>
+                  <a:srgbClr val="000000"/>
+                </a:solidFill>
+                <a:latin typeface="Andale Mono"/>
+                <a:ea typeface="Andale Mono"/>
+                <a:cs typeface="Andale Mono"/>
+              </a:rPr>
+              <a:t>: </a:t>
+            </a:r>
+            <a:r>
+              <a:rPr sz="2200" b="1" i="0" u="none">
+                <a:solidFill>
+                  <a:srgbClr val="FF54FF"/>
+                </a:solidFill>
+                <a:latin typeface="Andale Mono"/>
+                <a:ea typeface="Andale Mono"/>
+                <a:cs typeface="Andale Mono"/>
+              </a:rPr>
+              <a:t>“March”</a:t>
+            </a:r>
+            <a:r>
+              <a:rPr sz="2200" b="0" i="0" u="none">
+                <a:solidFill>
+                  <a:srgbClr val="000000"/>
+                </a:solidFill>
+                <a:latin typeface="Andale Mono"/>
+                <a:ea typeface="Andale Mono"/>
+                <a:cs typeface="Andale Mono"/>
+              </a:rPr>
+              <a:t>,</a:t>
+            </a:r>
+            <a:br>
+              <a:rPr sz="2200" b="0" i="0" u="none">
+                <a:solidFill>
+                  <a:srgbClr val="000000"/>
+                </a:solidFill>
+                <a:latin typeface="Andale Mono"/>
+                <a:ea typeface="Andale Mono"/>
+                <a:cs typeface="Andale Mono"/>
+              </a:rPr>
+            </a:br>
+            <a:r>
+              <a:rPr sz="2200" b="0" i="0" u="none">
+                <a:solidFill>
+                  <a:srgbClr val="000000"/>
+                </a:solidFill>
+                <a:latin typeface="Andale Mono"/>
+                <a:ea typeface="Andale Mono"/>
+                <a:cs typeface="Andale Mono"/>
+              </a:rPr>
+              <a:t>	</a:t>
+            </a:r>
+            <a:r>
+              <a:rPr sz="2200" b="1" i="0" u="none">
+                <a:solidFill>
+                  <a:srgbClr val="FF54FF"/>
+                </a:solidFill>
+                <a:latin typeface="Andale Mono"/>
+                <a:ea typeface="Andale Mono"/>
+                <a:cs typeface="Andale Mono"/>
+              </a:rPr>
+              <a:t>“births”</a:t>
+            </a:r>
+            <a:r>
+              <a:rPr sz="2200" b="0" i="0" u="none">
+                <a:solidFill>
+                  <a:srgbClr val="000000"/>
+                </a:solidFill>
+                <a:latin typeface="Andale Mono"/>
+                <a:ea typeface="Andale Mono"/>
+                <a:cs typeface="Andale Mono"/>
+              </a:rPr>
+              <a:t>: </a:t>
+            </a:r>
+            <a:r>
+              <a:rPr sz="2200" b="0" i="0" u="none">
+                <a:solidFill>
+                  <a:srgbClr val="18B2B2"/>
+                </a:solidFill>
+                <a:latin typeface="Andale Mono"/>
+                <a:ea typeface="Andale Mono"/>
+                <a:cs typeface="Andale Mono"/>
+              </a:rPr>
+              <a:t>28853</a:t>
+            </a:r>
+            <a:br>
+              <a:rPr sz="2200" b="0" i="0" u="none">
+                <a:solidFill>
+                  <a:srgbClr val="18B2B2"/>
+                </a:solidFill>
+                <a:latin typeface="Andale Mono"/>
+                <a:ea typeface="Andale Mono"/>
+                <a:cs typeface="Andale Mono"/>
+              </a:rPr>
+            </a:br>
+            <a:r>
+              <a:rPr sz="2200" b="0" i="0" u="none">
+                <a:solidFill>
+                  <a:srgbClr val="18B2B2"/>
+                </a:solidFill>
+                <a:latin typeface="Andale Mono"/>
+                <a:ea typeface="Andale Mono"/>
+                <a:cs typeface="Andale Mono"/>
+              </a:rPr>
+              <a:t>	</a:t>
+            </a:r>
+            <a:r>
+              <a:rPr sz="2200" b="0" i="0" u="none">
+                <a:solidFill>
+                  <a:srgbClr val="000000"/>
+                </a:solidFill>
+                <a:latin typeface="Andale Mono"/>
+                <a:ea typeface="Andale Mono"/>
+                <a:cs typeface="Andale Mono"/>
+              </a:rPr>
+              <a:t>},</a:t>
+            </a:r>
+            <a:br>
+              <a:rPr sz="2200" b="0" i="0" u="none">
+                <a:solidFill>
+                  <a:srgbClr val="000000"/>
+                </a:solidFill>
+                <a:latin typeface="Andale Mono"/>
+                <a:ea typeface="Andale Mono"/>
+                <a:cs typeface="Andale Mono"/>
+              </a:rPr>
+            </a:br>
+            <a:r>
+              <a:rPr sz="2200" b="0" i="0" u="none">
+                <a:solidFill>
+                  <a:srgbClr val="000000"/>
+                </a:solidFill>
+                <a:latin typeface="Andale Mono"/>
+                <a:ea typeface="Andale Mono"/>
+                <a:cs typeface="Andale Mono"/>
+              </a:rPr>
+              <a:t>...</a:t>
+            </a:r>
+            <a:endParaRPr sz="2200" b="0" i="0" u="none">
               <a:solidFill>
-                <a:schemeClr val="tx1"/>
+                <a:srgbClr val="000000"/>
               </a:solidFill>
               <a:latin typeface="Andale Mono"/>
               <a:ea typeface="Andale Mono"/>
@@ -8585,292 +10178,19 @@
               <a:defRPr/>
             </a:pPr>
             <a:r>
-              <a:rPr lang="en-US" sz="2500" b="0" i="0" u="none" strike="noStrike" cap="none" spc="0">
-                <a:solidFill>
-                  <a:schemeClr val="tx1"/>
-                </a:solidFill>
-                <a:latin typeface="Andale Mono"/>
-                <a:ea typeface="Andale Mono"/>
-                <a:cs typeface="Andale Mono"/>
-              </a:rPr>
-              <a:t>URL = </a:t>
-            </a:r>
-            <a:r>
-              <a:rPr lang="en-US" sz="2500" b="0" i="0" u="none" strike="noStrike" cap="none" spc="0">
-                <a:solidFill>
-                  <a:schemeClr val="tx1"/>
-                </a:solidFill>
-                <a:latin typeface="Andale Mono"/>
-                <a:ea typeface="Andale Mono"/>
-                <a:cs typeface="Andale Mono"/>
-              </a:rPr>
-              <a:t>“http://bclug.ca:8008/d3/kwlug/bar-chart/birthData-JSON.js”</a:t>
-            </a:r>
-            <a:r>
-              <a:rPr lang="en-US" sz="2500" b="0" i="0" u="none" strike="noStrike" cap="none" spc="0">
-                <a:solidFill>
-                  <a:schemeClr val="tx1"/>
-                </a:solidFill>
-                <a:latin typeface="Andale Mono"/>
-                <a:ea typeface="Andale Mono"/>
-                <a:cs typeface="Andale Mono"/>
-              </a:rPr>
-              <a:t>;</a:t>
-            </a:r>
-            <a:endParaRPr lang="en-US" sz="2500" b="0" i="0" u="none" strike="noStrike" cap="none" spc="0">
+              <a:rPr sz="2200" b="0" i="0" u="none">
+                <a:solidFill>
+                  <a:srgbClr val="000000"/>
+                </a:solidFill>
+                <a:latin typeface="Andale Mono"/>
+                <a:ea typeface="Andale Mono"/>
+                <a:cs typeface="Andale Mono"/>
+              </a:rPr>
+              <a:t>]</a:t>
+            </a:r>
+            <a:endParaRPr sz="2200" b="0" i="0" u="none">
               <a:solidFill>
-                <a:schemeClr val="tx1"/>
-              </a:solidFill>
-              <a:latin typeface="Andale Mono"/>
-              <a:ea typeface="Andale Mono"/>
-              <a:cs typeface="Andale Mono"/>
-            </a:endParaRPr>
-          </a:p>
-          <a:p>
-            <a:pPr marL="0" indent="0">
-              <a:buFont typeface="Arial"/>
-              <a:buNone/>
-              <a:defRPr/>
-            </a:pPr>
-            <a:endParaRPr lang="en-US" sz="2500" b="0" i="0" u="none" strike="noStrike" cap="none" spc="0">
-              <a:solidFill>
-                <a:schemeClr val="tx1"/>
-              </a:solidFill>
-              <a:latin typeface="Andale Mono"/>
-              <a:ea typeface="Andale Mono"/>
-              <a:cs typeface="Andale Mono"/>
-            </a:endParaRPr>
-          </a:p>
-          <a:p>
-            <a:pPr marL="0" indent="0">
-              <a:buFont typeface="Arial"/>
-              <a:buNone/>
-              <a:defRPr/>
-            </a:pPr>
-            <a:r>
-              <a:rPr lang="en-US" sz="2500" b="0" i="0" u="none" strike="noStrike" cap="none" spc="0">
-                <a:solidFill>
-                  <a:schemeClr val="tx1"/>
-                </a:solidFill>
-                <a:latin typeface="Andale Mono"/>
-                <a:ea typeface="Andale Mono"/>
-                <a:cs typeface="Andale Mono"/>
-              </a:rPr>
-              <a:t>d3.queue()</a:t>
-            </a:r>
-            <a:endParaRPr lang="en-US" sz="2500" b="0" i="0" u="none" strike="noStrike" cap="none" spc="0">
-              <a:solidFill>
-                <a:schemeClr val="tx1"/>
-              </a:solidFill>
-              <a:latin typeface="Andale Mono"/>
-              <a:ea typeface="Andale Mono"/>
-              <a:cs typeface="Andale Mono"/>
-            </a:endParaRPr>
-          </a:p>
-          <a:p>
-            <a:pPr marL="0" indent="0">
-              <a:buFont typeface="Arial"/>
-              <a:buNone/>
-              <a:defRPr/>
-            </a:pPr>
-            <a:r>
-              <a:rPr lang="en-US" sz="2500" b="0" i="0" u="none" strike="noStrike" cap="none" spc="0">
-                <a:solidFill>
-                  <a:schemeClr val="tx1"/>
-                </a:solidFill>
-                <a:latin typeface="Andale Mono"/>
-                <a:ea typeface="Andale Mono"/>
-                <a:cs typeface="Andale Mono"/>
-              </a:rPr>
-              <a:t>	.defer(d3.json, URL</a:t>
-            </a:r>
-            <a:r>
-              <a:rPr lang="en-US" sz="2500" b="0" i="0" u="none" strike="noStrike" cap="none" spc="0">
-                <a:solidFill>
-                  <a:schemeClr val="tx1"/>
-                </a:solidFill>
-                <a:latin typeface="Andale Mono"/>
-                <a:ea typeface="Andale Mono"/>
-                <a:cs typeface="Andale Mono"/>
-              </a:rPr>
-              <a:t>)</a:t>
-            </a:r>
-            <a:br>
-              <a:rPr lang="en-US" sz="2500" b="0" i="0" u="none" strike="noStrike" cap="none" spc="0">
-                <a:solidFill>
-                  <a:schemeClr val="tx1"/>
-                </a:solidFill>
-                <a:latin typeface="Andale Mono"/>
-                <a:ea typeface="Andale Mono"/>
-                <a:cs typeface="Andale Mono"/>
-              </a:rPr>
-            </a:br>
-            <a:r>
-              <a:rPr lang="en-US" sz="2500" b="0" i="0" u="none" strike="noStrike" cap="none" spc="0">
-                <a:solidFill>
-                  <a:schemeClr val="tx1"/>
-                </a:solidFill>
-                <a:latin typeface="Andale Mono"/>
-                <a:ea typeface="Andale Mono"/>
-                <a:cs typeface="Andale Mono"/>
-              </a:rPr>
-              <a:t>	</a:t>
-            </a:r>
-            <a:r>
-              <a:rPr lang="en-US" sz="2500" b="0" i="0" u="none" strike="noStrike" cap="none" spc="0">
-                <a:solidFill>
-                  <a:schemeClr val="tx1"/>
-                </a:solidFill>
-                <a:latin typeface="Andale Mono"/>
-                <a:ea typeface="Andale Mono"/>
-                <a:cs typeface="Andale Mono"/>
-              </a:rPr>
-              <a:t>.</a:t>
-            </a:r>
-            <a:r>
-              <a:rPr lang="en-US" sz="2500" b="0" i="0" u="none" strike="noStrike" cap="none" spc="0">
-                <a:solidFill>
-                  <a:schemeClr val="tx1"/>
-                </a:solidFill>
-                <a:latin typeface="Andale Mono"/>
-                <a:ea typeface="Andale Mono"/>
-                <a:cs typeface="Andale Mono"/>
-              </a:rPr>
-              <a:t>await</a:t>
-            </a:r>
-            <a:r>
-              <a:rPr lang="en-US" sz="2500" b="0" i="0" u="none" strike="noStrike" cap="none" spc="0">
-                <a:solidFill>
-                  <a:schemeClr val="tx1"/>
-                </a:solidFill>
-                <a:latin typeface="Andale Mono"/>
-                <a:ea typeface="Andale Mono"/>
-                <a:cs typeface="Andale Mono"/>
-              </a:rPr>
-              <a:t>(</a:t>
-            </a:r>
-            <a:r>
-              <a:rPr lang="en-US" sz="2500" b="0" i="0" u="none" strike="noStrike" cap="none" spc="0">
-                <a:solidFill>
-                  <a:schemeClr val="tx1"/>
-                </a:solidFill>
-                <a:latin typeface="Andale Mono"/>
-                <a:ea typeface="Andale Mono"/>
-                <a:cs typeface="Andale Mono"/>
-              </a:rPr>
-              <a:t>function</a:t>
-            </a:r>
-            <a:r>
-              <a:rPr lang="en-US" sz="2500" b="0" i="0" u="none" strike="noStrike" cap="none" spc="0">
-                <a:solidFill>
-                  <a:schemeClr val="tx1"/>
-                </a:solidFill>
-                <a:latin typeface="Andale Mono"/>
-                <a:ea typeface="Andale Mono"/>
-                <a:cs typeface="Andale Mono"/>
-              </a:rPr>
-              <a:t>(error, birthDataJSON) {</a:t>
-            </a:r>
-            <a:br>
-              <a:rPr lang="en-US" sz="2500" b="0" i="0" u="none" strike="noStrike" cap="none" spc="0">
-                <a:solidFill>
-                  <a:schemeClr val="tx1"/>
-                </a:solidFill>
-                <a:latin typeface="Andale Mono"/>
-                <a:ea typeface="Andale Mono"/>
-                <a:cs typeface="Andale Mono"/>
-              </a:rPr>
-            </a:br>
-            <a:r>
-              <a:rPr lang="en-US" sz="2500" b="0" i="0" u="none" strike="noStrike" cap="none" spc="0">
-                <a:solidFill>
-                  <a:schemeClr val="tx1"/>
-                </a:solidFill>
-                <a:latin typeface="Andale Mono"/>
-                <a:ea typeface="Andale Mono"/>
-                <a:cs typeface="Andale Mono"/>
-              </a:rPr>
-              <a:t>	</a:t>
-            </a:r>
-            <a:r>
-              <a:rPr lang="en-US" sz="2500" b="0" i="0" u="none" strike="noStrike" cap="none" spc="0">
-                <a:solidFill>
-                  <a:schemeClr val="tx1"/>
-                </a:solidFill>
-                <a:latin typeface="Andale Mono"/>
-                <a:ea typeface="Andale Mono"/>
-                <a:cs typeface="Andale Mono"/>
-              </a:rPr>
-              <a:t>	</a:t>
-            </a:r>
-            <a:r>
-              <a:rPr lang="en-US" sz="2500" b="0" i="0" u="none" strike="noStrike" cap="none" spc="0">
-                <a:solidFill>
-                  <a:schemeClr val="tx1"/>
-                </a:solidFill>
-                <a:latin typeface="Andale Mono"/>
-                <a:ea typeface="Andale Mono"/>
-                <a:cs typeface="Andale Mono"/>
-              </a:rPr>
-              <a:t>if</a:t>
-            </a:r>
-            <a:r>
-              <a:rPr lang="en-US" sz="2500" b="0" i="0" u="none" strike="noStrike" cap="none" spc="0">
-                <a:solidFill>
-                  <a:schemeClr val="tx1"/>
-                </a:solidFill>
-                <a:latin typeface="Andale Mono"/>
-                <a:ea typeface="Andale Mono"/>
-                <a:cs typeface="Andale Mono"/>
-              </a:rPr>
-              <a:t> (error) </a:t>
-            </a:r>
-            <a:r>
-              <a:rPr lang="en-US" sz="2500" b="0" i="0" u="none" strike="noStrike" cap="none" spc="0">
-                <a:solidFill>
-                  <a:schemeClr val="tx1"/>
-                </a:solidFill>
-                <a:latin typeface="Andale Mono"/>
-                <a:ea typeface="Andale Mono"/>
-                <a:cs typeface="Andale Mono"/>
-              </a:rPr>
-              <a:t>throw</a:t>
-            </a:r>
-            <a:r>
-              <a:rPr lang="en-US" sz="2500" b="0" i="0" u="none" strike="noStrike" cap="none" spc="0">
-                <a:solidFill>
-                  <a:schemeClr val="tx1"/>
-                </a:solidFill>
-                <a:latin typeface="Andale Mono"/>
-                <a:ea typeface="Andale Mono"/>
-                <a:cs typeface="Andale Mono"/>
-              </a:rPr>
-              <a:t> error;</a:t>
-            </a:r>
-            <a:br>
-              <a:rPr lang="en-US" sz="2500" b="0" i="0" u="none" strike="noStrike" cap="none" spc="0">
-                <a:solidFill>
-                  <a:schemeClr val="tx1"/>
-                </a:solidFill>
-                <a:latin typeface="Andale Mono"/>
-                <a:ea typeface="Andale Mono"/>
-                <a:cs typeface="Andale Mono"/>
-              </a:rPr>
-            </a:br>
-            <a:r>
-              <a:rPr lang="en-US" sz="2500" b="0" i="0" u="none" strike="noStrike" cap="none" spc="0">
-                <a:solidFill>
-                  <a:schemeClr val="tx1"/>
-                </a:solidFill>
-                <a:latin typeface="Andale Mono"/>
-                <a:ea typeface="Andale Mono"/>
-                <a:cs typeface="Andale Mono"/>
-              </a:rPr>
-              <a:t>...</a:t>
-            </a:r>
-            <a:endParaRPr lang="en-US" sz="2500" b="0" i="0" u="none" strike="noStrike" cap="none" spc="0">
-              <a:solidFill>
-                <a:schemeClr val="tx1"/>
+                <a:srgbClr val="000000"/>
               </a:solidFill>
               <a:latin typeface="Andale Mono"/>
               <a:ea typeface="Andale Mono"/>
@@ -8918,7 +10238,7 @@
       </p:grpSpPr>
       <p:sp>
         <p:nvSpPr>
-          <p:cNvPr id="373594982" name="Title 1" hidden="0"/>
+          <p:cNvPr id="984085507" name="Title 1" hidden="0"/>
           <p:cNvSpPr>
             <a:spLocks noGrp="1"/>
           </p:cNvSpPr>
@@ -8936,7 +10256,7 @@
             </a:pPr>
             <a:r>
               <a:rPr/>
-              <a:t>Update DOM with data</a:t>
+              <a:t>Fetch Data</a:t>
             </a:r>
             <a:endParaRPr/>
           </a:p>
@@ -8944,7 +10264,7 @@
       </p:sp>
       <p:sp>
         <p:nvSpPr>
-          <p:cNvPr id="744133481" name="Content Placeholder 2" hidden="0"/>
+          <p:cNvPr id="406797945" name="Content Placeholder 2" hidden="0"/>
           <p:cNvSpPr>
             <a:spLocks noGrp="1"/>
           </p:cNvSpPr>
@@ -8955,26 +10275,25 @@
         <p:spPr bwMode="auto"/>
         <p:txBody>
           <a:bodyPr vertOverflow="overflow" horzOverflow="clip" vert="horz" wrap="square" lIns="91440" tIns="45720" rIns="91440" bIns="45720" numCol="1" spcCol="0" rtlCol="0" fromWordArt="0" anchor="t" anchorCtr="0" forceAA="0" upright="0" compatLnSpc="0">
-            <a:normAutofit fontScale="85000" lnSpcReduction="3000"/>
+            <a:normAutofit fontScale="95000" lnSpcReduction="1000"/>
           </a:bodyPr>
           <a:lstStyle/>
           <a:p>
+            <a:pPr>
+              <a:defRPr/>
+            </a:pPr>
+            <a:r>
+              <a:rPr/>
+              <a:t>To fetch some data (several formats supported), queue request(s) for asynchronous retrieval into global variable birthData:</a:t>
+            </a:r>
+            <a:endParaRPr/>
+          </a:p>
+          <a:p>
             <a:pPr marL="0" indent="0">
               <a:buFont typeface="Arial"/>
               <a:buNone/>
               <a:defRPr/>
             </a:pPr>
-            <a:r>
-              <a:rPr lang="en-US" sz="2500" b="0" i="0" u="none" strike="noStrike" cap="none" spc="0">
-                <a:solidFill>
-                  <a:schemeClr val="tx1"/>
-                </a:solidFill>
-                <a:latin typeface="Andale Mono"/>
-                <a:ea typeface="Andale Mono"/>
-                <a:cs typeface="Andale Mono"/>
-              </a:rPr>
-              <a:t>	...</a:t>
-            </a:r>
             <a:endParaRPr lang="en-US" sz="2500" b="0" i="0" u="none" strike="noStrike" cap="none" spc="0">
               <a:solidFill>
                 <a:schemeClr val="tx1"/>
@@ -8999,7 +10318,7 @@
                 <a:ea typeface="Andale Mono"/>
                 <a:cs typeface="Andale Mono"/>
               </a:rPr>
-              <a:t>	</a:t>
+              <a:t>URL = </a:t>
             </a:r>
             <a:r>
               <a:rPr lang="en-US" sz="2500" b="0" i="0" u="none" strike="noStrike" cap="none" spc="0">
@@ -9010,255 +10329,7 @@
                 <a:ea typeface="Andale Mono"/>
                 <a:cs typeface="Andale Mono"/>
               </a:rPr>
-              <a:t>// Add data to our input selector:</a:t>
-            </a:r>
-            <a:br>
-              <a:rPr lang="en-US" sz="2500" b="0" i="0" u="none" strike="noStrike" cap="none" spc="0">
-                <a:solidFill>
-                  <a:schemeClr val="tx1"/>
-                </a:solidFill>
-                <a:latin typeface="Andale Mono"/>
-                <a:ea typeface="Andale Mono"/>
-                <a:cs typeface="Andale Mono"/>
-              </a:rPr>
-            </a:br>
-            <a:r>
-              <a:rPr lang="en-US" sz="2500" b="0" i="0" u="none" strike="noStrike" cap="none" spc="0">
-                <a:solidFill>
-                  <a:schemeClr val="tx1"/>
-                </a:solidFill>
-                <a:latin typeface="Andale Mono"/>
-                <a:ea typeface="Andale Mono"/>
-                <a:cs typeface="Andale Mono"/>
-              </a:rPr>
-              <a:t>	</a:t>
-            </a:r>
-            <a:r>
-              <a:rPr lang="en-US" sz="2500" b="0" i="0" u="none" strike="noStrike" cap="none" spc="0">
-                <a:solidFill>
-                  <a:schemeClr val="tx1"/>
-                </a:solidFill>
-                <a:latin typeface="Andale Mono"/>
-                <a:ea typeface="Andale Mono"/>
-                <a:cs typeface="Andale Mono"/>
-              </a:rPr>
-              <a:t>d3.select(</a:t>
-            </a:r>
-            <a:r>
-              <a:rPr lang="en-US" sz="2500" b="0" i="0" u="none" strike="noStrike" cap="none" spc="0">
-                <a:solidFill>
-                  <a:schemeClr val="tx1"/>
-                </a:solidFill>
-                <a:latin typeface="Andale Mono"/>
-                <a:ea typeface="Andale Mono"/>
-                <a:cs typeface="Andale Mono"/>
-              </a:rPr>
-              <a:t>“#inputYear”</a:t>
-            </a:r>
-            <a:r>
-              <a:rPr lang="en-US" sz="2500" b="0" i="0" u="none" strike="noStrike" cap="none" spc="0">
-                <a:solidFill>
-                  <a:schemeClr val="tx1"/>
-                </a:solidFill>
-                <a:latin typeface="Andale Mono"/>
-                <a:ea typeface="Andale Mono"/>
-                <a:cs typeface="Andale Mono"/>
-              </a:rPr>
-              <a:t>)</a:t>
-            </a:r>
-            <a:br>
-              <a:rPr lang="en-US" sz="2500" b="0" i="0" u="none" strike="noStrike" cap="none" spc="0">
-                <a:solidFill>
-                  <a:schemeClr val="tx1"/>
-                </a:solidFill>
-                <a:latin typeface="Andale Mono"/>
-                <a:ea typeface="Andale Mono"/>
-                <a:cs typeface="Andale Mono"/>
-              </a:rPr>
-            </a:br>
-            <a:r>
-              <a:rPr lang="en-US" sz="2500" b="0" i="0" u="none" strike="noStrike" cap="none" spc="0">
-                <a:solidFill>
-                  <a:schemeClr val="tx1"/>
-                </a:solidFill>
-                <a:latin typeface="Andale Mono"/>
-                <a:ea typeface="Andale Mono"/>
-                <a:cs typeface="Andale Mono"/>
-              </a:rPr>
-              <a:t>		</a:t>
-            </a:r>
-            <a:r>
-              <a:rPr lang="en-US" sz="2500" b="0" i="0" u="none" strike="noStrike" cap="none" spc="0">
-                <a:solidFill>
-                  <a:schemeClr val="tx1"/>
-                </a:solidFill>
-                <a:latin typeface="Andale Mono"/>
-                <a:ea typeface="Andale Mono"/>
-                <a:cs typeface="Andale Mono"/>
-              </a:rPr>
-              <a:t>.property(</a:t>
-            </a:r>
-            <a:r>
-              <a:rPr lang="en-US" sz="2500" b="0" i="0" u="none" strike="noStrike" cap="none" spc="0">
-                <a:solidFill>
-                  <a:schemeClr val="tx1"/>
-                </a:solidFill>
-                <a:latin typeface="Andale Mono"/>
-                <a:ea typeface="Andale Mono"/>
-                <a:cs typeface="Andale Mono"/>
-              </a:rPr>
-              <a:t>“min”</a:t>
-            </a:r>
-            <a:r>
-              <a:rPr lang="en-US" sz="2500" b="0" i="0" u="none" strike="noStrike" cap="none" spc="0">
-                <a:solidFill>
-                  <a:schemeClr val="tx1"/>
-                </a:solidFill>
-                <a:latin typeface="Andale Mono"/>
-                <a:ea typeface="Andale Mono"/>
-                <a:cs typeface="Andale Mono"/>
-              </a:rPr>
-              <a:t>, d3.min(birthData, d =&gt; (d.year))</a:t>
-            </a:r>
-            <a:br>
-              <a:rPr lang="en-US" sz="2500" b="0" i="0" u="none" strike="noStrike" cap="none" spc="0">
-                <a:solidFill>
-                  <a:schemeClr val="tx1"/>
-                </a:solidFill>
-                <a:latin typeface="Andale Mono"/>
-                <a:ea typeface="Andale Mono"/>
-                <a:cs typeface="Andale Mono"/>
-              </a:rPr>
-            </a:br>
-            <a:r>
-              <a:rPr lang="en-US" sz="2500" b="0" i="0" u="none" strike="noStrike" cap="none" spc="0">
-                <a:solidFill>
-                  <a:schemeClr val="tx1"/>
-                </a:solidFill>
-                <a:latin typeface="Andale Mono"/>
-                <a:ea typeface="Andale Mono"/>
-                <a:cs typeface="Andale Mono"/>
-              </a:rPr>
-              <a:t>		</a:t>
-            </a:r>
-            <a:r>
-              <a:rPr lang="en-US" sz="2500" b="0" i="0" u="none" strike="noStrike" cap="none" spc="0">
-                <a:solidFill>
-                  <a:schemeClr val="tx1"/>
-                </a:solidFill>
-                <a:latin typeface="Andale Mono"/>
-                <a:ea typeface="Andale Mono"/>
-                <a:cs typeface="Andale Mono"/>
-              </a:rPr>
-              <a:t>.property(</a:t>
-            </a:r>
-            <a:r>
-              <a:rPr lang="en-US" sz="2500" b="0" i="0" u="none" strike="noStrike" cap="none" spc="0">
-                <a:solidFill>
-                  <a:schemeClr val="tx1"/>
-                </a:solidFill>
-                <a:latin typeface="Andale Mono"/>
-                <a:ea typeface="Andale Mono"/>
-                <a:cs typeface="Andale Mono"/>
-              </a:rPr>
-              <a:t>“max”</a:t>
-            </a:r>
-            <a:r>
-              <a:rPr lang="en-US" sz="2500" b="0" i="0" u="none" strike="noStrike" cap="none" spc="0">
-                <a:solidFill>
-                  <a:schemeClr val="tx1"/>
-                </a:solidFill>
-                <a:latin typeface="Andale Mono"/>
-                <a:ea typeface="Andale Mono"/>
-                <a:cs typeface="Andale Mono"/>
-              </a:rPr>
-              <a:t>, d3.max(birthData, d =&gt; (d.year))</a:t>
-            </a:r>
-            <a:br>
-              <a:rPr lang="en-US" sz="2500" b="0" i="0" u="none" strike="noStrike" cap="none" spc="0">
-                <a:solidFill>
-                  <a:schemeClr val="tx1"/>
-                </a:solidFill>
-                <a:latin typeface="Andale Mono"/>
-                <a:ea typeface="Andale Mono"/>
-                <a:cs typeface="Andale Mono"/>
-              </a:rPr>
-            </a:br>
-            <a:r>
-              <a:rPr lang="en-US" sz="2500" b="0" i="0" u="none" strike="noStrike" cap="none" spc="0">
-                <a:solidFill>
-                  <a:schemeClr val="tx1"/>
-                </a:solidFill>
-                <a:latin typeface="Andale Mono"/>
-                <a:ea typeface="Andale Mono"/>
-                <a:cs typeface="Andale Mono"/>
-              </a:rPr>
-              <a:t>		</a:t>
-            </a:r>
-            <a:r>
-              <a:rPr lang="en-US" sz="2500" b="0" i="0" u="none" strike="noStrike" cap="none" spc="0">
-                <a:solidFill>
-                  <a:schemeClr val="tx1"/>
-                </a:solidFill>
-                <a:latin typeface="Andale Mono"/>
-                <a:ea typeface="Andale Mono"/>
-                <a:cs typeface="Andale Mono"/>
-              </a:rPr>
-              <a:t>.property(</a:t>
-            </a:r>
-            <a:r>
-              <a:rPr lang="en-US" sz="2500" b="0" i="0" u="none" strike="noStrike" cap="none" spc="0">
-                <a:solidFill>
-                  <a:schemeClr val="tx1"/>
-                </a:solidFill>
-                <a:latin typeface="Andale Mono"/>
-                <a:ea typeface="Andale Mono"/>
-                <a:cs typeface="Andale Mono"/>
-              </a:rPr>
-              <a:t>“value”</a:t>
-            </a:r>
-            <a:r>
-              <a:rPr lang="en-US" sz="2500" b="0" i="0" u="none" strike="noStrike" cap="none" spc="0">
-                <a:solidFill>
-                  <a:schemeClr val="tx1"/>
-                </a:solidFill>
-                <a:latin typeface="Andale Mono"/>
-                <a:ea typeface="Andale Mono"/>
-                <a:cs typeface="Andale Mono"/>
-              </a:rPr>
-              <a:t>, minYear</a:t>
-            </a:r>
-            <a:r>
-              <a:rPr lang="en-US" sz="2500" b="0" i="0" u="none" strike="noStrike" cap="none" spc="0">
-                <a:solidFill>
-                  <a:schemeClr val="tx1"/>
-                </a:solidFill>
-                <a:latin typeface="Andale Mono"/>
-                <a:ea typeface="Andale Mono"/>
-                <a:cs typeface="Andale Mono"/>
-              </a:rPr>
-              <a:t>)</a:t>
-            </a:r>
-            <a:br>
-              <a:rPr lang="en-US" sz="2500" b="0" i="0" u="none" strike="noStrike" cap="none" spc="0">
-                <a:solidFill>
-                  <a:schemeClr val="tx1"/>
-                </a:solidFill>
-                <a:latin typeface="Andale Mono"/>
-                <a:ea typeface="Andale Mono"/>
-                <a:cs typeface="Andale Mono"/>
-              </a:rPr>
-            </a:br>
-            <a:r>
-              <a:rPr lang="en-US" sz="2500" b="0" i="0" u="none" strike="noStrike" cap="none" spc="0">
-                <a:solidFill>
-                  <a:schemeClr val="tx1"/>
-                </a:solidFill>
-                <a:latin typeface="Andale Mono"/>
-                <a:ea typeface="Andale Mono"/>
-                <a:cs typeface="Andale Mono"/>
-              </a:rPr>
-              <a:t>		</a:t>
+              <a:t>“http://bclug.ca:8008/d3/kwlug/bar-chart/birthData-JSON.js”</a:t>
             </a:r>
             <a:r>
               <a:rPr lang="en-US" sz="2500" b="0" i="0" u="none" strike="noStrike" cap="none" spc="0">
@@ -9286,178 +10357,6 @@
               <a:buNone/>
               <a:defRPr/>
             </a:pPr>
-            <a:r>
-              <a:rPr lang="en-US" sz="2500" b="0" i="0" u="none" strike="noStrike" cap="none" spc="0">
-                <a:solidFill>
-                  <a:schemeClr val="tx1"/>
-                </a:solidFill>
-                <a:latin typeface="Andale Mono"/>
-                <a:ea typeface="Andale Mono"/>
-                <a:cs typeface="Andale Mono"/>
-              </a:rPr>
-              <a:t>	// Update input selector’s label</a:t>
-            </a:r>
-            <a:br>
-              <a:rPr lang="en-US" sz="2500" b="0" i="0" u="none" strike="noStrike" cap="none" spc="0">
-                <a:solidFill>
-                  <a:schemeClr val="tx1"/>
-                </a:solidFill>
-                <a:latin typeface="Andale Mono"/>
-                <a:ea typeface="Andale Mono"/>
-                <a:cs typeface="Andale Mono"/>
-              </a:rPr>
-            </a:br>
-            <a:r>
-              <a:rPr lang="en-US" sz="2500" b="0" i="0" u="none" strike="noStrike" cap="none" spc="0">
-                <a:solidFill>
-                  <a:schemeClr val="tx1"/>
-                </a:solidFill>
-                <a:latin typeface="Andale Mono"/>
-                <a:ea typeface="Andale Mono"/>
-                <a:cs typeface="Andale Mono"/>
-              </a:rPr>
-              <a:t>	</a:t>
-            </a:r>
-            <a:r>
-              <a:rPr lang="en-US" sz="2500" b="0" i="0" u="none" strike="noStrike" cap="none" spc="0">
-                <a:solidFill>
-                  <a:schemeClr val="tx1"/>
-                </a:solidFill>
-                <a:latin typeface="Andale Mono"/>
-                <a:ea typeface="Andale Mono"/>
-                <a:cs typeface="Andale Mono"/>
-              </a:rPr>
-              <a:t>d3.select(</a:t>
-            </a:r>
-            <a:r>
-              <a:rPr lang="en-US" sz="2500" b="0" i="0" u="none" strike="noStrike" cap="none" spc="0">
-                <a:solidFill>
-                  <a:schemeClr val="tx1"/>
-                </a:solidFill>
-                <a:latin typeface="Andale Mono"/>
-                <a:ea typeface="Andale Mono"/>
-                <a:cs typeface="Andale Mono"/>
-              </a:rPr>
-              <a:t>“label”</a:t>
-            </a:r>
-            <a:r>
-              <a:rPr lang="en-US" sz="2500" b="0" i="0" u="none" strike="noStrike" cap="none" spc="0">
-                <a:solidFill>
-                  <a:schemeClr val="tx1"/>
-                </a:solidFill>
-                <a:latin typeface="Andale Mono"/>
-                <a:ea typeface="Andale Mono"/>
-                <a:cs typeface="Andale Mono"/>
-              </a:rPr>
-              <a:t>)</a:t>
-            </a:r>
-            <a:br>
-              <a:rPr lang="en-US" sz="2500" b="0" i="0" u="none" strike="noStrike" cap="none" spc="0">
-                <a:solidFill>
-                  <a:schemeClr val="tx1"/>
-                </a:solidFill>
-                <a:latin typeface="Andale Mono"/>
-                <a:ea typeface="Andale Mono"/>
-                <a:cs typeface="Andale Mono"/>
-              </a:rPr>
-            </a:br>
-            <a:r>
-              <a:rPr lang="en-US" sz="2500" b="0" i="0" u="none" strike="noStrike" cap="none" spc="0">
-                <a:solidFill>
-                  <a:schemeClr val="tx1"/>
-                </a:solidFill>
-                <a:latin typeface="Andale Mono"/>
-                <a:ea typeface="Andale Mono"/>
-                <a:cs typeface="Andale Mono"/>
-              </a:rPr>
-              <a:t>		</a:t>
-            </a:r>
-            <a:r>
-              <a:rPr lang="en-US" sz="2500" b="0" i="0" u="none" strike="noStrike" cap="none" spc="0">
-                <a:solidFill>
-                  <a:schemeClr val="tx1"/>
-                </a:solidFill>
-                <a:latin typeface="Andale Mono"/>
-                <a:ea typeface="Andale Mono"/>
-                <a:cs typeface="Andale Mono"/>
-              </a:rPr>
-              <a:t>.text(</a:t>
-            </a:r>
-            <a:r>
-              <a:rPr lang="en-US" sz="2500" b="0" i="0" u="none" strike="noStrike" cap="none" spc="0">
-                <a:solidFill>
-                  <a:schemeClr val="tx1"/>
-                </a:solidFill>
-                <a:latin typeface="Andale Mono"/>
-                <a:ea typeface="Andale Mono"/>
-                <a:cs typeface="Andale Mono"/>
-              </a:rPr>
-              <a:t>`${minYear} &lt;— Year Range —&gt; ${maxYear}`</a:t>
-            </a:r>
-            <a:r>
-              <a:rPr lang="en-US" sz="2500" b="0" i="0" u="none" strike="noStrike" cap="none" spc="0">
-                <a:solidFill>
-                  <a:schemeClr val="tx1"/>
-                </a:solidFill>
-                <a:latin typeface="Andale Mono"/>
-                <a:ea typeface="Andale Mono"/>
-                <a:cs typeface="Andale Mono"/>
-              </a:rPr>
-              <a:t>)</a:t>
-            </a:r>
-            <a:br>
-              <a:rPr lang="en-US" sz="2500" b="0" i="0" u="none" strike="noStrike" cap="none" spc="0">
-                <a:solidFill>
-                  <a:schemeClr val="tx1"/>
-                </a:solidFill>
-                <a:latin typeface="Andale Mono"/>
-                <a:ea typeface="Andale Mono"/>
-                <a:cs typeface="Andale Mono"/>
-              </a:rPr>
-            </a:br>
-            <a:r>
-              <a:rPr lang="en-US" sz="2500" b="0" i="0" u="none" strike="noStrike" cap="none" spc="0">
-                <a:solidFill>
-                  <a:schemeClr val="tx1"/>
-                </a:solidFill>
-                <a:latin typeface="Andale Mono"/>
-                <a:ea typeface="Andale Mono"/>
-                <a:cs typeface="Andale Mono"/>
-              </a:rPr>
-              <a:t>		</a:t>
-            </a:r>
-            <a:r>
-              <a:rPr lang="en-US" sz="2500" b="0" i="0" u="none" strike="noStrike" cap="none" spc="0">
-                <a:solidFill>
-                  <a:schemeClr val="tx1"/>
-                </a:solidFill>
-                <a:latin typeface="Andale Mono"/>
-                <a:ea typeface="Andale Mono"/>
-                <a:cs typeface="Andale Mono"/>
-              </a:rPr>
-              <a:t>;</a:t>
-            </a:r>
-            <a:br>
-              <a:rPr lang="en-US" sz="2500" b="0" i="0" u="none" strike="noStrike" cap="none" spc="0">
-                <a:solidFill>
-                  <a:schemeClr val="tx1"/>
-                </a:solidFill>
-                <a:latin typeface="Andale Mono"/>
-                <a:ea typeface="Andale Mono"/>
-                <a:cs typeface="Andale Mono"/>
-              </a:rPr>
-            </a:br>
-            <a:r>
-              <a:rPr lang="en-US" sz="2500" b="0" i="0" u="none" strike="noStrike" cap="none" spc="0">
-                <a:solidFill>
-                  <a:schemeClr val="tx1"/>
-                </a:solidFill>
-                <a:latin typeface="Andale Mono"/>
-                <a:ea typeface="Andale Mono"/>
-                <a:cs typeface="Andale Mono"/>
-              </a:rPr>
-              <a:t>	})</a:t>
-            </a:r>
             <a:endParaRPr lang="en-US" sz="2500" b="0" i="0" u="none" strike="noStrike" cap="none" spc="0">
               <a:solidFill>
                 <a:schemeClr val="tx1"/>
@@ -9468,27 +10367,239 @@
             </a:endParaRPr>
           </a:p>
           <a:p>
-            <a:pPr>
-              <a:defRPr/>
-            </a:pPr>
-            <a:r>
-              <a:rPr lang="en-US" sz="2800" b="0" i="0" u="none" strike="noStrike" cap="none" spc="0">
-                <a:solidFill>
-                  <a:schemeClr val="tx1"/>
-                </a:solidFill>
-                <a:latin typeface="Arial"/>
-                <a:ea typeface="Arial"/>
-                <a:cs typeface="Arial"/>
-              </a:rPr>
-              <a:t>Updating DOM elements is easier with D3.js</a:t>
-            </a:r>
-            <a:endParaRPr lang="en-US" sz="2800" b="0" i="0" u="none" strike="noStrike" cap="none" spc="0">
+            <a:pPr marL="0" indent="0">
+              <a:buFont typeface="Arial"/>
+              <a:buNone/>
+              <a:defRPr/>
+            </a:pPr>
+            <a:r>
+              <a:rPr lang="en-US" sz="2500" b="0" i="0" u="none" strike="noStrike" cap="none" spc="0">
+                <a:solidFill>
+                  <a:schemeClr val="tx1"/>
+                </a:solidFill>
+                <a:latin typeface="Andale Mono"/>
+                <a:ea typeface="Andale Mono"/>
+                <a:cs typeface="Andale Mono"/>
+              </a:rPr>
+              <a:t>d3.queue()</a:t>
+            </a:r>
+            <a:endParaRPr lang="en-US" sz="2500" b="0" i="0" u="none" strike="noStrike" cap="none" spc="0">
               <a:solidFill>
                 <a:schemeClr val="tx1"/>
               </a:solidFill>
-              <a:latin typeface="Arial"/>
-              <a:ea typeface="Arial"/>
-              <a:cs typeface="Arial"/>
+              <a:latin typeface="Andale Mono"/>
+              <a:ea typeface="Andale Mono"/>
+              <a:cs typeface="Andale Mono"/>
+            </a:endParaRPr>
+          </a:p>
+          <a:p>
+            <a:pPr marL="0" indent="0">
+              <a:buFont typeface="Arial"/>
+              <a:buNone/>
+              <a:defRPr/>
+            </a:pPr>
+            <a:r>
+              <a:rPr lang="en-US" sz="2500" b="0" i="0" u="none" strike="noStrike" cap="none" spc="0">
+                <a:solidFill>
+                  <a:schemeClr val="tx1"/>
+                </a:solidFill>
+                <a:latin typeface="Andale Mono"/>
+                <a:ea typeface="Andale Mono"/>
+                <a:cs typeface="Andale Mono"/>
+              </a:rPr>
+              <a:t>	.defer(d3.json, URL</a:t>
+            </a:r>
+            <a:r>
+              <a:rPr lang="en-US" sz="2500" b="0" i="0" u="none" strike="noStrike" cap="none" spc="0">
+                <a:solidFill>
+                  <a:schemeClr val="tx1"/>
+                </a:solidFill>
+                <a:latin typeface="Andale Mono"/>
+                <a:ea typeface="Andale Mono"/>
+                <a:cs typeface="Andale Mono"/>
+              </a:rPr>
+              <a:t>)</a:t>
+            </a:r>
+            <a:br>
+              <a:rPr lang="en-US" sz="2500" b="0" i="0" u="none" strike="noStrike" cap="none" spc="0">
+                <a:solidFill>
+                  <a:schemeClr val="tx1"/>
+                </a:solidFill>
+                <a:latin typeface="Andale Mono"/>
+                <a:ea typeface="Andale Mono"/>
+                <a:cs typeface="Andale Mono"/>
+              </a:rPr>
+            </a:br>
+            <a:r>
+              <a:rPr lang="en-US" sz="2500" b="0" i="0" u="none" strike="noStrike" cap="none" spc="0">
+                <a:solidFill>
+                  <a:schemeClr val="tx1"/>
+                </a:solidFill>
+                <a:latin typeface="Andale Mono"/>
+                <a:ea typeface="Andale Mono"/>
+                <a:cs typeface="Andale Mono"/>
+              </a:rPr>
+              <a:t>	</a:t>
+            </a:r>
+            <a:r>
+              <a:rPr lang="en-US" sz="2500" b="0" i="0" u="none" strike="noStrike" cap="none" spc="0">
+                <a:solidFill>
+                  <a:schemeClr val="tx1"/>
+                </a:solidFill>
+                <a:latin typeface="Andale Mono"/>
+                <a:ea typeface="Andale Mono"/>
+                <a:cs typeface="Andale Mono"/>
+              </a:rPr>
+              <a:t>.</a:t>
+            </a:r>
+            <a:r>
+              <a:rPr lang="en-US" sz="2500" b="0" i="0" u="none" strike="noStrike" cap="none" spc="0">
+                <a:solidFill>
+                  <a:schemeClr val="tx1"/>
+                </a:solidFill>
+                <a:latin typeface="Andale Mono"/>
+                <a:ea typeface="Andale Mono"/>
+                <a:cs typeface="Andale Mono"/>
+              </a:rPr>
+              <a:t>await</a:t>
+            </a:r>
+            <a:r>
+              <a:rPr lang="en-US" sz="2500" b="0" i="0" u="none" strike="noStrike" cap="none" spc="0">
+                <a:solidFill>
+                  <a:schemeClr val="tx1"/>
+                </a:solidFill>
+                <a:latin typeface="Andale Mono"/>
+                <a:ea typeface="Andale Mono"/>
+                <a:cs typeface="Andale Mono"/>
+              </a:rPr>
+              <a:t>(</a:t>
+            </a:r>
+            <a:r>
+              <a:rPr lang="en-US" sz="2500" b="0" i="0" u="none" strike="noStrike" cap="none" spc="0">
+                <a:solidFill>
+                  <a:schemeClr val="tx1"/>
+                </a:solidFill>
+                <a:latin typeface="Andale Mono"/>
+                <a:ea typeface="Andale Mono"/>
+                <a:cs typeface="Andale Mono"/>
+              </a:rPr>
+              <a:t>function</a:t>
+            </a:r>
+            <a:r>
+              <a:rPr lang="en-US" sz="2500" b="0" i="0" u="none" strike="noStrike" cap="none" spc="0">
+                <a:solidFill>
+                  <a:schemeClr val="tx1"/>
+                </a:solidFill>
+                <a:latin typeface="Andale Mono"/>
+                <a:ea typeface="Andale Mono"/>
+                <a:cs typeface="Andale Mono"/>
+              </a:rPr>
+              <a:t>(error, birthData) {</a:t>
+            </a:r>
+            <a:br>
+              <a:rPr lang="en-US" sz="2500" b="0" i="0" u="none" strike="noStrike" cap="none" spc="0">
+                <a:solidFill>
+                  <a:schemeClr val="tx1"/>
+                </a:solidFill>
+                <a:latin typeface="Andale Mono"/>
+                <a:ea typeface="Andale Mono"/>
+                <a:cs typeface="Andale Mono"/>
+              </a:rPr>
+            </a:br>
+            <a:r>
+              <a:rPr lang="en-US" sz="2500" b="0" i="0" u="none" strike="noStrike" cap="none" spc="0">
+                <a:solidFill>
+                  <a:schemeClr val="tx1"/>
+                </a:solidFill>
+                <a:latin typeface="Andale Mono"/>
+                <a:ea typeface="Andale Mono"/>
+                <a:cs typeface="Andale Mono"/>
+              </a:rPr>
+              <a:t>	</a:t>
+            </a:r>
+            <a:r>
+              <a:rPr lang="en-US" sz="2500" b="0" i="0" u="none" strike="noStrike" cap="none" spc="0">
+                <a:solidFill>
+                  <a:schemeClr val="tx1"/>
+                </a:solidFill>
+                <a:latin typeface="Andale Mono"/>
+                <a:ea typeface="Andale Mono"/>
+                <a:cs typeface="Andale Mono"/>
+              </a:rPr>
+              <a:t>	</a:t>
+            </a:r>
+            <a:r>
+              <a:rPr lang="en-US" sz="2500" b="0" i="0" u="none" strike="noStrike" cap="none" spc="0">
+                <a:solidFill>
+                  <a:schemeClr val="tx1"/>
+                </a:solidFill>
+                <a:latin typeface="Andale Mono"/>
+                <a:ea typeface="Andale Mono"/>
+                <a:cs typeface="Andale Mono"/>
+              </a:rPr>
+              <a:t>if</a:t>
+            </a:r>
+            <a:r>
+              <a:rPr lang="en-US" sz="2500" b="0" i="0" u="none" strike="noStrike" cap="none" spc="0">
+                <a:solidFill>
+                  <a:schemeClr val="tx1"/>
+                </a:solidFill>
+                <a:latin typeface="Andale Mono"/>
+                <a:ea typeface="Andale Mono"/>
+                <a:cs typeface="Andale Mono"/>
+              </a:rPr>
+              <a:t> (error) </a:t>
+            </a:r>
+            <a:r>
+              <a:rPr lang="en-US" sz="2500" b="0" i="0" u="none" strike="noStrike" cap="none" spc="0">
+                <a:solidFill>
+                  <a:schemeClr val="tx1"/>
+                </a:solidFill>
+                <a:latin typeface="Andale Mono"/>
+                <a:ea typeface="Andale Mono"/>
+                <a:cs typeface="Andale Mono"/>
+              </a:rPr>
+              <a:t>throw</a:t>
+            </a:r>
+            <a:r>
+              <a:rPr lang="en-US" sz="2500" b="0" i="0" u="none" strike="noStrike" cap="none" spc="0">
+                <a:solidFill>
+                  <a:schemeClr val="tx1"/>
+                </a:solidFill>
+                <a:latin typeface="Andale Mono"/>
+                <a:ea typeface="Andale Mono"/>
+                <a:cs typeface="Andale Mono"/>
+              </a:rPr>
+              <a:t> error;</a:t>
+            </a:r>
+            <a:br>
+              <a:rPr lang="en-US" sz="2500" b="0" i="0" u="none" strike="noStrike" cap="none" spc="0">
+                <a:solidFill>
+                  <a:schemeClr val="tx1"/>
+                </a:solidFill>
+                <a:latin typeface="Andale Mono"/>
+                <a:ea typeface="Andale Mono"/>
+                <a:cs typeface="Andale Mono"/>
+              </a:rPr>
+            </a:br>
+            <a:r>
+              <a:rPr lang="en-US" sz="2500" b="0" i="0" u="none" strike="noStrike" cap="none" spc="0">
+                <a:solidFill>
+                  <a:schemeClr val="tx1"/>
+                </a:solidFill>
+                <a:latin typeface="Andale Mono"/>
+                <a:ea typeface="Andale Mono"/>
+                <a:cs typeface="Andale Mono"/>
+              </a:rPr>
+              <a:t>...</a:t>
+            </a:r>
+            <a:endParaRPr lang="en-US" sz="2500" b="0" i="0" u="none" strike="noStrike" cap="none" spc="0">
+              <a:solidFill>
+                <a:schemeClr val="tx1"/>
+              </a:solidFill>
+              <a:latin typeface="Andale Mono"/>
+              <a:ea typeface="Andale Mono"/>
+              <a:cs typeface="Andale Mono"/>
             </a:endParaRPr>
           </a:p>
         </p:txBody>
@@ -9532,7 +10643,7 @@
       </p:grpSpPr>
       <p:sp>
         <p:nvSpPr>
-          <p:cNvPr id="1044949505" name="Title 1" hidden="0"/>
+          <p:cNvPr id="373594982" name="Title 1" hidden="0"/>
           <p:cNvSpPr>
             <a:spLocks noGrp="1"/>
           </p:cNvSpPr>
@@ -9540,26 +10651,17 @@
             <p:ph type="title" hasCustomPrompt="0"/>
           </p:nvPr>
         </p:nvSpPr>
-        <p:spPr bwMode="auto">
-          <a:xfrm>
-            <a:off x="831849" y="1709737"/>
-            <a:ext cx="10515600" cy="2852736"/>
-          </a:xfrm>
-        </p:spPr>
-        <p:txBody>
-          <a:bodyPr anchor="b"/>
-          <a:lstStyle>
-            <a:lvl1pPr>
-              <a:defRPr sz="6000"/>
-            </a:lvl1pPr>
-          </a:lstStyle>
+        <p:spPr bwMode="auto"/>
+        <p:txBody>
+          <a:bodyPr/>
+          <a:lstStyle/>
           <a:p>
             <a:pPr>
               <a:defRPr/>
             </a:pPr>
             <a:r>
               <a:rPr/>
-              <a:t>Page 3</a:t>
+              <a:t>Update DOM with data</a:t>
             </a:r>
             <a:endParaRPr/>
           </a:p>
@@ -9567,132 +10669,552 @@
       </p:sp>
       <p:sp>
         <p:nvSpPr>
-          <p:cNvPr id="890947534" name="Text Placeholder 2" hidden="0"/>
-          <p:cNvSpPr>
-            <a:spLocks noGrp="1"/>
-          </p:cNvSpPr>
-          <p:nvPr isPhoto="0" userDrawn="0">
-            <p:ph type="body" idx="1" hasCustomPrompt="0"/>
-          </p:nvPr>
-        </p:nvSpPr>
-        <p:spPr bwMode="auto">
-          <a:xfrm>
-            <a:off x="831849" y="4589462"/>
-            <a:ext cx="10515600" cy="1500186"/>
-          </a:xfrm>
-        </p:spPr>
-        <p:txBody>
-          <a:bodyPr/>
-          <a:lstStyle>
-            <a:lvl1pPr marL="0" indent="0">
-              <a:buNone/>
-              <a:defRPr sz="2400">
-                <a:solidFill>
-                  <a:schemeClr val="tx1">
-                    <a:tint val="75000"/>
-                  </a:schemeClr>
-                </a:solidFill>
-              </a:defRPr>
-            </a:lvl1pPr>
-            <a:lvl2pPr marL="457200" indent="0">
-              <a:buNone/>
-              <a:defRPr sz="2000">
-                <a:solidFill>
-                  <a:schemeClr val="tx1">
-                    <a:tint val="75000"/>
-                  </a:schemeClr>
-                </a:solidFill>
-              </a:defRPr>
-            </a:lvl2pPr>
-            <a:lvl3pPr marL="914400" indent="0">
-              <a:buNone/>
-              <a:defRPr sz="1800">
-                <a:solidFill>
-                  <a:schemeClr val="tx1">
-                    <a:tint val="75000"/>
-                  </a:schemeClr>
-                </a:solidFill>
-              </a:defRPr>
-            </a:lvl3pPr>
-            <a:lvl4pPr marL="1371600" indent="0">
-              <a:buNone/>
-              <a:defRPr sz="1600">
-                <a:solidFill>
-                  <a:schemeClr val="tx1">
-                    <a:tint val="75000"/>
-                  </a:schemeClr>
-                </a:solidFill>
-              </a:defRPr>
-            </a:lvl4pPr>
-            <a:lvl5pPr marL="1828800" indent="0">
-              <a:buNone/>
-              <a:defRPr sz="1600">
-                <a:solidFill>
-                  <a:schemeClr val="tx1">
-                    <a:tint val="75000"/>
-                  </a:schemeClr>
-                </a:solidFill>
-              </a:defRPr>
-            </a:lvl5pPr>
-            <a:lvl6pPr marL="2286000" indent="0">
-              <a:buNone/>
-              <a:defRPr sz="1600">
-                <a:solidFill>
-                  <a:schemeClr val="tx1">
-                    <a:tint val="75000"/>
-                  </a:schemeClr>
-                </a:solidFill>
-              </a:defRPr>
-            </a:lvl6pPr>
-            <a:lvl7pPr marL="2743200" indent="0">
-              <a:buNone/>
-              <a:defRPr sz="1600">
-                <a:solidFill>
-                  <a:schemeClr val="tx1">
-                    <a:tint val="75000"/>
-                  </a:schemeClr>
-                </a:solidFill>
-              </a:defRPr>
-            </a:lvl7pPr>
-            <a:lvl8pPr marL="3200400" indent="0">
-              <a:buNone/>
-              <a:defRPr sz="1600">
-                <a:solidFill>
-                  <a:schemeClr val="tx1">
-                    <a:tint val="75000"/>
-                  </a:schemeClr>
-                </a:solidFill>
-              </a:defRPr>
-            </a:lvl8pPr>
-            <a:lvl9pPr marL="3657600" indent="0">
-              <a:buNone/>
-              <a:defRPr sz="1600">
-                <a:solidFill>
-                  <a:schemeClr val="tx1">
-                    <a:tint val="75000"/>
-                  </a:schemeClr>
-                </a:solidFill>
-              </a:defRPr>
-            </a:lvl9pPr>
-          </a:lstStyle>
-          <a:p>
-            <a:pPr>
-              <a:defRPr/>
-            </a:pPr>
-            <a:r>
-              <a:rPr lang="en-US" sz="2400" b="0" i="0" u="none" strike="noStrike" cap="none" spc="0">
-                <a:solidFill>
-                  <a:schemeClr val="tx1">
-                    <a:tint val="75000"/>
-                  </a:schemeClr>
+          <p:cNvPr id="744133481" name="Content Placeholder 2" hidden="0"/>
+          <p:cNvSpPr>
+            <a:spLocks noGrp="1"/>
+          </p:cNvSpPr>
+          <p:nvPr isPhoto="0" userDrawn="0">
+            <p:ph idx="1" hasCustomPrompt="0"/>
+          </p:nvPr>
+        </p:nvSpPr>
+        <p:spPr bwMode="auto"/>
+        <p:txBody>
+          <a:bodyPr vertOverflow="overflow" horzOverflow="clip" vert="horz" wrap="square" lIns="91440" tIns="45720" rIns="91440" bIns="45720" numCol="1" spcCol="0" rtlCol="0" fromWordArt="0" anchor="t" anchorCtr="0" forceAA="0" upright="0" compatLnSpc="0">
+            <a:normAutofit fontScale="85000" lnSpcReduction="3000"/>
+          </a:bodyPr>
+          <a:lstStyle/>
+          <a:p>
+            <a:pPr marL="0" indent="0">
+              <a:buFont typeface="Arial"/>
+              <a:buNone/>
+              <a:defRPr/>
+            </a:pPr>
+            <a:r>
+              <a:rPr lang="en-US" sz="2500" b="0" i="0" u="none" strike="noStrike" cap="none" spc="0">
+                <a:solidFill>
+                  <a:schemeClr val="tx1"/>
+                </a:solidFill>
+                <a:latin typeface="Andale Mono"/>
+                <a:ea typeface="Andale Mono"/>
+                <a:cs typeface="Andale Mono"/>
+              </a:rPr>
+              <a:t>	...</a:t>
+            </a:r>
+            <a:endParaRPr lang="en-US" sz="2500" b="0" i="0" u="none" strike="noStrike" cap="none" spc="0">
+              <a:solidFill>
+                <a:schemeClr val="tx1"/>
+              </a:solidFill>
+              <a:latin typeface="Andale Mono"/>
+              <a:ea typeface="Andale Mono"/>
+              <a:cs typeface="Andale Mono"/>
+            </a:endParaRPr>
+          </a:p>
+          <a:p>
+            <a:pPr marL="0" indent="0">
+              <a:buFont typeface="Arial"/>
+              <a:buNone/>
+              <a:defRPr/>
+            </a:pPr>
+            <a:r>
+              <a:rPr lang="en-US" sz="2500" b="0" i="0" u="none" strike="noStrike" cap="none" spc="0">
+                <a:solidFill>
+                  <a:schemeClr val="tx1"/>
+                </a:solidFill>
+                <a:latin typeface="Andale Mono"/>
+                <a:ea typeface="Andale Mono"/>
+                <a:cs typeface="Andale Mono"/>
+              </a:rPr>
+              <a:t>	</a:t>
+            </a:r>
+            <a:r>
+              <a:rPr lang="en-US" sz="2500" b="0" i="0" u="none" strike="noStrike" cap="none" spc="0">
+                <a:solidFill>
+                  <a:schemeClr val="tx1"/>
+                </a:solidFill>
+                <a:latin typeface="Andale Mono"/>
+                <a:ea typeface="Andale Mono"/>
+                <a:cs typeface="Andale Mono"/>
+              </a:rPr>
+              <a:t>// Add data to our input selector:</a:t>
+            </a:r>
+            <a:br>
+              <a:rPr lang="en-US" sz="2500" b="0" i="0" u="none" strike="noStrike" cap="none" spc="0">
+                <a:solidFill>
+                  <a:schemeClr val="tx1"/>
+                </a:solidFill>
+                <a:latin typeface="Andale Mono"/>
+                <a:ea typeface="Andale Mono"/>
+                <a:cs typeface="Andale Mono"/>
+              </a:rPr>
+            </a:br>
+            <a:r>
+              <a:rPr lang="en-US" sz="2500" b="0" i="0" u="none" strike="noStrike" cap="none" spc="0">
+                <a:solidFill>
+                  <a:schemeClr val="tx1"/>
+                </a:solidFill>
+                <a:latin typeface="Andale Mono"/>
+                <a:ea typeface="Andale Mono"/>
+                <a:cs typeface="Andale Mono"/>
+              </a:rPr>
+              <a:t>	</a:t>
+            </a:r>
+            <a:r>
+              <a:rPr lang="en-US" sz="2500" b="0" i="0" u="none" strike="noStrike" cap="none" spc="0">
+                <a:solidFill>
+                  <a:schemeClr val="tx1"/>
+                </a:solidFill>
+                <a:latin typeface="Andale Mono"/>
+                <a:ea typeface="Andale Mono"/>
+                <a:cs typeface="Andale Mono"/>
+              </a:rPr>
+              <a:t>d3.select(</a:t>
+            </a:r>
+            <a:r>
+              <a:rPr lang="en-US" sz="2500" b="0" i="0" u="none" strike="noStrike" cap="none" spc="0">
+                <a:solidFill>
+                  <a:schemeClr val="tx1"/>
+                </a:solidFill>
+                <a:latin typeface="Andale Mono"/>
+                <a:ea typeface="Andale Mono"/>
+                <a:cs typeface="Andale Mono"/>
+              </a:rPr>
+              <a:t>“#inputYear”</a:t>
+            </a:r>
+            <a:r>
+              <a:rPr lang="en-US" sz="2500" b="0" i="0" u="none" strike="noStrike" cap="none" spc="0">
+                <a:solidFill>
+                  <a:schemeClr val="tx1"/>
+                </a:solidFill>
+                <a:latin typeface="Andale Mono"/>
+                <a:ea typeface="Andale Mono"/>
+                <a:cs typeface="Andale Mono"/>
+              </a:rPr>
+              <a:t>)</a:t>
+            </a:r>
+            <a:br>
+              <a:rPr lang="en-US" sz="2500" b="0" i="0" u="none" strike="noStrike" cap="none" spc="0">
+                <a:solidFill>
+                  <a:schemeClr val="tx1"/>
+                </a:solidFill>
+                <a:latin typeface="Andale Mono"/>
+                <a:ea typeface="Andale Mono"/>
+                <a:cs typeface="Andale Mono"/>
+              </a:rPr>
+            </a:br>
+            <a:r>
+              <a:rPr lang="en-US" sz="2500" b="0" i="0" u="none" strike="noStrike" cap="none" spc="0">
+                <a:solidFill>
+                  <a:schemeClr val="tx1"/>
+                </a:solidFill>
+                <a:latin typeface="Andale Mono"/>
+                <a:ea typeface="Andale Mono"/>
+                <a:cs typeface="Andale Mono"/>
+              </a:rPr>
+              <a:t>		</a:t>
+            </a:r>
+            <a:r>
+              <a:rPr lang="en-US" sz="2500" b="0" i="0" u="none" strike="noStrike" cap="none" spc="0">
+                <a:solidFill>
+                  <a:schemeClr val="tx1"/>
+                </a:solidFill>
+                <a:latin typeface="Andale Mono"/>
+                <a:ea typeface="Andale Mono"/>
+                <a:cs typeface="Andale Mono"/>
+              </a:rPr>
+              <a:t>.property(</a:t>
+            </a:r>
+            <a:r>
+              <a:rPr lang="en-US" sz="2500" b="0" i="0" u="none" strike="noStrike" cap="none" spc="0">
+                <a:solidFill>
+                  <a:schemeClr val="tx1"/>
+                </a:solidFill>
+                <a:latin typeface="Andale Mono"/>
+                <a:ea typeface="Andale Mono"/>
+                <a:cs typeface="Andale Mono"/>
+              </a:rPr>
+              <a:t>“min”</a:t>
+            </a:r>
+            <a:r>
+              <a:rPr lang="en-US" sz="2500" b="0" i="0" u="none" strike="noStrike" cap="none" spc="0">
+                <a:solidFill>
+                  <a:schemeClr val="tx1"/>
+                </a:solidFill>
+                <a:latin typeface="Andale Mono"/>
+                <a:ea typeface="Andale Mono"/>
+                <a:cs typeface="Andale Mono"/>
+              </a:rPr>
+              <a:t>, d3.min(birthData, d =&gt; (d.year))</a:t>
+            </a:r>
+            <a:br>
+              <a:rPr lang="en-US" sz="2500" b="0" i="0" u="none" strike="noStrike" cap="none" spc="0">
+                <a:solidFill>
+                  <a:schemeClr val="tx1"/>
+                </a:solidFill>
+                <a:latin typeface="Andale Mono"/>
+                <a:ea typeface="Andale Mono"/>
+                <a:cs typeface="Andale Mono"/>
+              </a:rPr>
+            </a:br>
+            <a:r>
+              <a:rPr lang="en-US" sz="2500" b="0" i="0" u="none" strike="noStrike" cap="none" spc="0">
+                <a:solidFill>
+                  <a:schemeClr val="tx1"/>
+                </a:solidFill>
+                <a:latin typeface="Andale Mono"/>
+                <a:ea typeface="Andale Mono"/>
+                <a:cs typeface="Andale Mono"/>
+              </a:rPr>
+              <a:t>		</a:t>
+            </a:r>
+            <a:r>
+              <a:rPr lang="en-US" sz="2500" b="0" i="0" u="none" strike="noStrike" cap="none" spc="0">
+                <a:solidFill>
+                  <a:schemeClr val="tx1"/>
+                </a:solidFill>
+                <a:latin typeface="Andale Mono"/>
+                <a:ea typeface="Andale Mono"/>
+                <a:cs typeface="Andale Mono"/>
+              </a:rPr>
+              <a:t>.property(</a:t>
+            </a:r>
+            <a:r>
+              <a:rPr lang="en-US" sz="2500" b="0" i="0" u="none" strike="noStrike" cap="none" spc="0">
+                <a:solidFill>
+                  <a:schemeClr val="tx1"/>
+                </a:solidFill>
+                <a:latin typeface="Andale Mono"/>
+                <a:ea typeface="Andale Mono"/>
+                <a:cs typeface="Andale Mono"/>
+              </a:rPr>
+              <a:t>“max”</a:t>
+            </a:r>
+            <a:r>
+              <a:rPr lang="en-US" sz="2500" b="0" i="0" u="none" strike="noStrike" cap="none" spc="0">
+                <a:solidFill>
+                  <a:schemeClr val="tx1"/>
+                </a:solidFill>
+                <a:latin typeface="Andale Mono"/>
+                <a:ea typeface="Andale Mono"/>
+                <a:cs typeface="Andale Mono"/>
+              </a:rPr>
+              <a:t>, d3.max(birthData, d =&gt; (d.year))</a:t>
+            </a:r>
+            <a:br>
+              <a:rPr lang="en-US" sz="2500" b="0" i="0" u="none" strike="noStrike" cap="none" spc="0">
+                <a:solidFill>
+                  <a:schemeClr val="tx1"/>
+                </a:solidFill>
+                <a:latin typeface="Andale Mono"/>
+                <a:ea typeface="Andale Mono"/>
+                <a:cs typeface="Andale Mono"/>
+              </a:rPr>
+            </a:br>
+            <a:r>
+              <a:rPr lang="en-US" sz="2500" b="0" i="0" u="none" strike="noStrike" cap="none" spc="0">
+                <a:solidFill>
+                  <a:schemeClr val="tx1"/>
+                </a:solidFill>
+                <a:latin typeface="Andale Mono"/>
+                <a:ea typeface="Andale Mono"/>
+                <a:cs typeface="Andale Mono"/>
+              </a:rPr>
+              <a:t>		</a:t>
+            </a:r>
+            <a:r>
+              <a:rPr lang="en-US" sz="2500" b="0" i="0" u="none" strike="noStrike" cap="none" spc="0">
+                <a:solidFill>
+                  <a:schemeClr val="tx1"/>
+                </a:solidFill>
+                <a:latin typeface="Andale Mono"/>
+                <a:ea typeface="Andale Mono"/>
+                <a:cs typeface="Andale Mono"/>
+              </a:rPr>
+              <a:t>.property(</a:t>
+            </a:r>
+            <a:r>
+              <a:rPr lang="en-US" sz="2500" b="0" i="0" u="none" strike="noStrike" cap="none" spc="0">
+                <a:solidFill>
+                  <a:schemeClr val="tx1"/>
+                </a:solidFill>
+                <a:latin typeface="Andale Mono"/>
+                <a:ea typeface="Andale Mono"/>
+                <a:cs typeface="Andale Mono"/>
+              </a:rPr>
+              <a:t>“value”</a:t>
+            </a:r>
+            <a:r>
+              <a:rPr lang="en-US" sz="2500" b="0" i="0" u="none" strike="noStrike" cap="none" spc="0">
+                <a:solidFill>
+                  <a:schemeClr val="tx1"/>
+                </a:solidFill>
+                <a:latin typeface="Andale Mono"/>
+                <a:ea typeface="Andale Mono"/>
+                <a:cs typeface="Andale Mono"/>
+              </a:rPr>
+              <a:t>, minYear</a:t>
+            </a:r>
+            <a:r>
+              <a:rPr lang="en-US" sz="2500" b="0" i="0" u="none" strike="noStrike" cap="none" spc="0">
+                <a:solidFill>
+                  <a:schemeClr val="tx1"/>
+                </a:solidFill>
+                <a:latin typeface="Andale Mono"/>
+                <a:ea typeface="Andale Mono"/>
+                <a:cs typeface="Andale Mono"/>
+              </a:rPr>
+              <a:t>)</a:t>
+            </a:r>
+            <a:br>
+              <a:rPr lang="en-US" sz="2500" b="0" i="0" u="none" strike="noStrike" cap="none" spc="0">
+                <a:solidFill>
+                  <a:schemeClr val="tx1"/>
+                </a:solidFill>
+                <a:latin typeface="Andale Mono"/>
+                <a:ea typeface="Andale Mono"/>
+                <a:cs typeface="Andale Mono"/>
+              </a:rPr>
+            </a:br>
+            <a:r>
+              <a:rPr lang="en-US" sz="2500" b="0" i="0" u="none" strike="noStrike" cap="none" spc="0">
+                <a:solidFill>
+                  <a:schemeClr val="tx1"/>
+                </a:solidFill>
+                <a:latin typeface="Andale Mono"/>
+                <a:ea typeface="Andale Mono"/>
+                <a:cs typeface="Andale Mono"/>
+              </a:rPr>
+              <a:t>		</a:t>
+            </a:r>
+            <a:r>
+              <a:rPr lang="en-US" sz="2500" b="0" i="0" u="none" strike="noStrike" cap="none" spc="0">
+                <a:solidFill>
+                  <a:schemeClr val="tx1"/>
+                </a:solidFill>
+                <a:latin typeface="Andale Mono"/>
+                <a:ea typeface="Andale Mono"/>
+                <a:cs typeface="Andale Mono"/>
+              </a:rPr>
+              <a:t>;</a:t>
+            </a:r>
+            <a:endParaRPr lang="en-US" sz="2500" b="0" i="0" u="none" strike="noStrike" cap="none" spc="0">
+              <a:solidFill>
+                <a:schemeClr val="tx1"/>
+              </a:solidFill>
+              <a:latin typeface="Andale Mono"/>
+              <a:ea typeface="Andale Mono"/>
+              <a:cs typeface="Andale Mono"/>
+            </a:endParaRPr>
+          </a:p>
+          <a:p>
+            <a:pPr marL="0" indent="0">
+              <a:buFont typeface="Arial"/>
+              <a:buNone/>
+              <a:defRPr/>
+            </a:pPr>
+            <a:r>
+              <a:rPr lang="en-US" sz="2500" b="0" i="0" u="none" strike="noStrike" cap="none" spc="0">
+                <a:solidFill>
+                  <a:schemeClr val="tx1"/>
+                </a:solidFill>
+                <a:latin typeface="Andale Mono"/>
+                <a:ea typeface="Andale Mono"/>
+                <a:cs typeface="Andale Mono"/>
+              </a:rPr>
+              <a:t>	// Update input selector’s label</a:t>
+            </a:r>
+            <a:br>
+              <a:rPr lang="en-US" sz="2500" b="0" i="0" u="none" strike="noStrike" cap="none" spc="0">
+                <a:solidFill>
+                  <a:schemeClr val="tx1"/>
+                </a:solidFill>
+                <a:latin typeface="Andale Mono"/>
+                <a:ea typeface="Andale Mono"/>
+                <a:cs typeface="Andale Mono"/>
+              </a:rPr>
+            </a:br>
+            <a:r>
+              <a:rPr lang="en-US" sz="2500" b="0" i="0" u="none" strike="noStrike" cap="none" spc="0">
+                <a:solidFill>
+                  <a:schemeClr val="tx1"/>
+                </a:solidFill>
+                <a:latin typeface="Andale Mono"/>
+                <a:ea typeface="Andale Mono"/>
+                <a:cs typeface="Andale Mono"/>
+              </a:rPr>
+              <a:t>	</a:t>
+            </a:r>
+            <a:r>
+              <a:rPr lang="en-US" sz="2500" b="0" i="0" u="none" strike="noStrike" cap="none" spc="0">
+                <a:solidFill>
+                  <a:schemeClr val="tx1"/>
+                </a:solidFill>
+                <a:latin typeface="Andale Mono"/>
+                <a:ea typeface="Andale Mono"/>
+                <a:cs typeface="Andale Mono"/>
+              </a:rPr>
+              <a:t>d3.select(</a:t>
+            </a:r>
+            <a:r>
+              <a:rPr lang="en-US" sz="2500" b="0" i="0" u="none" strike="noStrike" cap="none" spc="0">
+                <a:solidFill>
+                  <a:schemeClr val="tx1"/>
+                </a:solidFill>
+                <a:latin typeface="Andale Mono"/>
+                <a:ea typeface="Andale Mono"/>
+                <a:cs typeface="Andale Mono"/>
+              </a:rPr>
+              <a:t>“label”</a:t>
+            </a:r>
+            <a:r>
+              <a:rPr lang="en-US" sz="2500" b="0" i="0" u="none" strike="noStrike" cap="none" spc="0">
+                <a:solidFill>
+                  <a:schemeClr val="tx1"/>
+                </a:solidFill>
+                <a:latin typeface="Andale Mono"/>
+                <a:ea typeface="Andale Mono"/>
+                <a:cs typeface="Andale Mono"/>
+              </a:rPr>
+              <a:t>)</a:t>
+            </a:r>
+            <a:br>
+              <a:rPr lang="en-US" sz="2500" b="0" i="0" u="none" strike="noStrike" cap="none" spc="0">
+                <a:solidFill>
+                  <a:schemeClr val="tx1"/>
+                </a:solidFill>
+                <a:latin typeface="Andale Mono"/>
+                <a:ea typeface="Andale Mono"/>
+                <a:cs typeface="Andale Mono"/>
+              </a:rPr>
+            </a:br>
+            <a:r>
+              <a:rPr lang="en-US" sz="2500" b="0" i="0" u="none" strike="noStrike" cap="none" spc="0">
+                <a:solidFill>
+                  <a:schemeClr val="tx1"/>
+                </a:solidFill>
+                <a:latin typeface="Andale Mono"/>
+                <a:ea typeface="Andale Mono"/>
+                <a:cs typeface="Andale Mono"/>
+              </a:rPr>
+              <a:t>		</a:t>
+            </a:r>
+            <a:r>
+              <a:rPr lang="en-US" sz="2500" b="0" i="0" u="none" strike="noStrike" cap="none" spc="0">
+                <a:solidFill>
+                  <a:schemeClr val="tx1"/>
+                </a:solidFill>
+                <a:latin typeface="Andale Mono"/>
+                <a:ea typeface="Andale Mono"/>
+                <a:cs typeface="Andale Mono"/>
+              </a:rPr>
+              <a:t>.text(</a:t>
+            </a:r>
+            <a:r>
+              <a:rPr lang="en-US" sz="2500" b="0" i="0" u="none" strike="noStrike" cap="none" spc="0">
+                <a:solidFill>
+                  <a:schemeClr val="tx1"/>
+                </a:solidFill>
+                <a:latin typeface="Andale Mono"/>
+                <a:ea typeface="Andale Mono"/>
+                <a:cs typeface="Andale Mono"/>
+              </a:rPr>
+              <a:t>`${minYear} &lt;— Year Range —&gt; ${maxYear}`</a:t>
+            </a:r>
+            <a:r>
+              <a:rPr lang="en-US" sz="2500" b="0" i="0" u="none" strike="noStrike" cap="none" spc="0">
+                <a:solidFill>
+                  <a:schemeClr val="tx1"/>
+                </a:solidFill>
+                <a:latin typeface="Andale Mono"/>
+                <a:ea typeface="Andale Mono"/>
+                <a:cs typeface="Andale Mono"/>
+              </a:rPr>
+              <a:t>)</a:t>
+            </a:r>
+            <a:br>
+              <a:rPr lang="en-US" sz="2500" b="0" i="0" u="none" strike="noStrike" cap="none" spc="0">
+                <a:solidFill>
+                  <a:schemeClr val="tx1"/>
+                </a:solidFill>
+                <a:latin typeface="Andale Mono"/>
+                <a:ea typeface="Andale Mono"/>
+                <a:cs typeface="Andale Mono"/>
+              </a:rPr>
+            </a:br>
+            <a:r>
+              <a:rPr lang="en-US" sz="2500" b="0" i="0" u="none" strike="noStrike" cap="none" spc="0">
+                <a:solidFill>
+                  <a:schemeClr val="tx1"/>
+                </a:solidFill>
+                <a:latin typeface="Andale Mono"/>
+                <a:ea typeface="Andale Mono"/>
+                <a:cs typeface="Andale Mono"/>
+              </a:rPr>
+              <a:t>		</a:t>
+            </a:r>
+            <a:r>
+              <a:rPr lang="en-US" sz="2500" b="0" i="0" u="none" strike="noStrike" cap="none" spc="0">
+                <a:solidFill>
+                  <a:schemeClr val="tx1"/>
+                </a:solidFill>
+                <a:latin typeface="Andale Mono"/>
+                <a:ea typeface="Andale Mono"/>
+                <a:cs typeface="Andale Mono"/>
+              </a:rPr>
+              <a:t>;</a:t>
+            </a:r>
+            <a:br>
+              <a:rPr lang="en-US" sz="2500" b="0" i="0" u="none" strike="noStrike" cap="none" spc="0">
+                <a:solidFill>
+                  <a:schemeClr val="tx1"/>
+                </a:solidFill>
+                <a:latin typeface="Andale Mono"/>
+                <a:ea typeface="Andale Mono"/>
+                <a:cs typeface="Andale Mono"/>
+              </a:rPr>
+            </a:br>
+            <a:r>
+              <a:rPr lang="en-US" sz="2500" b="0" i="0" u="none" strike="noStrike" cap="none" spc="0">
+                <a:solidFill>
+                  <a:schemeClr val="tx1"/>
+                </a:solidFill>
+                <a:latin typeface="Andale Mono"/>
+                <a:ea typeface="Andale Mono"/>
+                <a:cs typeface="Andale Mono"/>
+              </a:rPr>
+              <a:t>	})</a:t>
+            </a:r>
+            <a:endParaRPr lang="en-US" sz="2500" b="0" i="0" u="none" strike="noStrike" cap="none" spc="0">
+              <a:solidFill>
+                <a:schemeClr val="tx1"/>
+              </a:solidFill>
+              <a:latin typeface="Andale Mono"/>
+              <a:ea typeface="Andale Mono"/>
+              <a:cs typeface="Andale Mono"/>
+            </a:endParaRPr>
+          </a:p>
+          <a:p>
+            <a:pPr>
+              <a:defRPr/>
+            </a:pPr>
+            <a:r>
+              <a:rPr lang="en-US" sz="2800" b="0" i="0" u="none" strike="noStrike" cap="none" spc="0">
+                <a:solidFill>
+                  <a:schemeClr val="tx1"/>
                 </a:solidFill>
                 <a:latin typeface="Arial"/>
                 <a:ea typeface="Arial"/>
                 <a:cs typeface="Arial"/>
               </a:rPr>
-              <a:t>http://bclug.ca:8008/d3/kwlug/bar-chart/page3.html</a:t>
-            </a:r>
-            <a:endParaRPr/>
+              <a:t>Updating DOM elements is easier with D3.js</a:t>
+            </a:r>
+            <a:endParaRPr lang="en-US" sz="2800" b="0" i="0" u="none" strike="noStrike" cap="none" spc="0">
+              <a:solidFill>
+                <a:schemeClr val="tx1"/>
+              </a:solidFill>
+              <a:latin typeface="Arial"/>
+              <a:ea typeface="Arial"/>
+              <a:cs typeface="Arial"/>
+            </a:endParaRPr>
           </a:p>
         </p:txBody>
       </p:sp>
@@ -9735,7 +11257,7 @@
       </p:grpSpPr>
       <p:sp>
         <p:nvSpPr>
-          <p:cNvPr id="513956008" name="Title 1" hidden="0"/>
+          <p:cNvPr id="1044949505" name="Title 1" hidden="0"/>
           <p:cNvSpPr>
             <a:spLocks noGrp="1"/>
           </p:cNvSpPr>
@@ -9743,350 +11265,160 @@
             <p:ph type="title" hasCustomPrompt="0"/>
           </p:nvPr>
         </p:nvSpPr>
-        <p:spPr bwMode="auto"/>
+        <p:spPr bwMode="auto">
+          <a:xfrm>
+            <a:off x="831849" y="1709737"/>
+            <a:ext cx="10515600" cy="2852736"/>
+          </a:xfrm>
+        </p:spPr>
+        <p:txBody>
+          <a:bodyPr anchor="b"/>
+          <a:lstStyle>
+            <a:lvl1pPr>
+              <a:defRPr sz="6000"/>
+            </a:lvl1pPr>
+          </a:lstStyle>
+          <a:p>
+            <a:pPr>
+              <a:defRPr/>
+            </a:pPr>
+            <a:r>
+              <a:rPr/>
+              <a:t>Page 3</a:t>
+            </a:r>
+            <a:endParaRPr/>
+          </a:p>
+        </p:txBody>
+      </p:sp>
+      <p:sp>
+        <p:nvSpPr>
+          <p:cNvPr id="890947534" name="Text Placeholder 2" hidden="0"/>
+          <p:cNvSpPr>
+            <a:spLocks noGrp="1"/>
+          </p:cNvSpPr>
+          <p:nvPr isPhoto="0" userDrawn="0">
+            <p:ph type="body" idx="1" hasCustomPrompt="0"/>
+          </p:nvPr>
+        </p:nvSpPr>
+        <p:spPr bwMode="auto">
+          <a:xfrm>
+            <a:off x="831849" y="4589462"/>
+            <a:ext cx="10515600" cy="1500186"/>
+          </a:xfrm>
+        </p:spPr>
         <p:txBody>
           <a:bodyPr/>
-          <a:lstStyle/>
-          <a:p>
-            <a:pPr>
-              <a:defRPr/>
-            </a:pPr>
-            <a:r>
-              <a:rPr/>
-              <a:t>Creating Scales</a:t>
+          <a:lstStyle>
+            <a:lvl1pPr marL="0" indent="0">
+              <a:buNone/>
+              <a:defRPr sz="2400">
+                <a:solidFill>
+                  <a:schemeClr val="tx1">
+                    <a:tint val="75000"/>
+                  </a:schemeClr>
+                </a:solidFill>
+              </a:defRPr>
+            </a:lvl1pPr>
+            <a:lvl2pPr marL="457200" indent="0">
+              <a:buNone/>
+              <a:defRPr sz="2000">
+                <a:solidFill>
+                  <a:schemeClr val="tx1">
+                    <a:tint val="75000"/>
+                  </a:schemeClr>
+                </a:solidFill>
+              </a:defRPr>
+            </a:lvl2pPr>
+            <a:lvl3pPr marL="914400" indent="0">
+              <a:buNone/>
+              <a:defRPr sz="1800">
+                <a:solidFill>
+                  <a:schemeClr val="tx1">
+                    <a:tint val="75000"/>
+                  </a:schemeClr>
+                </a:solidFill>
+              </a:defRPr>
+            </a:lvl3pPr>
+            <a:lvl4pPr marL="1371600" indent="0">
+              <a:buNone/>
+              <a:defRPr sz="1600">
+                <a:solidFill>
+                  <a:schemeClr val="tx1">
+                    <a:tint val="75000"/>
+                  </a:schemeClr>
+                </a:solidFill>
+              </a:defRPr>
+            </a:lvl4pPr>
+            <a:lvl5pPr marL="1828800" indent="0">
+              <a:buNone/>
+              <a:defRPr sz="1600">
+                <a:solidFill>
+                  <a:schemeClr val="tx1">
+                    <a:tint val="75000"/>
+                  </a:schemeClr>
+                </a:solidFill>
+              </a:defRPr>
+            </a:lvl5pPr>
+            <a:lvl6pPr marL="2286000" indent="0">
+              <a:buNone/>
+              <a:defRPr sz="1600">
+                <a:solidFill>
+                  <a:schemeClr val="tx1">
+                    <a:tint val="75000"/>
+                  </a:schemeClr>
+                </a:solidFill>
+              </a:defRPr>
+            </a:lvl6pPr>
+            <a:lvl7pPr marL="2743200" indent="0">
+              <a:buNone/>
+              <a:defRPr sz="1600">
+                <a:solidFill>
+                  <a:schemeClr val="tx1">
+                    <a:tint val="75000"/>
+                  </a:schemeClr>
+                </a:solidFill>
+              </a:defRPr>
+            </a:lvl7pPr>
+            <a:lvl8pPr marL="3200400" indent="0">
+              <a:buNone/>
+              <a:defRPr sz="1600">
+                <a:solidFill>
+                  <a:schemeClr val="tx1">
+                    <a:tint val="75000"/>
+                  </a:schemeClr>
+                </a:solidFill>
+              </a:defRPr>
+            </a:lvl8pPr>
+            <a:lvl9pPr marL="3657600" indent="0">
+              <a:buNone/>
+              <a:defRPr sz="1600">
+                <a:solidFill>
+                  <a:schemeClr val="tx1">
+                    <a:tint val="75000"/>
+                  </a:schemeClr>
+                </a:solidFill>
+              </a:defRPr>
+            </a:lvl9pPr>
+          </a:lstStyle>
+          <a:p>
+            <a:pPr>
+              <a:defRPr/>
+            </a:pPr>
+            <a:r>
+              <a:rPr lang="en-US" sz="2400" b="0" i="0" u="sng" strike="noStrike" cap="none" spc="0">
+                <a:solidFill>
+                  <a:schemeClr val="tx1">
+                    <a:tint val="75000"/>
+                  </a:schemeClr>
+                </a:solidFill>
+                <a:latin typeface="Arial"/>
+                <a:ea typeface="Arial"/>
+                <a:cs typeface="Arial"/>
+                <a:hlinkClick r:id="rId2" tooltip="Page 3"/>
+              </a:rPr>
+              <a:t>http://bclug.ca:8008/d3/kwlug/bar-chart/page3.html</a:t>
             </a:r>
             <a:endParaRPr/>
-          </a:p>
-        </p:txBody>
-      </p:sp>
-      <p:sp>
-        <p:nvSpPr>
-          <p:cNvPr id="914351420" name="Content Placeholder 2" hidden="0"/>
-          <p:cNvSpPr>
-            <a:spLocks noGrp="1"/>
-          </p:cNvSpPr>
-          <p:nvPr isPhoto="0" userDrawn="0">
-            <p:ph idx="1" hasCustomPrompt="0"/>
-          </p:nvPr>
-        </p:nvSpPr>
-        <p:spPr bwMode="auto"/>
-        <p:txBody>
-          <a:bodyPr vertOverflow="overflow" horzOverflow="clip" vert="horz" wrap="square" lIns="91440" tIns="45720" rIns="91440" bIns="45720" numCol="1" spcCol="0" rtlCol="0" fromWordArt="0" anchor="t" anchorCtr="0" forceAA="0" upright="0" compatLnSpc="0">
-            <a:normAutofit fontScale="90000" lnSpcReduction="2000"/>
-          </a:bodyPr>
-          <a:lstStyle/>
-          <a:p>
-            <a:pPr>
-              <a:defRPr/>
-            </a:pPr>
-            <a:r>
-              <a:rPr/>
-              <a:t>Data visualization requires scales</a:t>
-            </a:r>
-            <a:endParaRPr/>
-          </a:p>
-          <a:p>
-            <a:pPr>
-              <a:defRPr/>
-            </a:pPr>
-            <a:r>
-              <a:rPr/>
-              <a:t>A scale’s domain is the range of data to be plotted</a:t>
-            </a:r>
-            <a:endParaRPr/>
-          </a:p>
-          <a:p>
-            <a:pPr>
-              <a:defRPr/>
-            </a:pPr>
-            <a:r>
-              <a:rPr/>
-              <a:t>A scale’s range is the location in the SVG to plot the data</a:t>
-            </a:r>
-            <a:endParaRPr/>
-          </a:p>
-          <a:p>
-            <a:pPr>
-              <a:defRPr/>
-            </a:pPr>
-            <a:r>
-              <a:rPr/>
-              <a:t>Many scales to choose from, we’ll use </a:t>
-            </a:r>
-            <a:r>
-              <a:rPr>
-                <a:latin typeface="Andale Mono"/>
-                <a:ea typeface="Andale Mono"/>
-                <a:cs typeface="Andale Mono"/>
-              </a:rPr>
-              <a:t>scaleLinear</a:t>
-            </a:r>
-            <a:r>
-              <a:rPr/>
-              <a:t>:</a:t>
-            </a:r>
-            <a:endParaRPr/>
-          </a:p>
-          <a:p>
-            <a:pPr marL="0" indent="0">
-              <a:buFont typeface="Arial"/>
-              <a:buNone/>
-              <a:defRPr/>
-            </a:pPr>
-            <a:endParaRPr lang="en-US" sz="2100" b="0" i="0" u="none" strike="noStrike" cap="none" spc="0">
-              <a:solidFill>
-                <a:schemeClr val="tx1"/>
-              </a:solidFill>
-              <a:latin typeface="Andale Mono"/>
-              <a:ea typeface="Andale Mono"/>
-              <a:cs typeface="Andale Mono"/>
-            </a:endParaRPr>
-          </a:p>
-          <a:p>
-            <a:pPr marL="0" indent="0">
-              <a:buFont typeface="Arial"/>
-              <a:buNone/>
-              <a:defRPr/>
-            </a:pPr>
-            <a:r>
-              <a:rPr lang="en-US" sz="2100" b="0" i="0" u="none" strike="noStrike" cap="none" spc="0">
-                <a:solidFill>
-                  <a:schemeClr val="tx1"/>
-                </a:solidFill>
-                <a:latin typeface="Andale Mono"/>
-                <a:ea typeface="Andale Mono"/>
-                <a:cs typeface="Andale Mono"/>
-              </a:rPr>
-              <a:t>xScale </a:t>
-            </a:r>
-            <a:r>
-              <a:rPr lang="en-US" sz="2100" b="0" i="0" u="none" strike="noStrike" cap="none" spc="0">
-                <a:solidFill>
-                  <a:schemeClr val="tx1"/>
-                </a:solidFill>
-                <a:latin typeface="Andale Mono"/>
-                <a:ea typeface="Andale Mono"/>
-                <a:cs typeface="Andale Mono"/>
-              </a:rPr>
-              <a:t>= d3.scaleLinear()</a:t>
-            </a:r>
-            <a:br>
-              <a:rPr lang="en-US" sz="2100" b="0" i="0" u="none" strike="noStrike" cap="none" spc="0">
-                <a:solidFill>
-                  <a:schemeClr val="tx1"/>
-                </a:solidFill>
-                <a:latin typeface="Andale Mono"/>
-                <a:ea typeface="Andale Mono"/>
-                <a:cs typeface="Andale Mono"/>
-              </a:rPr>
-            </a:br>
-            <a:r>
-              <a:rPr lang="en-US" sz="2100" b="0" i="0" u="none" strike="noStrike" cap="none" spc="0">
-                <a:solidFill>
-                  <a:schemeClr val="tx1"/>
-                </a:solidFill>
-                <a:latin typeface="Andale Mono"/>
-                <a:ea typeface="Andale Mono"/>
-                <a:cs typeface="Andale Mono"/>
-              </a:rPr>
-              <a:t>	</a:t>
-            </a:r>
-            <a:r>
-              <a:rPr lang="en-US" sz="2100" b="0" i="0" u="none" strike="noStrike" cap="none" spc="0">
-                <a:solidFill>
-                  <a:schemeClr val="tx1"/>
-                </a:solidFill>
-                <a:latin typeface="Andale Mono"/>
-                <a:ea typeface="Andale Mono"/>
-                <a:cs typeface="Andale Mono"/>
-              </a:rPr>
-              <a:t>// domain is number of months in a year:</a:t>
-            </a:r>
-            <a:br>
-              <a:rPr lang="en-US" sz="2100" b="0" i="0" u="none" strike="noStrike" cap="none" spc="0">
-                <a:solidFill>
-                  <a:schemeClr val="tx1"/>
-                </a:solidFill>
-                <a:latin typeface="Andale Mono"/>
-                <a:ea typeface="Andale Mono"/>
-                <a:cs typeface="Andale Mono"/>
-              </a:rPr>
-            </a:br>
-            <a:r>
-              <a:rPr lang="en-US" sz="2100" b="0" i="0" u="none" strike="noStrike" cap="none" spc="0">
-                <a:solidFill>
-                  <a:schemeClr val="tx1"/>
-                </a:solidFill>
-                <a:latin typeface="Andale Mono"/>
-                <a:ea typeface="Andale Mono"/>
-                <a:cs typeface="Andale Mono"/>
-              </a:rPr>
-              <a:t>	</a:t>
-            </a:r>
-            <a:r>
-              <a:rPr lang="en-US" sz="2100" b="0" i="0" u="none" strike="noStrike" cap="none" spc="0">
-                <a:solidFill>
-                  <a:schemeClr val="tx1"/>
-                </a:solidFill>
-                <a:latin typeface="Andale Mono"/>
-                <a:ea typeface="Andale Mono"/>
-                <a:cs typeface="Andale Mono"/>
-              </a:rPr>
-              <a:t>.domain([ </a:t>
-            </a:r>
-            <a:r>
-              <a:rPr lang="en-US" sz="2100" b="0" i="0" u="none" strike="noStrike" cap="none" spc="0">
-                <a:solidFill>
-                  <a:schemeClr val="tx1"/>
-                </a:solidFill>
-                <a:latin typeface="Andale Mono"/>
-                <a:ea typeface="Andale Mono"/>
-                <a:cs typeface="Andale Mono"/>
-              </a:rPr>
-              <a:t>1</a:t>
-            </a:r>
-            <a:r>
-              <a:rPr lang="en-US" sz="2100" b="0" i="0" u="none" strike="noStrike" cap="none" spc="0">
-                <a:solidFill>
-                  <a:schemeClr val="tx1"/>
-                </a:solidFill>
-                <a:latin typeface="Andale Mono"/>
-                <a:ea typeface="Andale Mono"/>
-                <a:cs typeface="Andale Mono"/>
-              </a:rPr>
-              <a:t>,</a:t>
-            </a:r>
-            <a:r>
-              <a:rPr lang="en-US" sz="2100" b="0" i="0" u="none" strike="noStrike" cap="none" spc="0">
-                <a:solidFill>
-                  <a:schemeClr val="tx1"/>
-                </a:solidFill>
-                <a:latin typeface="Andale Mono"/>
-                <a:ea typeface="Andale Mono"/>
-                <a:cs typeface="Andale Mono"/>
-              </a:rPr>
-              <a:t>12</a:t>
-            </a:r>
-            <a:r>
-              <a:rPr lang="en-US" sz="2100" b="0" i="0" u="none" strike="noStrike" cap="none" spc="0">
-                <a:solidFill>
-                  <a:schemeClr val="tx1"/>
-                </a:solidFill>
-                <a:latin typeface="Andale Mono"/>
-                <a:ea typeface="Andale Mono"/>
-                <a:cs typeface="Andale Mono"/>
-              </a:rPr>
-              <a:t> ])</a:t>
-            </a:r>
-            <a:endParaRPr lang="en-US" sz="2100" b="0" i="0" u="none" strike="noStrike" cap="none" spc="0">
-              <a:solidFill>
-                <a:schemeClr val="tx1"/>
-              </a:solidFill>
-              <a:latin typeface="Andale Mono"/>
-              <a:ea typeface="Andale Mono"/>
-              <a:cs typeface="Andale Mono"/>
-            </a:endParaRPr>
-          </a:p>
-          <a:p>
-            <a:pPr marL="0" indent="0">
-              <a:buFont typeface="Arial"/>
-              <a:buNone/>
-              <a:defRPr/>
-            </a:pPr>
-            <a:r>
-              <a:rPr lang="en-US" sz="2100" b="0" i="0" u="none" strike="noStrike" cap="none" spc="0">
-                <a:solidFill>
-                  <a:schemeClr val="tx1"/>
-                </a:solidFill>
-                <a:latin typeface="Andale Mono"/>
-                <a:ea typeface="Andale Mono"/>
-                <a:cs typeface="Andale Mono"/>
-              </a:rPr>
-              <a:t>	// Spread bars across width of SVG starting at padding offset:</a:t>
-            </a:r>
-            <a:br>
-              <a:rPr lang="en-US" sz="2100" b="0" i="0" u="none" strike="noStrike" cap="none" spc="0">
-                <a:solidFill>
-                  <a:schemeClr val="tx1"/>
-                </a:solidFill>
-                <a:latin typeface="Andale Mono"/>
-                <a:ea typeface="Andale Mono"/>
-                <a:cs typeface="Andale Mono"/>
-              </a:rPr>
-            </a:br>
-            <a:r>
-              <a:rPr lang="en-US" sz="2100" b="0" i="0" u="none" strike="noStrike" cap="none" spc="0">
-                <a:solidFill>
-                  <a:schemeClr val="tx1"/>
-                </a:solidFill>
-                <a:latin typeface="Andale Mono"/>
-                <a:ea typeface="Andale Mono"/>
-                <a:cs typeface="Andale Mono"/>
-              </a:rPr>
-              <a:t>	</a:t>
-            </a:r>
-            <a:r>
-              <a:rPr lang="en-US" sz="2100" b="0" i="0" u="none" strike="noStrike" cap="none" spc="0">
-                <a:solidFill>
-                  <a:schemeClr val="tx1"/>
-                </a:solidFill>
-                <a:latin typeface="Andale Mono"/>
-                <a:ea typeface="Andale Mono"/>
-                <a:cs typeface="Andale Mono"/>
-              </a:rPr>
-              <a:t>.range([ padding.left</a:t>
-            </a:r>
-            <a:r>
-              <a:rPr lang="en-US" sz="2100" b="0" i="0" u="none" strike="noStrike" cap="none" spc="0">
-                <a:solidFill>
-                  <a:schemeClr val="tx1"/>
-                </a:solidFill>
-                <a:latin typeface="Andale Mono"/>
-                <a:ea typeface="Andale Mono"/>
-                <a:cs typeface="Andale Mono"/>
-              </a:rPr>
-              <a:t>, padding.left + width </a:t>
-            </a:r>
-            <a:r>
-              <a:rPr lang="en-US" sz="2100" b="0" i="0" u="none" strike="noStrike" cap="none" spc="0">
-                <a:solidFill>
-                  <a:schemeClr val="tx1"/>
-                </a:solidFill>
-                <a:latin typeface="Andale Mono"/>
-                <a:ea typeface="Andale Mono"/>
-                <a:cs typeface="Andale Mono"/>
-              </a:rPr>
-              <a:t>]</a:t>
-            </a:r>
-            <a:r>
-              <a:rPr lang="en-US" sz="2100" b="0" i="0" u="none" strike="noStrike" cap="none" spc="0">
-                <a:solidFill>
-                  <a:schemeClr val="tx1"/>
-                </a:solidFill>
-                <a:latin typeface="Andale Mono"/>
-                <a:ea typeface="Andale Mono"/>
-                <a:cs typeface="Andale Mono"/>
-              </a:rPr>
-              <a:t>)</a:t>
-            </a:r>
-            <a:br>
-              <a:rPr lang="en-US" sz="2100" b="0" i="0" u="none" strike="noStrike" cap="none" spc="0">
-                <a:solidFill>
-                  <a:schemeClr val="tx1"/>
-                </a:solidFill>
-                <a:latin typeface="Andale Mono"/>
-                <a:ea typeface="Andale Mono"/>
-                <a:cs typeface="Andale Mono"/>
-              </a:rPr>
-            </a:br>
-            <a:endParaRPr lang="en-US" sz="2100" b="0" i="0" u="none" strike="noStrike" cap="none" spc="0">
-              <a:solidFill>
-                <a:schemeClr val="tx1"/>
-              </a:solidFill>
-              <a:latin typeface="Andale Mono"/>
-              <a:ea typeface="Andale Mono"/>
-              <a:cs typeface="Andale Mono"/>
-            </a:endParaRPr>
           </a:p>
         </p:txBody>
       </p:sp>

--- a/BarChart Slideshow 2.pptx
+++ b/BarChart Slideshow 2.pptx
@@ -10275,7 +10275,7 @@
         <p:spPr bwMode="auto"/>
         <p:txBody>
           <a:bodyPr vertOverflow="overflow" horzOverflow="clip" vert="horz" wrap="square" lIns="91440" tIns="45720" rIns="91440" bIns="45720" numCol="1" spcCol="0" rtlCol="0" fromWordArt="0" anchor="t" anchorCtr="0" forceAA="0" upright="0" compatLnSpc="0">
-            <a:normAutofit fontScale="95000" lnSpcReduction="1000"/>
+            <a:normAutofit fontScale="85000" lnSpcReduction="3000"/>
           </a:bodyPr>
           <a:lstStyle/>
           <a:p>
@@ -10284,7 +10284,7 @@
             </a:pPr>
             <a:r>
               <a:rPr/>
-              <a:t>To fetch some data (several formats supported), queue request(s) for asynchronous retrieval into global variable birthData:</a:t>
+              <a:t>To fetch some data (several formats supported), queue request(s) for asynchronous retrieval into global new variable birthDataJSON:</a:t>
             </a:r>
             <a:endParaRPr/>
           </a:p>
@@ -10571,6 +10571,32 @@
                 <a:cs typeface="Andale Mono"/>
               </a:rPr>
               <a:t> error;</a:t>
+            </a:r>
+            <a:endParaRPr lang="en-US" sz="2500" b="0" i="0" u="none" strike="noStrike" cap="none" spc="0">
+              <a:solidFill>
+                <a:schemeClr val="tx1"/>
+              </a:solidFill>
+              <a:latin typeface="Andale Mono"/>
+              <a:ea typeface="Andale Mono"/>
+              <a:cs typeface="Andale Mono"/>
+            </a:endParaRPr>
+          </a:p>
+          <a:p>
+            <a:pPr marL="0" indent="0">
+              <a:buFont typeface="Arial"/>
+              <a:buNone/>
+              <a:defRPr/>
+            </a:pPr>
+            <a:r>
+              <a:rPr lang="en-US" sz="2500" b="0" i="0" u="none" strike="noStrike" cap="none" spc="0">
+                <a:solidFill>
+                  <a:schemeClr val="tx1"/>
+                </a:solidFill>
+                <a:latin typeface="Andale Mono"/>
+                <a:ea typeface="Andale Mono"/>
+                <a:cs typeface="Andale Mono"/>
+              </a:rPr>
+              <a:t>		birthData = birthDataJSON; // assign to global var</a:t>
             </a:r>
             <a:br>
               <a:rPr lang="en-US" sz="2500" b="0" i="0" u="none" strike="noStrike" cap="none" spc="0">
